--- a/Presentación Taller GMap.pptx
+++ b/Presentación Taller GMap.pptx
@@ -2,18 +2,23 @@
 <file path=ppt/presentation.xml><?xml version="1.0" encoding="utf-8"?>
 <p:presentation xmlns:a="http://schemas.openxmlformats.org/drawingml/2006/main" xmlns:r="http://schemas.openxmlformats.org/officeDocument/2006/relationships" xmlns:p="http://schemas.openxmlformats.org/presentationml/2006/main" saveSubsetFonts="1">
   <p:sldMasterIdLst>
-    <p:sldMasterId id="2147483648" r:id="rId1"/>
+    <p:sldMasterId id="2147483702" r:id="rId1"/>
   </p:sldMasterIdLst>
   <p:sldIdLst>
     <p:sldId id="256" r:id="rId2"/>
+    <p:sldId id="257" r:id="rId3"/>
+    <p:sldId id="258" r:id="rId4"/>
+    <p:sldId id="259" r:id="rId5"/>
+    <p:sldId id="261" r:id="rId6"/>
+    <p:sldId id="260" r:id="rId7"/>
   </p:sldIdLst>
   <p:sldSz cx="12192000" cy="6858000"/>
   <p:notesSz cx="6858000" cy="9144000"/>
   <p:defaultTextStyle>
     <a:defPPr>
-      <a:defRPr lang="es-CO"/>
+      <a:defRPr lang="en-US"/>
     </a:defPPr>
-    <a:lvl1pPr marL="0" algn="l" defTabSz="914400" rtl="0" eaLnBrk="1" latinLnBrk="0" hangingPunct="1">
+    <a:lvl1pPr marL="0" algn="l" defTabSz="457200" rtl="0" eaLnBrk="1" latinLnBrk="0" hangingPunct="1">
       <a:defRPr sz="1800" kern="1200">
         <a:solidFill>
           <a:schemeClr val="tx1"/>
@@ -23,7 +28,7 @@
         <a:cs typeface="+mn-cs"/>
       </a:defRPr>
     </a:lvl1pPr>
-    <a:lvl2pPr marL="457200" algn="l" defTabSz="914400" rtl="0" eaLnBrk="1" latinLnBrk="0" hangingPunct="1">
+    <a:lvl2pPr marL="457200" algn="l" defTabSz="457200" rtl="0" eaLnBrk="1" latinLnBrk="0" hangingPunct="1">
       <a:defRPr sz="1800" kern="1200">
         <a:solidFill>
           <a:schemeClr val="tx1"/>
@@ -33,7 +38,7 @@
         <a:cs typeface="+mn-cs"/>
       </a:defRPr>
     </a:lvl2pPr>
-    <a:lvl3pPr marL="914400" algn="l" defTabSz="914400" rtl="0" eaLnBrk="1" latinLnBrk="0" hangingPunct="1">
+    <a:lvl3pPr marL="914400" algn="l" defTabSz="457200" rtl="0" eaLnBrk="1" latinLnBrk="0" hangingPunct="1">
       <a:defRPr sz="1800" kern="1200">
         <a:solidFill>
           <a:schemeClr val="tx1"/>
@@ -43,7 +48,7 @@
         <a:cs typeface="+mn-cs"/>
       </a:defRPr>
     </a:lvl3pPr>
-    <a:lvl4pPr marL="1371600" algn="l" defTabSz="914400" rtl="0" eaLnBrk="1" latinLnBrk="0" hangingPunct="1">
+    <a:lvl4pPr marL="1371600" algn="l" defTabSz="457200" rtl="0" eaLnBrk="1" latinLnBrk="0" hangingPunct="1">
       <a:defRPr sz="1800" kern="1200">
         <a:solidFill>
           <a:schemeClr val="tx1"/>
@@ -53,7 +58,7 @@
         <a:cs typeface="+mn-cs"/>
       </a:defRPr>
     </a:lvl4pPr>
-    <a:lvl5pPr marL="1828800" algn="l" defTabSz="914400" rtl="0" eaLnBrk="1" latinLnBrk="0" hangingPunct="1">
+    <a:lvl5pPr marL="1828800" algn="l" defTabSz="457200" rtl="0" eaLnBrk="1" latinLnBrk="0" hangingPunct="1">
       <a:defRPr sz="1800" kern="1200">
         <a:solidFill>
           <a:schemeClr val="tx1"/>
@@ -63,7 +68,7 @@
         <a:cs typeface="+mn-cs"/>
       </a:defRPr>
     </a:lvl5pPr>
-    <a:lvl6pPr marL="2286000" algn="l" defTabSz="914400" rtl="0" eaLnBrk="1" latinLnBrk="0" hangingPunct="1">
+    <a:lvl6pPr marL="2286000" algn="l" defTabSz="457200" rtl="0" eaLnBrk="1" latinLnBrk="0" hangingPunct="1">
       <a:defRPr sz="1800" kern="1200">
         <a:solidFill>
           <a:schemeClr val="tx1"/>
@@ -73,7 +78,7 @@
         <a:cs typeface="+mn-cs"/>
       </a:defRPr>
     </a:lvl6pPr>
-    <a:lvl7pPr marL="2743200" algn="l" defTabSz="914400" rtl="0" eaLnBrk="1" latinLnBrk="0" hangingPunct="1">
+    <a:lvl7pPr marL="2743200" algn="l" defTabSz="457200" rtl="0" eaLnBrk="1" latinLnBrk="0" hangingPunct="1">
       <a:defRPr sz="1800" kern="1200">
         <a:solidFill>
           <a:schemeClr val="tx1"/>
@@ -83,7 +88,7 @@
         <a:cs typeface="+mn-cs"/>
       </a:defRPr>
     </a:lvl7pPr>
-    <a:lvl8pPr marL="3200400" algn="l" defTabSz="914400" rtl="0" eaLnBrk="1" latinLnBrk="0" hangingPunct="1">
+    <a:lvl8pPr marL="3200400" algn="l" defTabSz="457200" rtl="0" eaLnBrk="1" latinLnBrk="0" hangingPunct="1">
       <a:defRPr sz="1800" kern="1200">
         <a:solidFill>
           <a:schemeClr val="tx1"/>
@@ -93,7 +98,7 @@
         <a:cs typeface="+mn-cs"/>
       </a:defRPr>
     </a:lvl8pPr>
-    <a:lvl9pPr marL="3657600" algn="l" defTabSz="914400" rtl="0" eaLnBrk="1" latinLnBrk="0" hangingPunct="1">
+    <a:lvl9pPr marL="3657600" algn="l" defTabSz="457200" rtl="0" eaLnBrk="1" latinLnBrk="0" hangingPunct="1">
       <a:defRPr sz="1800" kern="1200">
         <a:solidFill>
           <a:schemeClr val="tx1"/>
@@ -108,7 +113,7 @@
 </file>
 
 <file path=ppt/slideLayouts/slideLayout1.xml><?xml version="1.0" encoding="utf-8"?>
-<p:sldLayout xmlns:a="http://schemas.openxmlformats.org/drawingml/2006/main" xmlns:r="http://schemas.openxmlformats.org/officeDocument/2006/relationships" xmlns:p="http://schemas.openxmlformats.org/presentationml/2006/main" type="title" preserve="1">
+<p:sldLayout xmlns:a="http://schemas.openxmlformats.org/drawingml/2006/main" xmlns:r="http://schemas.openxmlformats.org/officeDocument/2006/relationships" xmlns:p="http://schemas.openxmlformats.org/presentationml/2006/main" showMasterSp="0" type="title" preserve="1">
   <p:cSld name="Diapositiva de título">
     <p:spTree>
       <p:nvGrpSpPr>
@@ -126,31 +131,109 @@
       </p:grpSpPr>
       <p:sp>
         <p:nvSpPr>
-          <p:cNvPr id="2" name="Título 1">
-            <a:extLst>
-              <a:ext uri="{FF2B5EF4-FFF2-40B4-BE49-F238E27FC236}">
-                <a16:creationId xmlns:a16="http://schemas.microsoft.com/office/drawing/2014/main" id="{44A192C3-10F8-4667-AA01-8C67D1022736}"/>
-              </a:ext>
-            </a:extLst>
-          </p:cNvPr>
-          <p:cNvSpPr>
-            <a:spLocks noGrp="1"/>
-          </p:cNvSpPr>
-          <p:nvPr>
-            <p:ph type="ctrTitle"/>
-          </p:nvPr>
+          <p:cNvPr id="7" name="Rectangle 6"/>
+          <p:cNvSpPr/>
+          <p:nvPr/>
         </p:nvSpPr>
         <p:spPr>
           <a:xfrm>
-            <a:off x="1524000" y="1122363"/>
-            <a:ext cx="9144000" cy="2387600"/>
+            <a:off x="0" y="761999"/>
+            <a:ext cx="9141619" cy="5334001"/>
+          </a:xfrm>
+          <a:prstGeom prst="rect">
+            <a:avLst/>
+          </a:prstGeom>
+          <a:solidFill>
+            <a:schemeClr val="accent1"/>
+          </a:solidFill>
+          <a:ln>
+            <a:noFill/>
+          </a:ln>
+        </p:spPr>
+        <p:style>
+          <a:lnRef idx="2">
+            <a:schemeClr val="accent1">
+              <a:shade val="50000"/>
+            </a:schemeClr>
+          </a:lnRef>
+          <a:fillRef idx="1">
+            <a:schemeClr val="accent1"/>
+          </a:fillRef>
+          <a:effectRef idx="0">
+            <a:schemeClr val="accent1"/>
+          </a:effectRef>
+          <a:fontRef idx="minor">
+            <a:schemeClr val="lt1"/>
+          </a:fontRef>
+        </p:style>
+      </p:sp>
+      <p:sp>
+        <p:nvSpPr>
+          <p:cNvPr id="8" name="Rectangle 7"/>
+          <p:cNvSpPr/>
+          <p:nvPr/>
+        </p:nvSpPr>
+        <p:spPr>
+          <a:xfrm>
+            <a:off x="9270263" y="761999"/>
+            <a:ext cx="2925318" cy="5334001"/>
+          </a:xfrm>
+          <a:prstGeom prst="rect">
+            <a:avLst/>
+          </a:prstGeom>
+          <a:solidFill>
+            <a:srgbClr val="C8C8C8">
+              <a:alpha val="50000"/>
+            </a:srgbClr>
+          </a:solidFill>
+          <a:ln>
+            <a:noFill/>
+          </a:ln>
+        </p:spPr>
+        <p:style>
+          <a:lnRef idx="2">
+            <a:schemeClr val="accent1">
+              <a:shade val="50000"/>
+            </a:schemeClr>
+          </a:lnRef>
+          <a:fillRef idx="1">
+            <a:schemeClr val="accent1"/>
+          </a:fillRef>
+          <a:effectRef idx="0">
+            <a:schemeClr val="accent1"/>
+          </a:effectRef>
+          <a:fontRef idx="minor">
+            <a:schemeClr val="lt1"/>
+          </a:fontRef>
+        </p:style>
+      </p:sp>
+      <p:sp>
+        <p:nvSpPr>
+          <p:cNvPr id="2" name="Title 1"/>
+          <p:cNvSpPr>
+            <a:spLocks noGrp="1"/>
+          </p:cNvSpPr>
+          <p:nvPr>
+            <p:ph type="ctrTitle"/>
+          </p:nvPr>
+        </p:nvSpPr>
+        <p:spPr>
+          <a:xfrm>
+            <a:off x="1069848" y="1298448"/>
+            <a:ext cx="7315200" cy="3255264"/>
           </a:xfrm>
         </p:spPr>
         <p:txBody>
-          <a:bodyPr anchor="b"/>
+          <a:bodyPr anchor="b">
+            <a:normAutofit/>
+          </a:bodyPr>
           <a:lstStyle>
-            <a:lvl1pPr algn="ctr">
-              <a:defRPr sz="6000"/>
+            <a:lvl1pPr algn="l">
+              <a:defRPr sz="5900" spc="-100" baseline="0">
+                <a:solidFill>
+                  <a:srgbClr val="FFFFFF"/>
+                </a:solidFill>
+              </a:defRPr>
             </a:lvl1pPr>
           </a:lstStyle>
           <a:p>
@@ -158,19 +241,13 @@
               <a:rPr lang="es-ES"/>
               <a:t>Haga clic para modificar el estilo de título del patrón</a:t>
             </a:r>
-            <a:endParaRPr lang="es-CO"/>
-          </a:p>
-        </p:txBody>
-      </p:sp>
-      <p:sp>
-        <p:nvSpPr>
-          <p:cNvPr id="3" name="Subtítulo 2">
-            <a:extLst>
-              <a:ext uri="{FF2B5EF4-FFF2-40B4-BE49-F238E27FC236}">
-                <a16:creationId xmlns:a16="http://schemas.microsoft.com/office/drawing/2014/main" id="{2C682C20-B915-42B7-B230-CF59D866A2F4}"/>
-              </a:ext>
-            </a:extLst>
-          </p:cNvPr>
+            <a:endParaRPr lang="en-US" dirty="0"/>
+          </a:p>
+        </p:txBody>
+      </p:sp>
+      <p:sp>
+        <p:nvSpPr>
+          <p:cNvPr id="3" name="Subtitle 2"/>
           <p:cNvSpPr>
             <a:spLocks noGrp="1"/>
           </p:cNvSpPr>
@@ -180,48 +257,57 @@
         </p:nvSpPr>
         <p:spPr>
           <a:xfrm>
-            <a:off x="1524000" y="3602038"/>
-            <a:ext cx="9144000" cy="1655762"/>
+            <a:off x="1100015" y="4670246"/>
+            <a:ext cx="7315200" cy="914400"/>
           </a:xfrm>
         </p:spPr>
         <p:txBody>
-          <a:bodyPr/>
+          <a:bodyPr anchor="t">
+            <a:normAutofit/>
+          </a:bodyPr>
           <a:lstStyle>
-            <a:lvl1pPr marL="0" indent="0" algn="ctr">
-              <a:buNone/>
-              <a:defRPr sz="2400"/>
+            <a:lvl1pPr marL="0" indent="0" algn="l">
+              <a:buNone/>
+              <a:defRPr sz="2200" cap="none" spc="0" baseline="0">
+                <a:solidFill>
+                  <a:schemeClr val="accent1">
+                    <a:lumMod val="20000"/>
+                    <a:lumOff val="80000"/>
+                  </a:schemeClr>
+                </a:solidFill>
+              </a:defRPr>
             </a:lvl1pPr>
             <a:lvl2pPr marL="457200" indent="0" algn="ctr">
               <a:buNone/>
-              <a:defRPr sz="2000"/>
+              <a:defRPr sz="2200"/>
             </a:lvl2pPr>
             <a:lvl3pPr marL="914400" indent="0" algn="ctr">
               <a:buNone/>
-              <a:defRPr sz="1800"/>
+              <a:defRPr sz="2200"/>
             </a:lvl3pPr>
             <a:lvl4pPr marL="1371600" indent="0" algn="ctr">
               <a:buNone/>
-              <a:defRPr sz="1600"/>
+              <a:defRPr sz="2000"/>
             </a:lvl4pPr>
             <a:lvl5pPr marL="1828800" indent="0" algn="ctr">
               <a:buNone/>
-              <a:defRPr sz="1600"/>
+              <a:defRPr sz="2000"/>
             </a:lvl5pPr>
             <a:lvl6pPr marL="2286000" indent="0" algn="ctr">
               <a:buNone/>
-              <a:defRPr sz="1600"/>
+              <a:defRPr sz="2000"/>
             </a:lvl6pPr>
             <a:lvl7pPr marL="2743200" indent="0" algn="ctr">
               <a:buNone/>
-              <a:defRPr sz="1600"/>
+              <a:defRPr sz="2000"/>
             </a:lvl7pPr>
             <a:lvl8pPr marL="3200400" indent="0" algn="ctr">
               <a:buNone/>
-              <a:defRPr sz="1600"/>
+              <a:defRPr sz="2000"/>
             </a:lvl8pPr>
             <a:lvl9pPr marL="3657600" indent="0" algn="ctr">
               <a:buNone/>
-              <a:defRPr sz="1600"/>
+              <a:defRPr sz="2000"/>
             </a:lvl9pPr>
           </a:lstStyle>
           <a:p>
@@ -229,19 +315,13 @@
               <a:rPr lang="es-ES"/>
               <a:t>Haga clic para modificar el estilo de subtítulo del patrón</a:t>
             </a:r>
-            <a:endParaRPr lang="es-CO"/>
-          </a:p>
-        </p:txBody>
-      </p:sp>
-      <p:sp>
-        <p:nvSpPr>
-          <p:cNvPr id="4" name="Marcador de fecha 3">
-            <a:extLst>
-              <a:ext uri="{FF2B5EF4-FFF2-40B4-BE49-F238E27FC236}">
-                <a16:creationId xmlns:a16="http://schemas.microsoft.com/office/drawing/2014/main" id="{72DCF033-AA6A-4B87-AE26-8F3F2D7759F4}"/>
-              </a:ext>
-            </a:extLst>
-          </p:cNvPr>
+            <a:endParaRPr lang="en-US" dirty="0"/>
+          </a:p>
+        </p:txBody>
+      </p:sp>
+      <p:sp>
+        <p:nvSpPr>
+          <p:cNvPr id="4" name="Date Placeholder 3"/>
           <p:cNvSpPr>
             <a:spLocks noGrp="1"/>
           </p:cNvSpPr>
@@ -254,7 +334,7 @@
           <a:bodyPr/>
           <a:lstStyle/>
           <a:p>
-            <a:fld id="{89204995-305C-46D0-A643-06DE6E7F3579}" type="datetimeFigureOut">
+            <a:fld id="{8123E68F-6531-460D-AFB1-DEBCBCF7C0BF}" type="datetimeFigureOut">
               <a:rPr lang="es-CO" smtClean="0"/>
               <a:t>3/02/2019</a:t>
             </a:fld>
@@ -264,13 +344,7 @@
       </p:sp>
       <p:sp>
         <p:nvSpPr>
-          <p:cNvPr id="5" name="Marcador de pie de página 4">
-            <a:extLst>
-              <a:ext uri="{FF2B5EF4-FFF2-40B4-BE49-F238E27FC236}">
-                <a16:creationId xmlns:a16="http://schemas.microsoft.com/office/drawing/2014/main" id="{14D49FE4-DDDB-4A39-AF00-E34D8875DA6A}"/>
-              </a:ext>
-            </a:extLst>
-          </p:cNvPr>
+          <p:cNvPr id="5" name="Footer Placeholder 4"/>
           <p:cNvSpPr>
             <a:spLocks noGrp="1"/>
           </p:cNvSpPr>
@@ -289,13 +363,7 @@
       </p:sp>
       <p:sp>
         <p:nvSpPr>
-          <p:cNvPr id="6" name="Marcador de número de diapositiva 5">
-            <a:extLst>
-              <a:ext uri="{FF2B5EF4-FFF2-40B4-BE49-F238E27FC236}">
-                <a16:creationId xmlns:a16="http://schemas.microsoft.com/office/drawing/2014/main" id="{F6131D29-5A4C-4656-A0B3-B852069F2C0D}"/>
-              </a:ext>
-            </a:extLst>
-          </p:cNvPr>
+          <p:cNvPr id="6" name="Slide Number Placeholder 5"/>
           <p:cNvSpPr>
             <a:spLocks noGrp="1"/>
           </p:cNvSpPr>
@@ -308,7 +376,7 @@
           <a:bodyPr/>
           <a:lstStyle/>
           <a:p>
-            <a:fld id="{BC36FF6D-1195-4DF7-A505-16EEF4C0F7B0}" type="slidenum">
+            <a:fld id="{E82B70C3-A164-4C22-A203-5EB0D203A115}" type="slidenum">
               <a:rPr lang="es-CO" smtClean="0"/>
               <a:t>‹Nº›</a:t>
             </a:fld>
@@ -319,7 +387,7 @@
     </p:spTree>
     <p:extLst>
       <p:ext uri="{BB962C8B-B14F-4D97-AF65-F5344CB8AC3E}">
-        <p14:creationId xmlns:p14="http://schemas.microsoft.com/office/powerpoint/2010/main" val="3604045432"/>
+        <p14:creationId xmlns:p14="http://schemas.microsoft.com/office/powerpoint/2010/main" val="7196988"/>
       </p:ext>
     </p:extLst>
   </p:cSld>
@@ -348,13 +416,7 @@
       </p:grpSpPr>
       <p:sp>
         <p:nvSpPr>
-          <p:cNvPr id="2" name="Título 1">
-            <a:extLst>
-              <a:ext uri="{FF2B5EF4-FFF2-40B4-BE49-F238E27FC236}">
-                <a16:creationId xmlns:a16="http://schemas.microsoft.com/office/drawing/2014/main" id="{4FC84B76-D334-4001-A0FE-5169E098D67E}"/>
-              </a:ext>
-            </a:extLst>
-          </p:cNvPr>
+          <p:cNvPr id="2" name="Title 1"/>
           <p:cNvSpPr>
             <a:spLocks noGrp="1"/>
           </p:cNvSpPr>
@@ -371,19 +433,13 @@
               <a:rPr lang="es-ES"/>
               <a:t>Haga clic para modificar el estilo de título del patrón</a:t>
             </a:r>
-            <a:endParaRPr lang="es-CO"/>
-          </a:p>
-        </p:txBody>
-      </p:sp>
-      <p:sp>
-        <p:nvSpPr>
-          <p:cNvPr id="3" name="Marcador de texto vertical 2">
-            <a:extLst>
-              <a:ext uri="{FF2B5EF4-FFF2-40B4-BE49-F238E27FC236}">
-                <a16:creationId xmlns:a16="http://schemas.microsoft.com/office/drawing/2014/main" id="{5BA3212D-BDF0-4E13-81C7-77CC321AA847}"/>
-              </a:ext>
-            </a:extLst>
-          </p:cNvPr>
+            <a:endParaRPr lang="en-US" dirty="0"/>
+          </a:p>
+        </p:txBody>
+      </p:sp>
+      <p:sp>
+        <p:nvSpPr>
+          <p:cNvPr id="3" name="Vertical Text Placeholder 2"/>
           <p:cNvSpPr>
             <a:spLocks noGrp="1"/>
           </p:cNvSpPr>
@@ -393,7 +449,7 @@
         </p:nvSpPr>
         <p:spPr/>
         <p:txBody>
-          <a:bodyPr vert="eaVert"/>
+          <a:bodyPr vert="eaVert" anchor="t"/>
           <a:lstStyle/>
           <a:p>
             <a:pPr lvl="0"/>
@@ -429,19 +485,13 @@
               <a:rPr lang="es-ES"/>
               <a:t>Quinto nivel</a:t>
             </a:r>
-            <a:endParaRPr lang="es-CO"/>
-          </a:p>
-        </p:txBody>
-      </p:sp>
-      <p:sp>
-        <p:nvSpPr>
-          <p:cNvPr id="4" name="Marcador de fecha 3">
-            <a:extLst>
-              <a:ext uri="{FF2B5EF4-FFF2-40B4-BE49-F238E27FC236}">
-                <a16:creationId xmlns:a16="http://schemas.microsoft.com/office/drawing/2014/main" id="{CD6CEA58-2315-4EC0-90AE-0C187947E82A}"/>
-              </a:ext>
-            </a:extLst>
-          </p:cNvPr>
+            <a:endParaRPr lang="en-US" dirty="0"/>
+          </a:p>
+        </p:txBody>
+      </p:sp>
+      <p:sp>
+        <p:nvSpPr>
+          <p:cNvPr id="7" name="Date Placeholder 6"/>
           <p:cNvSpPr>
             <a:spLocks noGrp="1"/>
           </p:cNvSpPr>
@@ -454,7 +504,7 @@
           <a:bodyPr/>
           <a:lstStyle/>
           <a:p>
-            <a:fld id="{89204995-305C-46D0-A643-06DE6E7F3579}" type="datetimeFigureOut">
+            <a:fld id="{8123E68F-6531-460D-AFB1-DEBCBCF7C0BF}" type="datetimeFigureOut">
               <a:rPr lang="es-CO" smtClean="0"/>
               <a:t>3/02/2019</a:t>
             </a:fld>
@@ -464,13 +514,7 @@
       </p:sp>
       <p:sp>
         <p:nvSpPr>
-          <p:cNvPr id="5" name="Marcador de pie de página 4">
-            <a:extLst>
-              <a:ext uri="{FF2B5EF4-FFF2-40B4-BE49-F238E27FC236}">
-                <a16:creationId xmlns:a16="http://schemas.microsoft.com/office/drawing/2014/main" id="{2E26945D-4D8E-4ABA-A2FF-A4D6277A6BC4}"/>
-              </a:ext>
-            </a:extLst>
-          </p:cNvPr>
+          <p:cNvPr id="8" name="Footer Placeholder 7"/>
           <p:cNvSpPr>
             <a:spLocks noGrp="1"/>
           </p:cNvSpPr>
@@ -489,13 +533,7 @@
       </p:sp>
       <p:sp>
         <p:nvSpPr>
-          <p:cNvPr id="6" name="Marcador de número de diapositiva 5">
-            <a:extLst>
-              <a:ext uri="{FF2B5EF4-FFF2-40B4-BE49-F238E27FC236}">
-                <a16:creationId xmlns:a16="http://schemas.microsoft.com/office/drawing/2014/main" id="{25F29E47-C01A-4664-B95B-D22006A422F6}"/>
-              </a:ext>
-            </a:extLst>
-          </p:cNvPr>
+          <p:cNvPr id="9" name="Slide Number Placeholder 8"/>
           <p:cNvSpPr>
             <a:spLocks noGrp="1"/>
           </p:cNvSpPr>
@@ -508,7 +546,7 @@
           <a:bodyPr/>
           <a:lstStyle/>
           <a:p>
-            <a:fld id="{BC36FF6D-1195-4DF7-A505-16EEF4C0F7B0}" type="slidenum">
+            <a:fld id="{E82B70C3-A164-4C22-A203-5EB0D203A115}" type="slidenum">
               <a:rPr lang="es-CO" smtClean="0"/>
               <a:t>‹Nº›</a:t>
             </a:fld>
@@ -519,7 +557,7 @@
     </p:spTree>
     <p:extLst>
       <p:ext uri="{BB962C8B-B14F-4D97-AF65-F5344CB8AC3E}">
-        <p14:creationId xmlns:p14="http://schemas.microsoft.com/office/powerpoint/2010/main" val="1335936724"/>
+        <p14:creationId xmlns:p14="http://schemas.microsoft.com/office/powerpoint/2010/main" val="3022138313"/>
       </p:ext>
     </p:extLst>
   </p:cSld>
@@ -548,13 +586,7 @@
       </p:grpSpPr>
       <p:sp>
         <p:nvSpPr>
-          <p:cNvPr id="2" name="Título vertical 1">
-            <a:extLst>
-              <a:ext uri="{FF2B5EF4-FFF2-40B4-BE49-F238E27FC236}">
-                <a16:creationId xmlns:a16="http://schemas.microsoft.com/office/drawing/2014/main" id="{1EFDEC43-BE0B-45AC-A139-ECF2776EFA8C}"/>
-              </a:ext>
-            </a:extLst>
-          </p:cNvPr>
+          <p:cNvPr id="2" name="Vertical Title 1"/>
           <p:cNvSpPr>
             <a:spLocks noGrp="1"/>
           </p:cNvSpPr>
@@ -564,8 +596,8 @@
         </p:nvSpPr>
         <p:spPr>
           <a:xfrm>
-            <a:off x="8724900" y="365125"/>
-            <a:ext cx="2628900" cy="5811838"/>
+            <a:off x="381000" y="990600"/>
+            <a:ext cx="2819400" cy="4953000"/>
           </a:xfrm>
         </p:spPr>
         <p:txBody>
@@ -576,19 +608,13 @@
               <a:rPr lang="es-ES"/>
               <a:t>Haga clic para modificar el estilo de título del patrón</a:t>
             </a:r>
-            <a:endParaRPr lang="es-CO"/>
-          </a:p>
-        </p:txBody>
-      </p:sp>
-      <p:sp>
-        <p:nvSpPr>
-          <p:cNvPr id="3" name="Marcador de texto vertical 2">
-            <a:extLst>
-              <a:ext uri="{FF2B5EF4-FFF2-40B4-BE49-F238E27FC236}">
-                <a16:creationId xmlns:a16="http://schemas.microsoft.com/office/drawing/2014/main" id="{6EDAD07F-9D7A-4CA6-822D-8B3510F60A1C}"/>
-              </a:ext>
-            </a:extLst>
-          </p:cNvPr>
+            <a:endParaRPr lang="en-US" dirty="0"/>
+          </a:p>
+        </p:txBody>
+      </p:sp>
+      <p:sp>
+        <p:nvSpPr>
+          <p:cNvPr id="3" name="Vertical Text Placeholder 2"/>
           <p:cNvSpPr>
             <a:spLocks noGrp="1"/>
           </p:cNvSpPr>
@@ -598,12 +624,12 @@
         </p:nvSpPr>
         <p:spPr>
           <a:xfrm>
-            <a:off x="838200" y="365125"/>
-            <a:ext cx="7734300" cy="5811838"/>
+            <a:off x="3867912" y="868680"/>
+            <a:ext cx="7315200" cy="5120640"/>
           </a:xfrm>
         </p:spPr>
         <p:txBody>
-          <a:bodyPr vert="eaVert"/>
+          <a:bodyPr vert="eaVert" anchor="t"/>
           <a:lstStyle/>
           <a:p>
             <a:pPr lvl="0"/>
@@ -639,19 +665,13 @@
               <a:rPr lang="es-ES"/>
               <a:t>Quinto nivel</a:t>
             </a:r>
-            <a:endParaRPr lang="es-CO"/>
-          </a:p>
-        </p:txBody>
-      </p:sp>
-      <p:sp>
-        <p:nvSpPr>
-          <p:cNvPr id="4" name="Marcador de fecha 3">
-            <a:extLst>
-              <a:ext uri="{FF2B5EF4-FFF2-40B4-BE49-F238E27FC236}">
-                <a16:creationId xmlns:a16="http://schemas.microsoft.com/office/drawing/2014/main" id="{FCD0A8A8-4E77-42EC-8403-23615277E96A}"/>
-              </a:ext>
-            </a:extLst>
-          </p:cNvPr>
+            <a:endParaRPr lang="en-US" dirty="0"/>
+          </a:p>
+        </p:txBody>
+      </p:sp>
+      <p:sp>
+        <p:nvSpPr>
+          <p:cNvPr id="7" name="Date Placeholder 6"/>
           <p:cNvSpPr>
             <a:spLocks noGrp="1"/>
           </p:cNvSpPr>
@@ -664,7 +684,7 @@
           <a:bodyPr/>
           <a:lstStyle/>
           <a:p>
-            <a:fld id="{89204995-305C-46D0-A643-06DE6E7F3579}" type="datetimeFigureOut">
+            <a:fld id="{8123E68F-6531-460D-AFB1-DEBCBCF7C0BF}" type="datetimeFigureOut">
               <a:rPr lang="es-CO" smtClean="0"/>
               <a:t>3/02/2019</a:t>
             </a:fld>
@@ -674,13 +694,7 @@
       </p:sp>
       <p:sp>
         <p:nvSpPr>
-          <p:cNvPr id="5" name="Marcador de pie de página 4">
-            <a:extLst>
-              <a:ext uri="{FF2B5EF4-FFF2-40B4-BE49-F238E27FC236}">
-                <a16:creationId xmlns:a16="http://schemas.microsoft.com/office/drawing/2014/main" id="{A5711283-0397-41BA-8BCE-89B7EF2FE973}"/>
-              </a:ext>
-            </a:extLst>
-          </p:cNvPr>
+          <p:cNvPr id="8" name="Footer Placeholder 7"/>
           <p:cNvSpPr>
             <a:spLocks noGrp="1"/>
           </p:cNvSpPr>
@@ -699,13 +713,7 @@
       </p:sp>
       <p:sp>
         <p:nvSpPr>
-          <p:cNvPr id="6" name="Marcador de número de diapositiva 5">
-            <a:extLst>
-              <a:ext uri="{FF2B5EF4-FFF2-40B4-BE49-F238E27FC236}">
-                <a16:creationId xmlns:a16="http://schemas.microsoft.com/office/drawing/2014/main" id="{E0672380-C1EE-42EA-9931-66D261938557}"/>
-              </a:ext>
-            </a:extLst>
-          </p:cNvPr>
+          <p:cNvPr id="9" name="Slide Number Placeholder 8"/>
           <p:cNvSpPr>
             <a:spLocks noGrp="1"/>
           </p:cNvSpPr>
@@ -718,7 +726,7 @@
           <a:bodyPr/>
           <a:lstStyle/>
           <a:p>
-            <a:fld id="{BC36FF6D-1195-4DF7-A505-16EEF4C0F7B0}" type="slidenum">
+            <a:fld id="{E82B70C3-A164-4C22-A203-5EB0D203A115}" type="slidenum">
               <a:rPr lang="es-CO" smtClean="0"/>
               <a:t>‹Nº›</a:t>
             </a:fld>
@@ -729,7 +737,7 @@
     </p:spTree>
     <p:extLst>
       <p:ext uri="{BB962C8B-B14F-4D97-AF65-F5344CB8AC3E}">
-        <p14:creationId xmlns:p14="http://schemas.microsoft.com/office/powerpoint/2010/main" val="497895219"/>
+        <p14:creationId xmlns:p14="http://schemas.microsoft.com/office/powerpoint/2010/main" val="2077739121"/>
       </p:ext>
     </p:extLst>
   </p:cSld>
@@ -758,13 +766,7 @@
       </p:grpSpPr>
       <p:sp>
         <p:nvSpPr>
-          <p:cNvPr id="2" name="Título 1">
-            <a:extLst>
-              <a:ext uri="{FF2B5EF4-FFF2-40B4-BE49-F238E27FC236}">
-                <a16:creationId xmlns:a16="http://schemas.microsoft.com/office/drawing/2014/main" id="{46649A0D-F62F-4C57-9AE7-A8E120926BEA}"/>
-              </a:ext>
-            </a:extLst>
-          </p:cNvPr>
+          <p:cNvPr id="2" name="Title 1"/>
           <p:cNvSpPr>
             <a:spLocks noGrp="1"/>
           </p:cNvSpPr>
@@ -781,19 +783,13 @@
               <a:rPr lang="es-ES"/>
               <a:t>Haga clic para modificar el estilo de título del patrón</a:t>
             </a:r>
-            <a:endParaRPr lang="es-CO"/>
-          </a:p>
-        </p:txBody>
-      </p:sp>
-      <p:sp>
-        <p:nvSpPr>
-          <p:cNvPr id="3" name="Marcador de contenido 2">
-            <a:extLst>
-              <a:ext uri="{FF2B5EF4-FFF2-40B4-BE49-F238E27FC236}">
-                <a16:creationId xmlns:a16="http://schemas.microsoft.com/office/drawing/2014/main" id="{699945F9-05B2-4F67-A52F-4CD1478306BF}"/>
-              </a:ext>
-            </a:extLst>
-          </p:cNvPr>
+            <a:endParaRPr lang="en-US" dirty="0"/>
+          </a:p>
+        </p:txBody>
+      </p:sp>
+      <p:sp>
+        <p:nvSpPr>
+          <p:cNvPr id="3" name="Content Placeholder 2"/>
           <p:cNvSpPr>
             <a:spLocks noGrp="1"/>
           </p:cNvSpPr>
@@ -839,19 +835,13 @@
               <a:rPr lang="es-ES"/>
               <a:t>Quinto nivel</a:t>
             </a:r>
-            <a:endParaRPr lang="es-CO"/>
-          </a:p>
-        </p:txBody>
-      </p:sp>
-      <p:sp>
-        <p:nvSpPr>
-          <p:cNvPr id="4" name="Marcador de fecha 3">
-            <a:extLst>
-              <a:ext uri="{FF2B5EF4-FFF2-40B4-BE49-F238E27FC236}">
-                <a16:creationId xmlns:a16="http://schemas.microsoft.com/office/drawing/2014/main" id="{A97B7B4A-BE51-41C5-B439-646921D62B3D}"/>
-              </a:ext>
-            </a:extLst>
-          </p:cNvPr>
+            <a:endParaRPr lang="en-US" dirty="0"/>
+          </a:p>
+        </p:txBody>
+      </p:sp>
+      <p:sp>
+        <p:nvSpPr>
+          <p:cNvPr id="4" name="Date Placeholder 3"/>
           <p:cNvSpPr>
             <a:spLocks noGrp="1"/>
           </p:cNvSpPr>
@@ -864,7 +854,7 @@
           <a:bodyPr/>
           <a:lstStyle/>
           <a:p>
-            <a:fld id="{89204995-305C-46D0-A643-06DE6E7F3579}" type="datetimeFigureOut">
+            <a:fld id="{8123E68F-6531-460D-AFB1-DEBCBCF7C0BF}" type="datetimeFigureOut">
               <a:rPr lang="es-CO" smtClean="0"/>
               <a:t>3/02/2019</a:t>
             </a:fld>
@@ -874,13 +864,7 @@
       </p:sp>
       <p:sp>
         <p:nvSpPr>
-          <p:cNvPr id="5" name="Marcador de pie de página 4">
-            <a:extLst>
-              <a:ext uri="{FF2B5EF4-FFF2-40B4-BE49-F238E27FC236}">
-                <a16:creationId xmlns:a16="http://schemas.microsoft.com/office/drawing/2014/main" id="{B0ECF443-286A-410B-9A8F-DF4B7982E619}"/>
-              </a:ext>
-            </a:extLst>
-          </p:cNvPr>
+          <p:cNvPr id="5" name="Footer Placeholder 4"/>
           <p:cNvSpPr>
             <a:spLocks noGrp="1"/>
           </p:cNvSpPr>
@@ -899,13 +883,7 @@
       </p:sp>
       <p:sp>
         <p:nvSpPr>
-          <p:cNvPr id="6" name="Marcador de número de diapositiva 5">
-            <a:extLst>
-              <a:ext uri="{FF2B5EF4-FFF2-40B4-BE49-F238E27FC236}">
-                <a16:creationId xmlns:a16="http://schemas.microsoft.com/office/drawing/2014/main" id="{A60A9C90-AA4D-429C-8B93-FDB1A92A0724}"/>
-              </a:ext>
-            </a:extLst>
-          </p:cNvPr>
+          <p:cNvPr id="6" name="Slide Number Placeholder 5"/>
           <p:cNvSpPr>
             <a:spLocks noGrp="1"/>
           </p:cNvSpPr>
@@ -918,7 +896,7 @@
           <a:bodyPr/>
           <a:lstStyle/>
           <a:p>
-            <a:fld id="{BC36FF6D-1195-4DF7-A505-16EEF4C0F7B0}" type="slidenum">
+            <a:fld id="{E82B70C3-A164-4C22-A203-5EB0D203A115}" type="slidenum">
               <a:rPr lang="es-CO" smtClean="0"/>
               <a:t>‹Nº›</a:t>
             </a:fld>
@@ -929,7 +907,7 @@
     </p:spTree>
     <p:extLst>
       <p:ext uri="{BB962C8B-B14F-4D97-AF65-F5344CB8AC3E}">
-        <p14:creationId xmlns:p14="http://schemas.microsoft.com/office/powerpoint/2010/main" val="2514362083"/>
+        <p14:creationId xmlns:p14="http://schemas.microsoft.com/office/powerpoint/2010/main" val="2250184936"/>
       </p:ext>
     </p:extLst>
   </p:cSld>
@@ -958,13 +936,7 @@
       </p:grpSpPr>
       <p:sp>
         <p:nvSpPr>
-          <p:cNvPr id="2" name="Título 1">
-            <a:extLst>
-              <a:ext uri="{FF2B5EF4-FFF2-40B4-BE49-F238E27FC236}">
-                <a16:creationId xmlns:a16="http://schemas.microsoft.com/office/drawing/2014/main" id="{3F805EF2-D43B-4FFC-82DD-E7A80C1F6A6F}"/>
-              </a:ext>
-            </a:extLst>
-          </p:cNvPr>
+          <p:cNvPr id="2" name="Title 1"/>
           <p:cNvSpPr>
             <a:spLocks noGrp="1"/>
           </p:cNvSpPr>
@@ -974,15 +946,24 @@
         </p:nvSpPr>
         <p:spPr>
           <a:xfrm>
-            <a:off x="831850" y="1709738"/>
-            <a:ext cx="10515600" cy="2852737"/>
+            <a:off x="3867912" y="1298448"/>
+            <a:ext cx="7315200" cy="3255264"/>
           </a:xfrm>
         </p:spPr>
         <p:txBody>
-          <a:bodyPr anchor="b"/>
+          <a:bodyPr anchor="b">
+            <a:normAutofit/>
+          </a:bodyPr>
           <a:lstStyle>
             <a:lvl1pPr>
-              <a:defRPr sz="6000"/>
+              <a:defRPr sz="5900" b="0" spc="-100" baseline="0">
+                <a:solidFill>
+                  <a:schemeClr val="tx1">
+                    <a:lumMod val="65000"/>
+                    <a:lumOff val="35000"/>
+                  </a:schemeClr>
+                </a:solidFill>
+              </a:defRPr>
             </a:lvl1pPr>
           </a:lstStyle>
           <a:p>
@@ -990,19 +971,13 @@
               <a:rPr lang="es-ES"/>
               <a:t>Haga clic para modificar el estilo de título del patrón</a:t>
             </a:r>
-            <a:endParaRPr lang="es-CO"/>
-          </a:p>
-        </p:txBody>
-      </p:sp>
-      <p:sp>
-        <p:nvSpPr>
-          <p:cNvPr id="3" name="Marcador de texto 2">
-            <a:extLst>
-              <a:ext uri="{FF2B5EF4-FFF2-40B4-BE49-F238E27FC236}">
-                <a16:creationId xmlns:a16="http://schemas.microsoft.com/office/drawing/2014/main" id="{7F1D582E-3C2D-4678-945A-2CCB0E1F4059}"/>
-              </a:ext>
-            </a:extLst>
-          </p:cNvPr>
+            <a:endParaRPr lang="en-US" dirty="0"/>
+          </a:p>
+        </p:txBody>
+      </p:sp>
+      <p:sp>
+        <p:nvSpPr>
+          <p:cNvPr id="3" name="Text Placeholder 2"/>
           <p:cNvSpPr>
             <a:spLocks noGrp="1"/>
           </p:cNvSpPr>
@@ -1012,26 +987,29 @@
         </p:nvSpPr>
         <p:spPr>
           <a:xfrm>
-            <a:off x="831850" y="4589463"/>
-            <a:ext cx="10515600" cy="1500187"/>
+            <a:off x="3886200" y="4672584"/>
+            <a:ext cx="7315200" cy="914400"/>
           </a:xfrm>
         </p:spPr>
         <p:txBody>
-          <a:bodyPr/>
+          <a:bodyPr anchor="t">
+            <a:normAutofit/>
+          </a:bodyPr>
           <a:lstStyle>
             <a:lvl1pPr marL="0" indent="0">
               <a:buNone/>
-              <a:defRPr sz="2400">
+              <a:defRPr sz="2200" cap="none" spc="0" baseline="0">
                 <a:solidFill>
                   <a:schemeClr val="tx1">
-                    <a:tint val="75000"/>
+                    <a:lumMod val="65000"/>
+                    <a:lumOff val="35000"/>
                   </a:schemeClr>
                 </a:solidFill>
               </a:defRPr>
             </a:lvl1pPr>
             <a:lvl2pPr marL="457200" indent="0">
               <a:buNone/>
-              <a:defRPr sz="2000">
+              <a:defRPr sz="1800">
                 <a:solidFill>
                   <a:schemeClr val="tx1">
                     <a:tint val="75000"/>
@@ -1041,7 +1019,7 @@
             </a:lvl2pPr>
             <a:lvl3pPr marL="914400" indent="0">
               <a:buNone/>
-              <a:defRPr sz="1800">
+              <a:defRPr sz="1600">
                 <a:solidFill>
                   <a:schemeClr val="tx1">
                     <a:tint val="75000"/>
@@ -1051,7 +1029,7 @@
             </a:lvl3pPr>
             <a:lvl4pPr marL="1371600" indent="0">
               <a:buNone/>
-              <a:defRPr sz="1600">
+              <a:defRPr sz="1400">
                 <a:solidFill>
                   <a:schemeClr val="tx1">
                     <a:tint val="75000"/>
@@ -1061,7 +1039,7 @@
             </a:lvl4pPr>
             <a:lvl5pPr marL="1828800" indent="0">
               <a:buNone/>
-              <a:defRPr sz="1600">
+              <a:defRPr sz="1400">
                 <a:solidFill>
                   <a:schemeClr val="tx1">
                     <a:tint val="75000"/>
@@ -1071,7 +1049,7 @@
             </a:lvl5pPr>
             <a:lvl6pPr marL="2286000" indent="0">
               <a:buNone/>
-              <a:defRPr sz="1600">
+              <a:defRPr sz="1400">
                 <a:solidFill>
                   <a:schemeClr val="tx1">
                     <a:tint val="75000"/>
@@ -1081,7 +1059,7 @@
             </a:lvl6pPr>
             <a:lvl7pPr marL="2743200" indent="0">
               <a:buNone/>
-              <a:defRPr sz="1600">
+              <a:defRPr sz="1400">
                 <a:solidFill>
                   <a:schemeClr val="tx1">
                     <a:tint val="75000"/>
@@ -1091,7 +1069,7 @@
             </a:lvl7pPr>
             <a:lvl8pPr marL="3200400" indent="0">
               <a:buNone/>
-              <a:defRPr sz="1600">
+              <a:defRPr sz="1400">
                 <a:solidFill>
                   <a:schemeClr val="tx1">
                     <a:tint val="75000"/>
@@ -1101,7 +1079,7 @@
             </a:lvl8pPr>
             <a:lvl9pPr marL="3657600" indent="0">
               <a:buNone/>
-              <a:defRPr sz="1600">
+              <a:defRPr sz="1400">
                 <a:solidFill>
                   <a:schemeClr val="tx1">
                     <a:tint val="75000"/>
@@ -1121,13 +1099,7 @@
       </p:sp>
       <p:sp>
         <p:nvSpPr>
-          <p:cNvPr id="4" name="Marcador de fecha 3">
-            <a:extLst>
-              <a:ext uri="{FF2B5EF4-FFF2-40B4-BE49-F238E27FC236}">
-                <a16:creationId xmlns:a16="http://schemas.microsoft.com/office/drawing/2014/main" id="{B82351A1-1EEA-401B-B2A2-8306CC16171F}"/>
-              </a:ext>
-            </a:extLst>
-          </p:cNvPr>
+          <p:cNvPr id="4" name="Date Placeholder 3"/>
           <p:cNvSpPr>
             <a:spLocks noGrp="1"/>
           </p:cNvSpPr>
@@ -1140,7 +1112,7 @@
           <a:bodyPr/>
           <a:lstStyle/>
           <a:p>
-            <a:fld id="{89204995-305C-46D0-A643-06DE6E7F3579}" type="datetimeFigureOut">
+            <a:fld id="{8123E68F-6531-460D-AFB1-DEBCBCF7C0BF}" type="datetimeFigureOut">
               <a:rPr lang="es-CO" smtClean="0"/>
               <a:t>3/02/2019</a:t>
             </a:fld>
@@ -1150,13 +1122,7 @@
       </p:sp>
       <p:sp>
         <p:nvSpPr>
-          <p:cNvPr id="5" name="Marcador de pie de página 4">
-            <a:extLst>
-              <a:ext uri="{FF2B5EF4-FFF2-40B4-BE49-F238E27FC236}">
-                <a16:creationId xmlns:a16="http://schemas.microsoft.com/office/drawing/2014/main" id="{24487F9A-C3E8-43F2-96B8-527B40DDAEA4}"/>
-              </a:ext>
-            </a:extLst>
-          </p:cNvPr>
+          <p:cNvPr id="5" name="Footer Placeholder 4"/>
           <p:cNvSpPr>
             <a:spLocks noGrp="1"/>
           </p:cNvSpPr>
@@ -1175,13 +1141,7 @@
       </p:sp>
       <p:sp>
         <p:nvSpPr>
-          <p:cNvPr id="6" name="Marcador de número de diapositiva 5">
-            <a:extLst>
-              <a:ext uri="{FF2B5EF4-FFF2-40B4-BE49-F238E27FC236}">
-                <a16:creationId xmlns:a16="http://schemas.microsoft.com/office/drawing/2014/main" id="{8528F56B-C35E-4CDB-9E1F-9187C52DC044}"/>
-              </a:ext>
-            </a:extLst>
-          </p:cNvPr>
+          <p:cNvPr id="6" name="Slide Number Placeholder 5"/>
           <p:cNvSpPr>
             <a:spLocks noGrp="1"/>
           </p:cNvSpPr>
@@ -1194,7 +1154,7 @@
           <a:bodyPr/>
           <a:lstStyle/>
           <a:p>
-            <a:fld id="{BC36FF6D-1195-4DF7-A505-16EEF4C0F7B0}" type="slidenum">
+            <a:fld id="{E82B70C3-A164-4C22-A203-5EB0D203A115}" type="slidenum">
               <a:rPr lang="es-CO" smtClean="0"/>
               <a:t>‹Nº›</a:t>
             </a:fld>
@@ -1205,7 +1165,7 @@
     </p:spTree>
     <p:extLst>
       <p:ext uri="{BB962C8B-B14F-4D97-AF65-F5344CB8AC3E}">
-        <p14:creationId xmlns:p14="http://schemas.microsoft.com/office/powerpoint/2010/main" val="2513982502"/>
+        <p14:creationId xmlns:p14="http://schemas.microsoft.com/office/powerpoint/2010/main" val="1565768421"/>
       </p:ext>
     </p:extLst>
   </p:cSld>
@@ -1234,13 +1194,7 @@
       </p:grpSpPr>
       <p:sp>
         <p:nvSpPr>
-          <p:cNvPr id="2" name="Título 1">
-            <a:extLst>
-              <a:ext uri="{FF2B5EF4-FFF2-40B4-BE49-F238E27FC236}">
-                <a16:creationId xmlns:a16="http://schemas.microsoft.com/office/drawing/2014/main" id="{39B32421-2DCE-454C-B860-89EEE1EC4C88}"/>
-              </a:ext>
-            </a:extLst>
-          </p:cNvPr>
+          <p:cNvPr id="2" name="Title 1"/>
           <p:cNvSpPr>
             <a:spLocks noGrp="1"/>
           </p:cNvSpPr>
@@ -1257,19 +1211,13 @@
               <a:rPr lang="es-ES"/>
               <a:t>Haga clic para modificar el estilo de título del patrón</a:t>
             </a:r>
-            <a:endParaRPr lang="es-CO"/>
-          </a:p>
-        </p:txBody>
-      </p:sp>
-      <p:sp>
-        <p:nvSpPr>
-          <p:cNvPr id="3" name="Marcador de contenido 2">
-            <a:extLst>
-              <a:ext uri="{FF2B5EF4-FFF2-40B4-BE49-F238E27FC236}">
-                <a16:creationId xmlns:a16="http://schemas.microsoft.com/office/drawing/2014/main" id="{CB776EE2-58D7-495E-AEA2-02C12ECCB3A1}"/>
-              </a:ext>
-            </a:extLst>
-          </p:cNvPr>
+            <a:endParaRPr lang="en-US" dirty="0"/>
+          </a:p>
+        </p:txBody>
+      </p:sp>
+      <p:sp>
+        <p:nvSpPr>
+          <p:cNvPr id="3" name="Content Placeholder 2"/>
           <p:cNvSpPr>
             <a:spLocks noGrp="1"/>
           </p:cNvSpPr>
@@ -1279,13 +1227,41 @@
         </p:nvSpPr>
         <p:spPr>
           <a:xfrm>
-            <a:off x="838200" y="1825625"/>
-            <a:ext cx="5181600" cy="4351338"/>
+            <a:off x="3867912" y="868680"/>
+            <a:ext cx="3474720" cy="5120640"/>
           </a:xfrm>
         </p:spPr>
         <p:txBody>
           <a:bodyPr/>
-          <a:lstStyle/>
+          <a:lstStyle>
+            <a:lvl1pPr>
+              <a:defRPr sz="2000"/>
+            </a:lvl1pPr>
+            <a:lvl2pPr>
+              <a:defRPr sz="1800"/>
+            </a:lvl2pPr>
+            <a:lvl3pPr>
+              <a:defRPr sz="1600"/>
+            </a:lvl3pPr>
+            <a:lvl4pPr>
+              <a:defRPr sz="1400"/>
+            </a:lvl4pPr>
+            <a:lvl5pPr>
+              <a:defRPr sz="1400"/>
+            </a:lvl5pPr>
+            <a:lvl6pPr>
+              <a:defRPr sz="1400"/>
+            </a:lvl6pPr>
+            <a:lvl7pPr>
+              <a:defRPr sz="1400"/>
+            </a:lvl7pPr>
+            <a:lvl8pPr>
+              <a:defRPr sz="1400"/>
+            </a:lvl8pPr>
+            <a:lvl9pPr>
+              <a:defRPr sz="1400"/>
+            </a:lvl9pPr>
+          </a:lstStyle>
           <a:p>
             <a:pPr lvl="0"/>
             <a:r>
@@ -1320,19 +1296,13 @@
               <a:rPr lang="es-ES"/>
               <a:t>Quinto nivel</a:t>
             </a:r>
-            <a:endParaRPr lang="es-CO"/>
-          </a:p>
-        </p:txBody>
-      </p:sp>
-      <p:sp>
-        <p:nvSpPr>
-          <p:cNvPr id="4" name="Marcador de contenido 3">
-            <a:extLst>
-              <a:ext uri="{FF2B5EF4-FFF2-40B4-BE49-F238E27FC236}">
-                <a16:creationId xmlns:a16="http://schemas.microsoft.com/office/drawing/2014/main" id="{905FF5A1-B06F-4EFA-B28B-CF42F208431E}"/>
-              </a:ext>
-            </a:extLst>
-          </p:cNvPr>
+            <a:endParaRPr lang="en-US" dirty="0"/>
+          </a:p>
+        </p:txBody>
+      </p:sp>
+      <p:sp>
+        <p:nvSpPr>
+          <p:cNvPr id="4" name="Content Placeholder 3"/>
           <p:cNvSpPr>
             <a:spLocks noGrp="1"/>
           </p:cNvSpPr>
@@ -1342,13 +1312,41 @@
         </p:nvSpPr>
         <p:spPr>
           <a:xfrm>
-            <a:off x="6172200" y="1825625"/>
-            <a:ext cx="5181600" cy="4351338"/>
+            <a:off x="7818120" y="868680"/>
+            <a:ext cx="3474720" cy="5120640"/>
           </a:xfrm>
         </p:spPr>
         <p:txBody>
           <a:bodyPr/>
-          <a:lstStyle/>
+          <a:lstStyle>
+            <a:lvl1pPr>
+              <a:defRPr sz="2000"/>
+            </a:lvl1pPr>
+            <a:lvl2pPr>
+              <a:defRPr sz="1800"/>
+            </a:lvl2pPr>
+            <a:lvl3pPr>
+              <a:defRPr sz="1600"/>
+            </a:lvl3pPr>
+            <a:lvl4pPr>
+              <a:defRPr sz="1400"/>
+            </a:lvl4pPr>
+            <a:lvl5pPr>
+              <a:defRPr sz="1400"/>
+            </a:lvl5pPr>
+            <a:lvl6pPr>
+              <a:defRPr sz="1400"/>
+            </a:lvl6pPr>
+            <a:lvl7pPr>
+              <a:defRPr sz="1400"/>
+            </a:lvl7pPr>
+            <a:lvl8pPr>
+              <a:defRPr sz="1400"/>
+            </a:lvl8pPr>
+            <a:lvl9pPr>
+              <a:defRPr sz="1400"/>
+            </a:lvl9pPr>
+          </a:lstStyle>
           <a:p>
             <a:pPr lvl="0"/>
             <a:r>
@@ -1383,19 +1381,13 @@
               <a:rPr lang="es-ES"/>
               <a:t>Quinto nivel</a:t>
             </a:r>
-            <a:endParaRPr lang="es-CO"/>
-          </a:p>
-        </p:txBody>
-      </p:sp>
-      <p:sp>
-        <p:nvSpPr>
-          <p:cNvPr id="5" name="Marcador de fecha 4">
-            <a:extLst>
-              <a:ext uri="{FF2B5EF4-FFF2-40B4-BE49-F238E27FC236}">
-                <a16:creationId xmlns:a16="http://schemas.microsoft.com/office/drawing/2014/main" id="{DCAA38F1-DDCB-42C2-A442-6CE12E18D11B}"/>
-              </a:ext>
-            </a:extLst>
-          </p:cNvPr>
+            <a:endParaRPr lang="en-US" dirty="0"/>
+          </a:p>
+        </p:txBody>
+      </p:sp>
+      <p:sp>
+        <p:nvSpPr>
+          <p:cNvPr id="8" name="Date Placeholder 7"/>
           <p:cNvSpPr>
             <a:spLocks noGrp="1"/>
           </p:cNvSpPr>
@@ -1408,7 +1400,7 @@
           <a:bodyPr/>
           <a:lstStyle/>
           <a:p>
-            <a:fld id="{89204995-305C-46D0-A643-06DE6E7F3579}" type="datetimeFigureOut">
+            <a:fld id="{8123E68F-6531-460D-AFB1-DEBCBCF7C0BF}" type="datetimeFigureOut">
               <a:rPr lang="es-CO" smtClean="0"/>
               <a:t>3/02/2019</a:t>
             </a:fld>
@@ -1418,13 +1410,7 @@
       </p:sp>
       <p:sp>
         <p:nvSpPr>
-          <p:cNvPr id="6" name="Marcador de pie de página 5">
-            <a:extLst>
-              <a:ext uri="{FF2B5EF4-FFF2-40B4-BE49-F238E27FC236}">
-                <a16:creationId xmlns:a16="http://schemas.microsoft.com/office/drawing/2014/main" id="{B51DDFAC-B3D1-4B49-BF0B-52416AC4EB0D}"/>
-              </a:ext>
-            </a:extLst>
-          </p:cNvPr>
+          <p:cNvPr id="9" name="Footer Placeholder 8"/>
           <p:cNvSpPr>
             <a:spLocks noGrp="1"/>
           </p:cNvSpPr>
@@ -1443,13 +1429,7 @@
       </p:sp>
       <p:sp>
         <p:nvSpPr>
-          <p:cNvPr id="7" name="Marcador de número de diapositiva 6">
-            <a:extLst>
-              <a:ext uri="{FF2B5EF4-FFF2-40B4-BE49-F238E27FC236}">
-                <a16:creationId xmlns:a16="http://schemas.microsoft.com/office/drawing/2014/main" id="{6278406C-521B-4A28-97A0-21820985F8F1}"/>
-              </a:ext>
-            </a:extLst>
-          </p:cNvPr>
+          <p:cNvPr id="10" name="Slide Number Placeholder 9"/>
           <p:cNvSpPr>
             <a:spLocks noGrp="1"/>
           </p:cNvSpPr>
@@ -1462,7 +1442,7 @@
           <a:bodyPr/>
           <a:lstStyle/>
           <a:p>
-            <a:fld id="{BC36FF6D-1195-4DF7-A505-16EEF4C0F7B0}" type="slidenum">
+            <a:fld id="{E82B70C3-A164-4C22-A203-5EB0D203A115}" type="slidenum">
               <a:rPr lang="es-CO" smtClean="0"/>
               <a:t>‹Nº›</a:t>
             </a:fld>
@@ -1473,7 +1453,7 @@
     </p:spTree>
     <p:extLst>
       <p:ext uri="{BB962C8B-B14F-4D97-AF65-F5344CB8AC3E}">
-        <p14:creationId xmlns:p14="http://schemas.microsoft.com/office/powerpoint/2010/main" val="2286755637"/>
+        <p14:creationId xmlns:p14="http://schemas.microsoft.com/office/powerpoint/2010/main" val="2501009008"/>
       </p:ext>
     </p:extLst>
   </p:cSld>
@@ -1502,66 +1482,61 @@
       </p:grpSpPr>
       <p:sp>
         <p:nvSpPr>
-          <p:cNvPr id="2" name="Título 1">
-            <a:extLst>
-              <a:ext uri="{FF2B5EF4-FFF2-40B4-BE49-F238E27FC236}">
-                <a16:creationId xmlns:a16="http://schemas.microsoft.com/office/drawing/2014/main" id="{190B8775-E259-4F28-A016-FF5AE4F9737B}"/>
-              </a:ext>
-            </a:extLst>
-          </p:cNvPr>
+          <p:cNvPr id="10" name="Title 9"/>
           <p:cNvSpPr>
             <a:spLocks noGrp="1"/>
           </p:cNvSpPr>
           <p:nvPr>
             <p:ph type="title"/>
+          </p:nvPr>
+        </p:nvSpPr>
+        <p:spPr/>
+        <p:txBody>
+          <a:bodyPr/>
+          <a:lstStyle/>
+          <a:p>
+            <a:r>
+              <a:rPr lang="es-ES"/>
+              <a:t>Haga clic para modificar el estilo de título del patrón</a:t>
+            </a:r>
+            <a:endParaRPr lang="en-US" dirty="0"/>
+          </a:p>
+        </p:txBody>
+      </p:sp>
+      <p:sp>
+        <p:nvSpPr>
+          <p:cNvPr id="3" name="Text Placeholder 2"/>
+          <p:cNvSpPr>
+            <a:spLocks noGrp="1"/>
+          </p:cNvSpPr>
+          <p:nvPr>
+            <p:ph type="body" idx="1"/>
           </p:nvPr>
         </p:nvSpPr>
         <p:spPr>
           <a:xfrm>
-            <a:off x="839788" y="365125"/>
-            <a:ext cx="10515600" cy="1325563"/>
+            <a:off x="3867912" y="1023586"/>
+            <a:ext cx="3474720" cy="807720"/>
           </a:xfrm>
         </p:spPr>
         <p:txBody>
-          <a:bodyPr/>
-          <a:lstStyle/>
-          <a:p>
-            <a:r>
-              <a:rPr lang="es-ES"/>
-              <a:t>Haga clic para modificar el estilo de título del patrón</a:t>
-            </a:r>
-            <a:endParaRPr lang="es-CO"/>
-          </a:p>
-        </p:txBody>
-      </p:sp>
-      <p:sp>
-        <p:nvSpPr>
-          <p:cNvPr id="3" name="Marcador de texto 2">
-            <a:extLst>
-              <a:ext uri="{FF2B5EF4-FFF2-40B4-BE49-F238E27FC236}">
-                <a16:creationId xmlns:a16="http://schemas.microsoft.com/office/drawing/2014/main" id="{116B7CDF-52F7-4F23-A7E0-7B05A435F21E}"/>
-              </a:ext>
-            </a:extLst>
-          </p:cNvPr>
-          <p:cNvSpPr>
-            <a:spLocks noGrp="1"/>
-          </p:cNvSpPr>
-          <p:nvPr>
-            <p:ph type="body" idx="1"/>
-          </p:nvPr>
-        </p:nvSpPr>
-        <p:spPr>
-          <a:xfrm>
-            <a:off x="839788" y="1681163"/>
-            <a:ext cx="5157787" cy="823912"/>
-          </a:xfrm>
-        </p:spPr>
-        <p:txBody>
-          <a:bodyPr anchor="b"/>
+          <a:bodyPr anchor="b">
+            <a:normAutofit/>
+          </a:bodyPr>
           <a:lstStyle>
             <a:lvl1pPr marL="0" indent="0">
-              <a:buNone/>
-              <a:defRPr sz="2400" b="1"/>
+              <a:spcBef>
+                <a:spcPts val="0"/>
+              </a:spcBef>
+              <a:buNone/>
+              <a:defRPr sz="2000" b="1">
+                <a:solidFill>
+                  <a:schemeClr val="tx1">
+                    <a:lumMod val="65000"/>
+                    <a:lumOff val="35000"/>
+                  </a:schemeClr>
+                </a:solidFill>
+              </a:defRPr>
             </a:lvl1pPr>
             <a:lvl2pPr marL="457200" indent="0">
               <a:buNone/>
@@ -1607,13 +1582,7 @@
       </p:sp>
       <p:sp>
         <p:nvSpPr>
-          <p:cNvPr id="4" name="Marcador de contenido 3">
-            <a:extLst>
-              <a:ext uri="{FF2B5EF4-FFF2-40B4-BE49-F238E27FC236}">
-                <a16:creationId xmlns:a16="http://schemas.microsoft.com/office/drawing/2014/main" id="{0827CFE9-2B04-4486-B0F1-9E7F1CEB2695}"/>
-              </a:ext>
-            </a:extLst>
-          </p:cNvPr>
+          <p:cNvPr id="4" name="Content Placeholder 3"/>
           <p:cNvSpPr>
             <a:spLocks noGrp="1"/>
           </p:cNvSpPr>
@@ -1623,13 +1592,41 @@
         </p:nvSpPr>
         <p:spPr>
           <a:xfrm>
-            <a:off x="839788" y="2505075"/>
-            <a:ext cx="5157787" cy="3684588"/>
+            <a:off x="3867912" y="1930936"/>
+            <a:ext cx="3474720" cy="4023360"/>
           </a:xfrm>
         </p:spPr>
         <p:txBody>
           <a:bodyPr/>
-          <a:lstStyle/>
+          <a:lstStyle>
+            <a:lvl1pPr>
+              <a:defRPr sz="2000"/>
+            </a:lvl1pPr>
+            <a:lvl2pPr>
+              <a:defRPr sz="1800"/>
+            </a:lvl2pPr>
+            <a:lvl3pPr>
+              <a:defRPr sz="1600"/>
+            </a:lvl3pPr>
+            <a:lvl4pPr>
+              <a:defRPr sz="1400"/>
+            </a:lvl4pPr>
+            <a:lvl5pPr>
+              <a:defRPr sz="1400"/>
+            </a:lvl5pPr>
+            <a:lvl6pPr>
+              <a:defRPr sz="1400"/>
+            </a:lvl6pPr>
+            <a:lvl7pPr>
+              <a:defRPr sz="1400"/>
+            </a:lvl7pPr>
+            <a:lvl8pPr>
+              <a:defRPr sz="1400"/>
+            </a:lvl8pPr>
+            <a:lvl9pPr>
+              <a:defRPr sz="1400"/>
+            </a:lvl9pPr>
+          </a:lstStyle>
           <a:p>
             <a:pPr lvl="0"/>
             <a:r>
@@ -1664,19 +1661,13 @@
               <a:rPr lang="es-ES"/>
               <a:t>Quinto nivel</a:t>
             </a:r>
-            <a:endParaRPr lang="es-CO"/>
-          </a:p>
-        </p:txBody>
-      </p:sp>
-      <p:sp>
-        <p:nvSpPr>
-          <p:cNvPr id="5" name="Marcador de texto 4">
-            <a:extLst>
-              <a:ext uri="{FF2B5EF4-FFF2-40B4-BE49-F238E27FC236}">
-                <a16:creationId xmlns:a16="http://schemas.microsoft.com/office/drawing/2014/main" id="{B4AB831D-0ECF-4828-9CF6-459E58425FDA}"/>
-              </a:ext>
-            </a:extLst>
-          </p:cNvPr>
+            <a:endParaRPr lang="en-US" dirty="0"/>
+          </a:p>
+        </p:txBody>
+      </p:sp>
+      <p:sp>
+        <p:nvSpPr>
+          <p:cNvPr id="5" name="Text Placeholder 4"/>
           <p:cNvSpPr>
             <a:spLocks noGrp="1"/>
           </p:cNvSpPr>
@@ -1686,16 +1677,28 @@
         </p:nvSpPr>
         <p:spPr>
           <a:xfrm>
-            <a:off x="6172200" y="1681163"/>
-            <a:ext cx="5183188" cy="823912"/>
+            <a:off x="7818463" y="1023586"/>
+            <a:ext cx="3474720" cy="813171"/>
           </a:xfrm>
         </p:spPr>
         <p:txBody>
-          <a:bodyPr anchor="b"/>
+          <a:bodyPr anchor="b">
+            <a:normAutofit/>
+          </a:bodyPr>
           <a:lstStyle>
             <a:lvl1pPr marL="0" indent="0">
-              <a:buNone/>
-              <a:defRPr sz="2400" b="1"/>
+              <a:spcBef>
+                <a:spcPts val="0"/>
+              </a:spcBef>
+              <a:buNone/>
+              <a:defRPr sz="2000" b="1">
+                <a:solidFill>
+                  <a:schemeClr val="tx1">
+                    <a:lumMod val="65000"/>
+                    <a:lumOff val="35000"/>
+                  </a:schemeClr>
+                </a:solidFill>
+              </a:defRPr>
             </a:lvl1pPr>
             <a:lvl2pPr marL="457200" indent="0">
               <a:buNone/>
@@ -1741,13 +1744,7 @@
       </p:sp>
       <p:sp>
         <p:nvSpPr>
-          <p:cNvPr id="6" name="Marcador de contenido 5">
-            <a:extLst>
-              <a:ext uri="{FF2B5EF4-FFF2-40B4-BE49-F238E27FC236}">
-                <a16:creationId xmlns:a16="http://schemas.microsoft.com/office/drawing/2014/main" id="{10E298E8-FCC0-4B86-9559-5101FB6C51D1}"/>
-              </a:ext>
-            </a:extLst>
-          </p:cNvPr>
+          <p:cNvPr id="6" name="Content Placeholder 5"/>
           <p:cNvSpPr>
             <a:spLocks noGrp="1"/>
           </p:cNvSpPr>
@@ -1757,13 +1754,41 @@
         </p:nvSpPr>
         <p:spPr>
           <a:xfrm>
-            <a:off x="6172200" y="2505075"/>
-            <a:ext cx="5183188" cy="3684588"/>
+            <a:off x="7818463" y="1930936"/>
+            <a:ext cx="3474720" cy="4023360"/>
           </a:xfrm>
         </p:spPr>
         <p:txBody>
           <a:bodyPr/>
-          <a:lstStyle/>
+          <a:lstStyle>
+            <a:lvl1pPr>
+              <a:defRPr sz="2000"/>
+            </a:lvl1pPr>
+            <a:lvl2pPr>
+              <a:defRPr sz="1800"/>
+            </a:lvl2pPr>
+            <a:lvl3pPr>
+              <a:defRPr sz="1600"/>
+            </a:lvl3pPr>
+            <a:lvl4pPr>
+              <a:defRPr sz="1400"/>
+            </a:lvl4pPr>
+            <a:lvl5pPr>
+              <a:defRPr sz="1400"/>
+            </a:lvl5pPr>
+            <a:lvl6pPr>
+              <a:defRPr sz="1400"/>
+            </a:lvl6pPr>
+            <a:lvl7pPr>
+              <a:defRPr sz="1400"/>
+            </a:lvl7pPr>
+            <a:lvl8pPr>
+              <a:defRPr sz="1400"/>
+            </a:lvl8pPr>
+            <a:lvl9pPr>
+              <a:defRPr sz="1400"/>
+            </a:lvl9pPr>
+          </a:lstStyle>
           <a:p>
             <a:pPr lvl="0"/>
             <a:r>
@@ -1798,19 +1823,13 @@
               <a:rPr lang="es-ES"/>
               <a:t>Quinto nivel</a:t>
             </a:r>
-            <a:endParaRPr lang="es-CO"/>
-          </a:p>
-        </p:txBody>
-      </p:sp>
-      <p:sp>
-        <p:nvSpPr>
-          <p:cNvPr id="7" name="Marcador de fecha 6">
-            <a:extLst>
-              <a:ext uri="{FF2B5EF4-FFF2-40B4-BE49-F238E27FC236}">
-                <a16:creationId xmlns:a16="http://schemas.microsoft.com/office/drawing/2014/main" id="{4D72C180-58D8-4E0D-8D25-74D2BCF2FDF6}"/>
-              </a:ext>
-            </a:extLst>
-          </p:cNvPr>
+            <a:endParaRPr lang="en-US" dirty="0"/>
+          </a:p>
+        </p:txBody>
+      </p:sp>
+      <p:sp>
+        <p:nvSpPr>
+          <p:cNvPr id="2" name="Date Placeholder 1"/>
           <p:cNvSpPr>
             <a:spLocks noGrp="1"/>
           </p:cNvSpPr>
@@ -1823,7 +1842,7 @@
           <a:bodyPr/>
           <a:lstStyle/>
           <a:p>
-            <a:fld id="{89204995-305C-46D0-A643-06DE6E7F3579}" type="datetimeFigureOut">
+            <a:fld id="{8123E68F-6531-460D-AFB1-DEBCBCF7C0BF}" type="datetimeFigureOut">
               <a:rPr lang="es-CO" smtClean="0"/>
               <a:t>3/02/2019</a:t>
             </a:fld>
@@ -1833,13 +1852,7 @@
       </p:sp>
       <p:sp>
         <p:nvSpPr>
-          <p:cNvPr id="8" name="Marcador de pie de página 7">
-            <a:extLst>
-              <a:ext uri="{FF2B5EF4-FFF2-40B4-BE49-F238E27FC236}">
-                <a16:creationId xmlns:a16="http://schemas.microsoft.com/office/drawing/2014/main" id="{5F39B5BB-157B-40F9-AF55-756926B57C49}"/>
-              </a:ext>
-            </a:extLst>
-          </p:cNvPr>
+          <p:cNvPr id="11" name="Footer Placeholder 10"/>
           <p:cNvSpPr>
             <a:spLocks noGrp="1"/>
           </p:cNvSpPr>
@@ -1858,13 +1871,7 @@
       </p:sp>
       <p:sp>
         <p:nvSpPr>
-          <p:cNvPr id="9" name="Marcador de número de diapositiva 8">
-            <a:extLst>
-              <a:ext uri="{FF2B5EF4-FFF2-40B4-BE49-F238E27FC236}">
-                <a16:creationId xmlns:a16="http://schemas.microsoft.com/office/drawing/2014/main" id="{7A35D7A3-4CAD-4B2B-A7E1-3E58A0BA5D74}"/>
-              </a:ext>
-            </a:extLst>
-          </p:cNvPr>
+          <p:cNvPr id="12" name="Slide Number Placeholder 11"/>
           <p:cNvSpPr>
             <a:spLocks noGrp="1"/>
           </p:cNvSpPr>
@@ -1877,7 +1884,7 @@
           <a:bodyPr/>
           <a:lstStyle/>
           <a:p>
-            <a:fld id="{BC36FF6D-1195-4DF7-A505-16EEF4C0F7B0}" type="slidenum">
+            <a:fld id="{E82B70C3-A164-4C22-A203-5EB0D203A115}" type="slidenum">
               <a:rPr lang="es-CO" smtClean="0"/>
               <a:t>‹Nº›</a:t>
             </a:fld>
@@ -1888,7 +1895,7 @@
     </p:spTree>
     <p:extLst>
       <p:ext uri="{BB962C8B-B14F-4D97-AF65-F5344CB8AC3E}">
-        <p14:creationId xmlns:p14="http://schemas.microsoft.com/office/powerpoint/2010/main" val="433232662"/>
+        <p14:creationId xmlns:p14="http://schemas.microsoft.com/office/powerpoint/2010/main" val="3736702976"/>
       </p:ext>
     </p:extLst>
   </p:cSld>
@@ -1917,13 +1924,7 @@
       </p:grpSpPr>
       <p:sp>
         <p:nvSpPr>
-          <p:cNvPr id="2" name="Título 1">
-            <a:extLst>
-              <a:ext uri="{FF2B5EF4-FFF2-40B4-BE49-F238E27FC236}">
-                <a16:creationId xmlns:a16="http://schemas.microsoft.com/office/drawing/2014/main" id="{E46B37A4-3C9C-4582-B330-FAB340057033}"/>
-              </a:ext>
-            </a:extLst>
-          </p:cNvPr>
+          <p:cNvPr id="6" name="Title 5"/>
           <p:cNvSpPr>
             <a:spLocks noGrp="1"/>
           </p:cNvSpPr>
@@ -1940,19 +1941,13 @@
               <a:rPr lang="es-ES"/>
               <a:t>Haga clic para modificar el estilo de título del patrón</a:t>
             </a:r>
-            <a:endParaRPr lang="es-CO"/>
-          </a:p>
-        </p:txBody>
-      </p:sp>
-      <p:sp>
-        <p:nvSpPr>
-          <p:cNvPr id="3" name="Marcador de fecha 2">
-            <a:extLst>
-              <a:ext uri="{FF2B5EF4-FFF2-40B4-BE49-F238E27FC236}">
-                <a16:creationId xmlns:a16="http://schemas.microsoft.com/office/drawing/2014/main" id="{4B594C45-3604-4189-A973-1E44E4997785}"/>
-              </a:ext>
-            </a:extLst>
-          </p:cNvPr>
+            <a:endParaRPr lang="en-US" dirty="0"/>
+          </a:p>
+        </p:txBody>
+      </p:sp>
+      <p:sp>
+        <p:nvSpPr>
+          <p:cNvPr id="2" name="Date Placeholder 1"/>
           <p:cNvSpPr>
             <a:spLocks noGrp="1"/>
           </p:cNvSpPr>
@@ -1965,7 +1960,7 @@
           <a:bodyPr/>
           <a:lstStyle/>
           <a:p>
-            <a:fld id="{89204995-305C-46D0-A643-06DE6E7F3579}" type="datetimeFigureOut">
+            <a:fld id="{8123E68F-6531-460D-AFB1-DEBCBCF7C0BF}" type="datetimeFigureOut">
               <a:rPr lang="es-CO" smtClean="0"/>
               <a:t>3/02/2019</a:t>
             </a:fld>
@@ -1975,13 +1970,7 @@
       </p:sp>
       <p:sp>
         <p:nvSpPr>
-          <p:cNvPr id="4" name="Marcador de pie de página 3">
-            <a:extLst>
-              <a:ext uri="{FF2B5EF4-FFF2-40B4-BE49-F238E27FC236}">
-                <a16:creationId xmlns:a16="http://schemas.microsoft.com/office/drawing/2014/main" id="{73EC2672-ECE2-4C79-8D91-E6F10CBB95D7}"/>
-              </a:ext>
-            </a:extLst>
-          </p:cNvPr>
+          <p:cNvPr id="7" name="Footer Placeholder 6"/>
           <p:cNvSpPr>
             <a:spLocks noGrp="1"/>
           </p:cNvSpPr>
@@ -2000,13 +1989,7 @@
       </p:sp>
       <p:sp>
         <p:nvSpPr>
-          <p:cNvPr id="5" name="Marcador de número de diapositiva 4">
-            <a:extLst>
-              <a:ext uri="{FF2B5EF4-FFF2-40B4-BE49-F238E27FC236}">
-                <a16:creationId xmlns:a16="http://schemas.microsoft.com/office/drawing/2014/main" id="{0F8FD440-0888-46DF-B957-3D57424B1346}"/>
-              </a:ext>
-            </a:extLst>
-          </p:cNvPr>
+          <p:cNvPr id="8" name="Slide Number Placeholder 7"/>
           <p:cNvSpPr>
             <a:spLocks noGrp="1"/>
           </p:cNvSpPr>
@@ -2019,7 +2002,7 @@
           <a:bodyPr/>
           <a:lstStyle/>
           <a:p>
-            <a:fld id="{BC36FF6D-1195-4DF7-A505-16EEF4C0F7B0}" type="slidenum">
+            <a:fld id="{E82B70C3-A164-4C22-A203-5EB0D203A115}" type="slidenum">
               <a:rPr lang="es-CO" smtClean="0"/>
               <a:t>‹Nº›</a:t>
             </a:fld>
@@ -2030,7 +2013,7 @@
     </p:spTree>
     <p:extLst>
       <p:ext uri="{BB962C8B-B14F-4D97-AF65-F5344CB8AC3E}">
-        <p14:creationId xmlns:p14="http://schemas.microsoft.com/office/powerpoint/2010/main" val="2625902540"/>
+        <p14:creationId xmlns:p14="http://schemas.microsoft.com/office/powerpoint/2010/main" val="878217534"/>
       </p:ext>
     </p:extLst>
   </p:cSld>
@@ -2041,7 +2024,7 @@
 </file>
 
 <file path=ppt/slideLayouts/slideLayout7.xml><?xml version="1.0" encoding="utf-8"?>
-<p:sldLayout xmlns:a="http://schemas.openxmlformats.org/drawingml/2006/main" xmlns:r="http://schemas.openxmlformats.org/officeDocument/2006/relationships" xmlns:p="http://schemas.openxmlformats.org/presentationml/2006/main" type="blank" preserve="1">
+<p:sldLayout xmlns:a="http://schemas.openxmlformats.org/drawingml/2006/main" xmlns:r="http://schemas.openxmlformats.org/officeDocument/2006/relationships" xmlns:p="http://schemas.openxmlformats.org/presentationml/2006/main" showMasterSp="0" type="blank" preserve="1">
   <p:cSld name="En blanco">
     <p:spTree>
       <p:nvGrpSpPr>
@@ -2059,13 +2042,7 @@
       </p:grpSpPr>
       <p:sp>
         <p:nvSpPr>
-          <p:cNvPr id="2" name="Marcador de fecha 1">
-            <a:extLst>
-              <a:ext uri="{FF2B5EF4-FFF2-40B4-BE49-F238E27FC236}">
-                <a16:creationId xmlns:a16="http://schemas.microsoft.com/office/drawing/2014/main" id="{A0D926C6-6A51-4173-84C1-D23FC3E8AA84}"/>
-              </a:ext>
-            </a:extLst>
-          </p:cNvPr>
+          <p:cNvPr id="5" name="Date Placeholder 4"/>
           <p:cNvSpPr>
             <a:spLocks noGrp="1"/>
           </p:cNvSpPr>
@@ -2078,7 +2055,7 @@
           <a:bodyPr/>
           <a:lstStyle/>
           <a:p>
-            <a:fld id="{89204995-305C-46D0-A643-06DE6E7F3579}" type="datetimeFigureOut">
+            <a:fld id="{8123E68F-6531-460D-AFB1-DEBCBCF7C0BF}" type="datetimeFigureOut">
               <a:rPr lang="es-CO" smtClean="0"/>
               <a:t>3/02/2019</a:t>
             </a:fld>
@@ -2088,13 +2065,7 @@
       </p:sp>
       <p:sp>
         <p:nvSpPr>
-          <p:cNvPr id="3" name="Marcador de pie de página 2">
-            <a:extLst>
-              <a:ext uri="{FF2B5EF4-FFF2-40B4-BE49-F238E27FC236}">
-                <a16:creationId xmlns:a16="http://schemas.microsoft.com/office/drawing/2014/main" id="{CAC3DDD2-9FF2-4EA1-A04C-56040FFCA2B9}"/>
-              </a:ext>
-            </a:extLst>
-          </p:cNvPr>
+          <p:cNvPr id="6" name="Footer Placeholder 5"/>
           <p:cNvSpPr>
             <a:spLocks noGrp="1"/>
           </p:cNvSpPr>
@@ -2113,13 +2084,7 @@
       </p:sp>
       <p:sp>
         <p:nvSpPr>
-          <p:cNvPr id="4" name="Marcador de número de diapositiva 3">
-            <a:extLst>
-              <a:ext uri="{FF2B5EF4-FFF2-40B4-BE49-F238E27FC236}">
-                <a16:creationId xmlns:a16="http://schemas.microsoft.com/office/drawing/2014/main" id="{E390B7CE-B5CA-4879-BC72-4923A559F49D}"/>
-              </a:ext>
-            </a:extLst>
-          </p:cNvPr>
+          <p:cNvPr id="7" name="Slide Number Placeholder 6"/>
           <p:cNvSpPr>
             <a:spLocks noGrp="1"/>
           </p:cNvSpPr>
@@ -2132,7 +2097,7 @@
           <a:bodyPr/>
           <a:lstStyle/>
           <a:p>
-            <a:fld id="{BC36FF6D-1195-4DF7-A505-16EEF4C0F7B0}" type="slidenum">
+            <a:fld id="{E82B70C3-A164-4C22-A203-5EB0D203A115}" type="slidenum">
               <a:rPr lang="es-CO" smtClean="0"/>
               <a:t>‹Nº›</a:t>
             </a:fld>
@@ -2143,7 +2108,7 @@
     </p:spTree>
     <p:extLst>
       <p:ext uri="{BB962C8B-B14F-4D97-AF65-F5344CB8AC3E}">
-        <p14:creationId xmlns:p14="http://schemas.microsoft.com/office/powerpoint/2010/main" val="914024250"/>
+        <p14:creationId xmlns:p14="http://schemas.microsoft.com/office/powerpoint/2010/main" val="2473016103"/>
       </p:ext>
     </p:extLst>
   </p:cSld>
@@ -2172,13 +2137,7 @@
       </p:grpSpPr>
       <p:sp>
         <p:nvSpPr>
-          <p:cNvPr id="2" name="Título 1">
-            <a:extLst>
-              <a:ext uri="{FF2B5EF4-FFF2-40B4-BE49-F238E27FC236}">
-                <a16:creationId xmlns:a16="http://schemas.microsoft.com/office/drawing/2014/main" id="{D6B7F15D-1EA4-4773-A7FD-A6B054793D05}"/>
-              </a:ext>
-            </a:extLst>
-          </p:cNvPr>
+          <p:cNvPr id="2" name="Title 1"/>
           <p:cNvSpPr>
             <a:spLocks noGrp="1"/>
           </p:cNvSpPr>
@@ -2188,15 +2147,17 @@
         </p:nvSpPr>
         <p:spPr>
           <a:xfrm>
-            <a:off x="839788" y="457200"/>
-            <a:ext cx="3932237" cy="1600200"/>
+            <a:off x="256032" y="1143000"/>
+            <a:ext cx="2834640" cy="2377440"/>
           </a:xfrm>
         </p:spPr>
         <p:txBody>
-          <a:bodyPr anchor="b"/>
+          <a:bodyPr anchor="b">
+            <a:normAutofit/>
+          </a:bodyPr>
           <a:lstStyle>
             <a:lvl1pPr>
-              <a:defRPr sz="3200"/>
+              <a:defRPr sz="3200" b="0" baseline="0"/>
             </a:lvl1pPr>
           </a:lstStyle>
           <a:p>
@@ -2204,19 +2165,13 @@
               <a:rPr lang="es-ES"/>
               <a:t>Haga clic para modificar el estilo de título del patrón</a:t>
             </a:r>
-            <a:endParaRPr lang="es-CO"/>
-          </a:p>
-        </p:txBody>
-      </p:sp>
-      <p:sp>
-        <p:nvSpPr>
-          <p:cNvPr id="3" name="Marcador de contenido 2">
-            <a:extLst>
-              <a:ext uri="{FF2B5EF4-FFF2-40B4-BE49-F238E27FC236}">
-                <a16:creationId xmlns:a16="http://schemas.microsoft.com/office/drawing/2014/main" id="{07C38E3E-658E-4A16-863A-182140C56A9C}"/>
-              </a:ext>
-            </a:extLst>
-          </p:cNvPr>
+            <a:endParaRPr lang="en-US" dirty="0"/>
+          </a:p>
+        </p:txBody>
+      </p:sp>
+      <p:sp>
+        <p:nvSpPr>
+          <p:cNvPr id="3" name="Content Placeholder 2"/>
           <p:cNvSpPr>
             <a:spLocks noGrp="1"/>
           </p:cNvSpPr>
@@ -2226,39 +2181,39 @@
         </p:nvSpPr>
         <p:spPr>
           <a:xfrm>
-            <a:off x="5183188" y="987425"/>
-            <a:ext cx="6172200" cy="4873625"/>
+            <a:off x="3867912" y="868680"/>
+            <a:ext cx="7315200" cy="5120640"/>
           </a:xfrm>
         </p:spPr>
         <p:txBody>
           <a:bodyPr/>
           <a:lstStyle>
             <a:lvl1pPr>
-              <a:defRPr sz="3200"/>
+              <a:defRPr sz="2000"/>
             </a:lvl1pPr>
             <a:lvl2pPr>
-              <a:defRPr sz="2800"/>
+              <a:defRPr sz="1800"/>
             </a:lvl2pPr>
             <a:lvl3pPr>
-              <a:defRPr sz="2400"/>
+              <a:defRPr sz="1600"/>
             </a:lvl3pPr>
             <a:lvl4pPr>
-              <a:defRPr sz="2000"/>
+              <a:defRPr sz="1400"/>
             </a:lvl4pPr>
             <a:lvl5pPr>
-              <a:defRPr sz="2000"/>
+              <a:defRPr sz="1400"/>
             </a:lvl5pPr>
             <a:lvl6pPr>
-              <a:defRPr sz="2000"/>
+              <a:defRPr sz="1400"/>
             </a:lvl6pPr>
             <a:lvl7pPr>
-              <a:defRPr sz="2000"/>
+              <a:defRPr sz="1400"/>
             </a:lvl7pPr>
             <a:lvl8pPr>
-              <a:defRPr sz="2000"/>
+              <a:defRPr sz="1400"/>
             </a:lvl8pPr>
             <a:lvl9pPr>
-              <a:defRPr sz="2000"/>
+              <a:defRPr sz="1400"/>
             </a:lvl9pPr>
           </a:lstStyle>
           <a:p>
@@ -2295,19 +2250,13 @@
               <a:rPr lang="es-ES"/>
               <a:t>Quinto nivel</a:t>
             </a:r>
-            <a:endParaRPr lang="es-CO"/>
-          </a:p>
-        </p:txBody>
-      </p:sp>
-      <p:sp>
-        <p:nvSpPr>
-          <p:cNvPr id="4" name="Marcador de texto 3">
-            <a:extLst>
-              <a:ext uri="{FF2B5EF4-FFF2-40B4-BE49-F238E27FC236}">
-                <a16:creationId xmlns:a16="http://schemas.microsoft.com/office/drawing/2014/main" id="{7235C0F2-6EEB-4648-9119-D1012F0F16BE}"/>
-              </a:ext>
-            </a:extLst>
-          </p:cNvPr>
+            <a:endParaRPr lang="en-US" dirty="0"/>
+          </a:p>
+        </p:txBody>
+      </p:sp>
+      <p:sp>
+        <p:nvSpPr>
+          <p:cNvPr id="4" name="Text Placeholder 3"/>
           <p:cNvSpPr>
             <a:spLocks noGrp="1"/>
           </p:cNvSpPr>
@@ -2317,48 +2266,57 @@
         </p:nvSpPr>
         <p:spPr>
           <a:xfrm>
-            <a:off x="839788" y="2057400"/>
-            <a:ext cx="3932237" cy="3811588"/>
+            <a:off x="256032" y="3494176"/>
+            <a:ext cx="2834640" cy="2321990"/>
           </a:xfrm>
         </p:spPr>
         <p:txBody>
-          <a:bodyPr/>
+          <a:bodyPr anchor="t">
+            <a:normAutofit/>
+          </a:bodyPr>
           <a:lstStyle>
             <a:lvl1pPr marL="0" indent="0">
-              <a:buNone/>
-              <a:defRPr sz="1600"/>
+              <a:lnSpc>
+                <a:spcPct val="100000"/>
+              </a:lnSpc>
+              <a:buNone/>
+              <a:defRPr sz="1400">
+                <a:solidFill>
+                  <a:srgbClr val="FFFFFF"/>
+                </a:solidFill>
+              </a:defRPr>
             </a:lvl1pPr>
             <a:lvl2pPr marL="457200" indent="0">
               <a:buNone/>
-              <a:defRPr sz="1400"/>
+              <a:defRPr sz="1200"/>
             </a:lvl2pPr>
             <a:lvl3pPr marL="914400" indent="0">
               <a:buNone/>
-              <a:defRPr sz="1200"/>
+              <a:defRPr sz="1000"/>
             </a:lvl3pPr>
             <a:lvl4pPr marL="1371600" indent="0">
               <a:buNone/>
-              <a:defRPr sz="1000"/>
+              <a:defRPr sz="900"/>
             </a:lvl4pPr>
             <a:lvl5pPr marL="1828800" indent="0">
               <a:buNone/>
-              <a:defRPr sz="1000"/>
+              <a:defRPr sz="900"/>
             </a:lvl5pPr>
             <a:lvl6pPr marL="2286000" indent="0">
               <a:buNone/>
-              <a:defRPr sz="1000"/>
+              <a:defRPr sz="900"/>
             </a:lvl6pPr>
             <a:lvl7pPr marL="2743200" indent="0">
               <a:buNone/>
-              <a:defRPr sz="1000"/>
+              <a:defRPr sz="900"/>
             </a:lvl7pPr>
             <a:lvl8pPr marL="3200400" indent="0">
               <a:buNone/>
-              <a:defRPr sz="1000"/>
+              <a:defRPr sz="900"/>
             </a:lvl8pPr>
             <a:lvl9pPr marL="3657600" indent="0">
               <a:buNone/>
-              <a:defRPr sz="1000"/>
+              <a:defRPr sz="900"/>
             </a:lvl9pPr>
           </a:lstStyle>
           <a:p>
@@ -2372,13 +2330,7 @@
       </p:sp>
       <p:sp>
         <p:nvSpPr>
-          <p:cNvPr id="5" name="Marcador de fecha 4">
-            <a:extLst>
-              <a:ext uri="{FF2B5EF4-FFF2-40B4-BE49-F238E27FC236}">
-                <a16:creationId xmlns:a16="http://schemas.microsoft.com/office/drawing/2014/main" id="{C13F4789-F1B3-401C-9D7B-78404BA5B196}"/>
-              </a:ext>
-            </a:extLst>
-          </p:cNvPr>
+          <p:cNvPr id="8" name="Date Placeholder 7"/>
           <p:cNvSpPr>
             <a:spLocks noGrp="1"/>
           </p:cNvSpPr>
@@ -2391,7 +2343,7 @@
           <a:bodyPr/>
           <a:lstStyle/>
           <a:p>
-            <a:fld id="{89204995-305C-46D0-A643-06DE6E7F3579}" type="datetimeFigureOut">
+            <a:fld id="{8123E68F-6531-460D-AFB1-DEBCBCF7C0BF}" type="datetimeFigureOut">
               <a:rPr lang="es-CO" smtClean="0"/>
               <a:t>3/02/2019</a:t>
             </a:fld>
@@ -2401,13 +2353,7 @@
       </p:sp>
       <p:sp>
         <p:nvSpPr>
-          <p:cNvPr id="6" name="Marcador de pie de página 5">
-            <a:extLst>
-              <a:ext uri="{FF2B5EF4-FFF2-40B4-BE49-F238E27FC236}">
-                <a16:creationId xmlns:a16="http://schemas.microsoft.com/office/drawing/2014/main" id="{908B99FF-D8BE-41B9-9D38-F637BBA90055}"/>
-              </a:ext>
-            </a:extLst>
-          </p:cNvPr>
+          <p:cNvPr id="9" name="Footer Placeholder 8"/>
           <p:cNvSpPr>
             <a:spLocks noGrp="1"/>
           </p:cNvSpPr>
@@ -2426,13 +2372,7 @@
       </p:sp>
       <p:sp>
         <p:nvSpPr>
-          <p:cNvPr id="7" name="Marcador de número de diapositiva 6">
-            <a:extLst>
-              <a:ext uri="{FF2B5EF4-FFF2-40B4-BE49-F238E27FC236}">
-                <a16:creationId xmlns:a16="http://schemas.microsoft.com/office/drawing/2014/main" id="{70EB22E9-FC66-4C3C-B9F8-ED5A7BDF79F9}"/>
-              </a:ext>
-            </a:extLst>
-          </p:cNvPr>
+          <p:cNvPr id="10" name="Slide Number Placeholder 9"/>
           <p:cNvSpPr>
             <a:spLocks noGrp="1"/>
           </p:cNvSpPr>
@@ -2445,7 +2385,7 @@
           <a:bodyPr/>
           <a:lstStyle/>
           <a:p>
-            <a:fld id="{BC36FF6D-1195-4DF7-A505-16EEF4C0F7B0}" type="slidenum">
+            <a:fld id="{E82B70C3-A164-4C22-A203-5EB0D203A115}" type="slidenum">
               <a:rPr lang="es-CO" smtClean="0"/>
               <a:t>‹Nº›</a:t>
             </a:fld>
@@ -2456,7 +2396,7 @@
     </p:spTree>
     <p:extLst>
       <p:ext uri="{BB962C8B-B14F-4D97-AF65-F5344CB8AC3E}">
-        <p14:creationId xmlns:p14="http://schemas.microsoft.com/office/powerpoint/2010/main" val="1509220518"/>
+        <p14:creationId xmlns:p14="http://schemas.microsoft.com/office/powerpoint/2010/main" val="1984714047"/>
       </p:ext>
     </p:extLst>
   </p:cSld>
@@ -2485,13 +2425,7 @@
       </p:grpSpPr>
       <p:sp>
         <p:nvSpPr>
-          <p:cNvPr id="2" name="Título 1">
-            <a:extLst>
-              <a:ext uri="{FF2B5EF4-FFF2-40B4-BE49-F238E27FC236}">
-                <a16:creationId xmlns:a16="http://schemas.microsoft.com/office/drawing/2014/main" id="{DC5618D7-9C0A-4640-9BE9-3557294F14ED}"/>
-              </a:ext>
-            </a:extLst>
-          </p:cNvPr>
+          <p:cNvPr id="2" name="Title 1"/>
           <p:cNvSpPr>
             <a:spLocks noGrp="1"/>
           </p:cNvSpPr>
@@ -2501,15 +2435,17 @@
         </p:nvSpPr>
         <p:spPr>
           <a:xfrm>
-            <a:off x="839788" y="457200"/>
-            <a:ext cx="3932237" cy="1600200"/>
+            <a:off x="256032" y="1143000"/>
+            <a:ext cx="2834640" cy="2377440"/>
           </a:xfrm>
         </p:spPr>
         <p:txBody>
-          <a:bodyPr anchor="b"/>
+          <a:bodyPr anchor="b">
+            <a:normAutofit/>
+          </a:bodyPr>
           <a:lstStyle>
             <a:lvl1pPr>
-              <a:defRPr sz="3200"/>
+              <a:defRPr sz="3200" b="0"/>
             </a:lvl1pPr>
           </a:lstStyle>
           <a:p>
@@ -2517,21 +2453,15 @@
               <a:rPr lang="es-ES"/>
               <a:t>Haga clic para modificar el estilo de título del patrón</a:t>
             </a:r>
-            <a:endParaRPr lang="es-CO"/>
-          </a:p>
-        </p:txBody>
-      </p:sp>
-      <p:sp>
-        <p:nvSpPr>
-          <p:cNvPr id="3" name="Marcador de posición de imagen 2">
-            <a:extLst>
-              <a:ext uri="{FF2B5EF4-FFF2-40B4-BE49-F238E27FC236}">
-                <a16:creationId xmlns:a16="http://schemas.microsoft.com/office/drawing/2014/main" id="{5D247D17-41FC-4FB0-A168-0D5530397236}"/>
-              </a:ext>
-            </a:extLst>
-          </p:cNvPr>
-          <p:cNvSpPr>
-            <a:spLocks noGrp="1"/>
+            <a:endParaRPr lang="en-US" dirty="0"/>
+          </a:p>
+        </p:txBody>
+      </p:sp>
+      <p:sp>
+        <p:nvSpPr>
+          <p:cNvPr id="3" name="Picture Placeholder 2"/>
+          <p:cNvSpPr>
+            <a:spLocks noGrp="1" noChangeAspect="1"/>
           </p:cNvSpPr>
           <p:nvPr>
             <p:ph type="pic" idx="1"/>
@@ -2539,12 +2469,17 @@
         </p:nvSpPr>
         <p:spPr>
           <a:xfrm>
-            <a:off x="5183188" y="987425"/>
-            <a:ext cx="6172200" cy="4873625"/>
+            <a:off x="3570644" y="767419"/>
+            <a:ext cx="8115230" cy="5330952"/>
           </a:xfrm>
+          <a:solidFill>
+            <a:schemeClr val="bg1">
+              <a:lumMod val="75000"/>
+            </a:schemeClr>
+          </a:solidFill>
         </p:spPr>
         <p:txBody>
-          <a:bodyPr/>
+          <a:bodyPr anchor="t"/>
           <a:lstStyle>
             <a:lvl1pPr marL="0" indent="0">
               <a:buNone/>
@@ -2584,19 +2519,17 @@
             </a:lvl9pPr>
           </a:lstStyle>
           <a:p>
-            <a:endParaRPr lang="es-CO"/>
-          </a:p>
-        </p:txBody>
-      </p:sp>
-      <p:sp>
-        <p:nvSpPr>
-          <p:cNvPr id="4" name="Marcador de texto 3">
-            <a:extLst>
-              <a:ext uri="{FF2B5EF4-FFF2-40B4-BE49-F238E27FC236}">
-                <a16:creationId xmlns:a16="http://schemas.microsoft.com/office/drawing/2014/main" id="{F4A8E18B-A6D2-4FE7-B3DE-617AE319A5EE}"/>
-              </a:ext>
-            </a:extLst>
-          </p:cNvPr>
+            <a:r>
+              <a:rPr lang="es-ES"/>
+              <a:t>Haga clic en el icono para agregar una imagen</a:t>
+            </a:r>
+            <a:endParaRPr lang="en-US" dirty="0"/>
+          </a:p>
+        </p:txBody>
+      </p:sp>
+      <p:sp>
+        <p:nvSpPr>
+          <p:cNvPr id="4" name="Text Placeholder 3"/>
           <p:cNvSpPr>
             <a:spLocks noGrp="1"/>
           </p:cNvSpPr>
@@ -2606,48 +2539,57 @@
         </p:nvSpPr>
         <p:spPr>
           <a:xfrm>
-            <a:off x="839788" y="2057400"/>
-            <a:ext cx="3932237" cy="3811588"/>
+            <a:off x="256032" y="3493008"/>
+            <a:ext cx="2834640" cy="2322576"/>
           </a:xfrm>
         </p:spPr>
         <p:txBody>
-          <a:bodyPr/>
+          <a:bodyPr anchor="t">
+            <a:normAutofit/>
+          </a:bodyPr>
           <a:lstStyle>
             <a:lvl1pPr marL="0" indent="0">
-              <a:buNone/>
-              <a:defRPr sz="1600"/>
+              <a:lnSpc>
+                <a:spcPct val="100000"/>
+              </a:lnSpc>
+              <a:buNone/>
+              <a:defRPr sz="1400">
+                <a:solidFill>
+                  <a:srgbClr val="FFFFFF"/>
+                </a:solidFill>
+              </a:defRPr>
             </a:lvl1pPr>
             <a:lvl2pPr marL="457200" indent="0">
               <a:buNone/>
-              <a:defRPr sz="1400"/>
+              <a:defRPr sz="1200"/>
             </a:lvl2pPr>
             <a:lvl3pPr marL="914400" indent="0">
               <a:buNone/>
-              <a:defRPr sz="1200"/>
+              <a:defRPr sz="1000"/>
             </a:lvl3pPr>
             <a:lvl4pPr marL="1371600" indent="0">
               <a:buNone/>
-              <a:defRPr sz="1000"/>
+              <a:defRPr sz="900"/>
             </a:lvl4pPr>
             <a:lvl5pPr marL="1828800" indent="0">
               <a:buNone/>
-              <a:defRPr sz="1000"/>
+              <a:defRPr sz="900"/>
             </a:lvl5pPr>
             <a:lvl6pPr marL="2286000" indent="0">
               <a:buNone/>
-              <a:defRPr sz="1000"/>
+              <a:defRPr sz="900"/>
             </a:lvl6pPr>
             <a:lvl7pPr marL="2743200" indent="0">
               <a:buNone/>
-              <a:defRPr sz="1000"/>
+              <a:defRPr sz="900"/>
             </a:lvl7pPr>
             <a:lvl8pPr marL="3200400" indent="0">
               <a:buNone/>
-              <a:defRPr sz="1000"/>
+              <a:defRPr sz="900"/>
             </a:lvl8pPr>
             <a:lvl9pPr marL="3657600" indent="0">
               <a:buNone/>
-              <a:defRPr sz="1000"/>
+              <a:defRPr sz="900"/>
             </a:lvl9pPr>
           </a:lstStyle>
           <a:p>
@@ -2661,13 +2603,7 @@
       </p:sp>
       <p:sp>
         <p:nvSpPr>
-          <p:cNvPr id="5" name="Marcador de fecha 4">
-            <a:extLst>
-              <a:ext uri="{FF2B5EF4-FFF2-40B4-BE49-F238E27FC236}">
-                <a16:creationId xmlns:a16="http://schemas.microsoft.com/office/drawing/2014/main" id="{043B10E2-E095-4A00-A73F-93B1D095B742}"/>
-              </a:ext>
-            </a:extLst>
-          </p:cNvPr>
+          <p:cNvPr id="8" name="Date Placeholder 7"/>
           <p:cNvSpPr>
             <a:spLocks noGrp="1"/>
           </p:cNvSpPr>
@@ -2680,7 +2616,7 @@
           <a:bodyPr/>
           <a:lstStyle/>
           <a:p>
-            <a:fld id="{89204995-305C-46D0-A643-06DE6E7F3579}" type="datetimeFigureOut">
+            <a:fld id="{8123E68F-6531-460D-AFB1-DEBCBCF7C0BF}" type="datetimeFigureOut">
               <a:rPr lang="es-CO" smtClean="0"/>
               <a:t>3/02/2019</a:t>
             </a:fld>
@@ -2690,13 +2626,7 @@
       </p:sp>
       <p:sp>
         <p:nvSpPr>
-          <p:cNvPr id="6" name="Marcador de pie de página 5">
-            <a:extLst>
-              <a:ext uri="{FF2B5EF4-FFF2-40B4-BE49-F238E27FC236}">
-                <a16:creationId xmlns:a16="http://schemas.microsoft.com/office/drawing/2014/main" id="{8A452427-A640-4263-A09A-800771922CB2}"/>
-              </a:ext>
-            </a:extLst>
-          </p:cNvPr>
+          <p:cNvPr id="9" name="Footer Placeholder 8"/>
           <p:cNvSpPr>
             <a:spLocks noGrp="1"/>
           </p:cNvSpPr>
@@ -2704,7 +2634,12 @@
             <p:ph type="ftr" sz="quarter" idx="11"/>
           </p:nvPr>
         </p:nvSpPr>
-        <p:spPr/>
+        <p:spPr>
+          <a:xfrm>
+            <a:off x="3499101" y="6356350"/>
+            <a:ext cx="5911517" cy="365125"/>
+          </a:xfrm>
+        </p:spPr>
         <p:txBody>
           <a:bodyPr/>
           <a:lstStyle/>
@@ -2715,13 +2650,7 @@
       </p:sp>
       <p:sp>
         <p:nvSpPr>
-          <p:cNvPr id="7" name="Marcador de número de diapositiva 6">
-            <a:extLst>
-              <a:ext uri="{FF2B5EF4-FFF2-40B4-BE49-F238E27FC236}">
-                <a16:creationId xmlns:a16="http://schemas.microsoft.com/office/drawing/2014/main" id="{7C84A529-F283-4028-9A72-F32BD19919E5}"/>
-              </a:ext>
-            </a:extLst>
-          </p:cNvPr>
+          <p:cNvPr id="10" name="Slide Number Placeholder 9"/>
           <p:cNvSpPr>
             <a:spLocks noGrp="1"/>
           </p:cNvSpPr>
@@ -2734,7 +2663,7 @@
           <a:bodyPr/>
           <a:lstStyle/>
           <a:p>
-            <a:fld id="{BC36FF6D-1195-4DF7-A505-16EEF4C0F7B0}" type="slidenum">
+            <a:fld id="{E82B70C3-A164-4C22-A203-5EB0D203A115}" type="slidenum">
               <a:rPr lang="es-CO" smtClean="0"/>
               <a:t>‹Nº›</a:t>
             </a:fld>
@@ -2745,7 +2674,7 @@
     </p:spTree>
     <p:extLst>
       <p:ext uri="{BB962C8B-B14F-4D97-AF65-F5344CB8AC3E}">
-        <p14:creationId xmlns:p14="http://schemas.microsoft.com/office/powerpoint/2010/main" val="3209375618"/>
+        <p14:creationId xmlns:p14="http://schemas.microsoft.com/office/powerpoint/2010/main" val="3275056218"/>
       </p:ext>
     </p:extLst>
   </p:cSld>
@@ -2779,24 +2708,56 @@
       </p:grpSpPr>
       <p:sp>
         <p:nvSpPr>
-          <p:cNvPr id="2" name="Marcador de título 1">
-            <a:extLst>
-              <a:ext uri="{FF2B5EF4-FFF2-40B4-BE49-F238E27FC236}">
-                <a16:creationId xmlns:a16="http://schemas.microsoft.com/office/drawing/2014/main" id="{A5A9F7EB-13FE-4A43-862B-6A52C64A73CC}"/>
-              </a:ext>
-            </a:extLst>
-          </p:cNvPr>
-          <p:cNvSpPr>
-            <a:spLocks noGrp="1"/>
-          </p:cNvSpPr>
-          <p:nvPr>
-            <p:ph type="title"/>
-          </p:nvPr>
+          <p:cNvPr id="7" name="Rectangle 6"/>
+          <p:cNvSpPr/>
+          <p:nvPr/>
         </p:nvSpPr>
         <p:spPr>
           <a:xfrm>
-            <a:off x="838200" y="365125"/>
-            <a:ext cx="10515600" cy="1325563"/>
+            <a:off x="1" y="758952"/>
+            <a:ext cx="3443590" cy="5330952"/>
+          </a:xfrm>
+          <a:prstGeom prst="rect">
+            <a:avLst/>
+          </a:prstGeom>
+          <a:solidFill>
+            <a:schemeClr val="accent1"/>
+          </a:solidFill>
+          <a:ln>
+            <a:noFill/>
+          </a:ln>
+        </p:spPr>
+        <p:style>
+          <a:lnRef idx="2">
+            <a:schemeClr val="accent1">
+              <a:shade val="50000"/>
+            </a:schemeClr>
+          </a:lnRef>
+          <a:fillRef idx="1">
+            <a:schemeClr val="accent1"/>
+          </a:fillRef>
+          <a:effectRef idx="0">
+            <a:schemeClr val="accent1"/>
+          </a:effectRef>
+          <a:fontRef idx="minor">
+            <a:schemeClr val="lt1"/>
+          </a:fontRef>
+        </p:style>
+      </p:sp>
+      <p:sp>
+        <p:nvSpPr>
+          <p:cNvPr id="2" name="Title Placeholder 1"/>
+          <p:cNvSpPr>
+            <a:spLocks noGrp="1"/>
+          </p:cNvSpPr>
+          <p:nvPr>
+            <p:ph type="title"/>
+          </p:nvPr>
+        </p:nvSpPr>
+        <p:spPr>
+          <a:xfrm>
+            <a:off x="252919" y="1123837"/>
+            <a:ext cx="2947482" cy="4601183"/>
           </a:xfrm>
           <a:prstGeom prst="rect">
             <a:avLst/>
@@ -2812,37 +2773,71 @@
               <a:rPr lang="es-ES"/>
               <a:t>Haga clic para modificar el estilo de título del patrón</a:t>
             </a:r>
-            <a:endParaRPr lang="es-CO"/>
-          </a:p>
-        </p:txBody>
-      </p:sp>
-      <p:sp>
-        <p:nvSpPr>
-          <p:cNvPr id="3" name="Marcador de texto 2">
-            <a:extLst>
-              <a:ext uri="{FF2B5EF4-FFF2-40B4-BE49-F238E27FC236}">
-                <a16:creationId xmlns:a16="http://schemas.microsoft.com/office/drawing/2014/main" id="{05E3EF9D-A13B-4C40-BEC7-00A4BEB883D4}"/>
-              </a:ext>
-            </a:extLst>
-          </p:cNvPr>
-          <p:cNvSpPr>
-            <a:spLocks noGrp="1"/>
-          </p:cNvSpPr>
-          <p:nvPr>
-            <p:ph type="body" idx="1"/>
-          </p:nvPr>
+            <a:endParaRPr lang="en-US" dirty="0"/>
+          </a:p>
+        </p:txBody>
+      </p:sp>
+      <p:sp>
+        <p:nvSpPr>
+          <p:cNvPr id="38" name="Rectangle 37"/>
+          <p:cNvSpPr/>
+          <p:nvPr/>
         </p:nvSpPr>
         <p:spPr>
           <a:xfrm>
-            <a:off x="838200" y="1825625"/>
-            <a:ext cx="10515600" cy="4351338"/>
+            <a:off x="11815864" y="758952"/>
+            <a:ext cx="384048" cy="5330952"/>
+          </a:xfrm>
+          <a:prstGeom prst="rect">
+            <a:avLst/>
+          </a:prstGeom>
+          <a:solidFill>
+            <a:srgbClr val="C8C8C8">
+              <a:alpha val="49804"/>
+            </a:srgbClr>
+          </a:solidFill>
+          <a:ln>
+            <a:noFill/>
+          </a:ln>
+        </p:spPr>
+        <p:style>
+          <a:lnRef idx="2">
+            <a:schemeClr val="accent1">
+              <a:shade val="50000"/>
+            </a:schemeClr>
+          </a:lnRef>
+          <a:fillRef idx="1">
+            <a:schemeClr val="accent1"/>
+          </a:fillRef>
+          <a:effectRef idx="0">
+            <a:schemeClr val="accent1"/>
+          </a:effectRef>
+          <a:fontRef idx="minor">
+            <a:schemeClr val="lt1"/>
+          </a:fontRef>
+        </p:style>
+      </p:sp>
+      <p:sp>
+        <p:nvSpPr>
+          <p:cNvPr id="3" name="Text Placeholder 2"/>
+          <p:cNvSpPr>
+            <a:spLocks noGrp="1"/>
+          </p:cNvSpPr>
+          <p:nvPr>
+            <p:ph type="body" idx="1"/>
+          </p:nvPr>
+        </p:nvSpPr>
+        <p:spPr>
+          <a:xfrm>
+            <a:off x="3869268" y="864108"/>
+            <a:ext cx="7315200" cy="5120640"/>
           </a:xfrm>
           <a:prstGeom prst="rect">
             <a:avLst/>
           </a:prstGeom>
         </p:spPr>
         <p:txBody>
-          <a:bodyPr vert="horz" lIns="91440" tIns="45720" rIns="91440" bIns="45720" rtlCol="0">
+          <a:bodyPr vert="horz" lIns="91440" tIns="45720" rIns="91440" bIns="45720" rtlCol="0" anchor="ctr">
             <a:normAutofit/>
           </a:bodyPr>
           <a:lstStyle/>
@@ -2880,19 +2875,13 @@
               <a:rPr lang="es-ES"/>
               <a:t>Quinto nivel</a:t>
             </a:r>
-            <a:endParaRPr lang="es-CO"/>
-          </a:p>
-        </p:txBody>
-      </p:sp>
-      <p:sp>
-        <p:nvSpPr>
-          <p:cNvPr id="4" name="Marcador de fecha 3">
-            <a:extLst>
-              <a:ext uri="{FF2B5EF4-FFF2-40B4-BE49-F238E27FC236}">
-                <a16:creationId xmlns:a16="http://schemas.microsoft.com/office/drawing/2014/main" id="{1FCFC268-C721-4127-AF8D-E8F7235C8A08}"/>
-              </a:ext>
-            </a:extLst>
-          </p:cNvPr>
+            <a:endParaRPr lang="en-US" dirty="0"/>
+          </a:p>
+        </p:txBody>
+      </p:sp>
+      <p:sp>
+        <p:nvSpPr>
+          <p:cNvPr id="4" name="Date Placeholder 3"/>
           <p:cNvSpPr>
             <a:spLocks noGrp="1"/>
           </p:cNvSpPr>
@@ -2902,7 +2891,7 @@
         </p:nvSpPr>
         <p:spPr>
           <a:xfrm>
-            <a:off x="838200" y="6356350"/>
+            <a:off x="262465" y="6356350"/>
             <a:ext cx="2743200" cy="365125"/>
           </a:xfrm>
           <a:prstGeom prst="rect">
@@ -2913,17 +2902,18 @@
           <a:bodyPr vert="horz" lIns="91440" tIns="45720" rIns="91440" bIns="45720" rtlCol="0" anchor="ctr"/>
           <a:lstStyle>
             <a:lvl1pPr algn="l">
-              <a:defRPr sz="1200">
+              <a:defRPr sz="1100">
                 <a:solidFill>
                   <a:schemeClr val="tx1">
-                    <a:tint val="75000"/>
+                    <a:lumMod val="50000"/>
+                    <a:lumOff val="50000"/>
                   </a:schemeClr>
                 </a:solidFill>
               </a:defRPr>
             </a:lvl1pPr>
           </a:lstStyle>
           <a:p>
-            <a:fld id="{89204995-305C-46D0-A643-06DE6E7F3579}" type="datetimeFigureOut">
+            <a:fld id="{8123E68F-6531-460D-AFB1-DEBCBCF7C0BF}" type="datetimeFigureOut">
               <a:rPr lang="es-CO" smtClean="0"/>
               <a:t>3/02/2019</a:t>
             </a:fld>
@@ -2933,13 +2923,7 @@
       </p:sp>
       <p:sp>
         <p:nvSpPr>
-          <p:cNvPr id="5" name="Marcador de pie de página 4">
-            <a:extLst>
-              <a:ext uri="{FF2B5EF4-FFF2-40B4-BE49-F238E27FC236}">
-                <a16:creationId xmlns:a16="http://schemas.microsoft.com/office/drawing/2014/main" id="{82D4BAED-FA4E-4D10-8991-E75FAC4D85CB}"/>
-              </a:ext>
-            </a:extLst>
-          </p:cNvPr>
+          <p:cNvPr id="5" name="Footer Placeholder 4"/>
           <p:cNvSpPr>
             <a:spLocks noGrp="1"/>
           </p:cNvSpPr>
@@ -2949,8 +2933,8 @@
         </p:nvSpPr>
         <p:spPr>
           <a:xfrm>
-            <a:off x="4038600" y="6356350"/>
-            <a:ext cx="4114800" cy="365125"/>
+            <a:off x="3869268" y="6356350"/>
+            <a:ext cx="5911517" cy="365125"/>
           </a:xfrm>
           <a:prstGeom prst="rect">
             <a:avLst/>
@@ -2959,11 +2943,12 @@
         <p:txBody>
           <a:bodyPr vert="horz" lIns="91440" tIns="45720" rIns="91440" bIns="45720" rtlCol="0" anchor="ctr"/>
           <a:lstStyle>
-            <a:lvl1pPr algn="ctr">
-              <a:defRPr sz="1200">
+            <a:lvl1pPr algn="l">
+              <a:defRPr sz="1100">
                 <a:solidFill>
                   <a:schemeClr val="tx1">
-                    <a:tint val="75000"/>
+                    <a:lumMod val="50000"/>
+                    <a:lumOff val="50000"/>
                   </a:schemeClr>
                 </a:solidFill>
               </a:defRPr>
@@ -2976,13 +2961,7 @@
       </p:sp>
       <p:sp>
         <p:nvSpPr>
-          <p:cNvPr id="6" name="Marcador de número de diapositiva 5">
-            <a:extLst>
-              <a:ext uri="{FF2B5EF4-FFF2-40B4-BE49-F238E27FC236}">
-                <a16:creationId xmlns:a16="http://schemas.microsoft.com/office/drawing/2014/main" id="{907DC1CB-1982-4CDA-8762-8AA5EA1891D2}"/>
-              </a:ext>
-            </a:extLst>
-          </p:cNvPr>
+          <p:cNvPr id="6" name="Slide Number Placeholder 5"/>
           <p:cNvSpPr>
             <a:spLocks noGrp="1"/>
           </p:cNvSpPr>
@@ -2992,8 +2971,8 @@
         </p:nvSpPr>
         <p:spPr>
           <a:xfrm>
-            <a:off x="8610600" y="6356350"/>
-            <a:ext cx="2743200" cy="365125"/>
+            <a:off x="10634135" y="6356350"/>
+            <a:ext cx="1530927" cy="365125"/>
           </a:xfrm>
           <a:prstGeom prst="rect">
             <a:avLst/>
@@ -3003,17 +2982,15 @@
           <a:bodyPr vert="horz" lIns="91440" tIns="45720" rIns="91440" bIns="45720" rtlCol="0" anchor="ctr"/>
           <a:lstStyle>
             <a:lvl1pPr algn="r">
-              <a:defRPr sz="1200">
+              <a:defRPr sz="1200" b="1">
                 <a:solidFill>
-                  <a:schemeClr val="tx1">
-                    <a:tint val="75000"/>
-                  </a:schemeClr>
+                  <a:schemeClr val="accent1"/>
                 </a:solidFill>
               </a:defRPr>
             </a:lvl1pPr>
           </a:lstStyle>
           <a:p>
-            <a:fld id="{BC36FF6D-1195-4DF7-A505-16EEF4C0F7B0}" type="slidenum">
+            <a:fld id="{E82B70C3-A164-4C22-A203-5EB0D203A115}" type="slidenum">
               <a:rPr lang="es-CO" smtClean="0"/>
               <a:t>‹Nº›</a:t>
             </a:fld>
@@ -3024,23 +3001,23 @@
     </p:spTree>
     <p:extLst>
       <p:ext uri="{BB962C8B-B14F-4D97-AF65-F5344CB8AC3E}">
-        <p14:creationId xmlns:p14="http://schemas.microsoft.com/office/powerpoint/2010/main" val="3141719351"/>
+        <p14:creationId xmlns:p14="http://schemas.microsoft.com/office/powerpoint/2010/main" val="1902467886"/>
       </p:ext>
     </p:extLst>
   </p:cSld>
   <p:clrMap bg1="lt1" tx1="dk1" bg2="lt2" tx2="dk2" accent1="accent1" accent2="accent2" accent3="accent3" accent4="accent4" accent5="accent5" accent6="accent6" hlink="hlink" folHlink="folHlink"/>
   <p:sldLayoutIdLst>
-    <p:sldLayoutId id="2147483649" r:id="rId1"/>
-    <p:sldLayoutId id="2147483650" r:id="rId2"/>
-    <p:sldLayoutId id="2147483651" r:id="rId3"/>
-    <p:sldLayoutId id="2147483652" r:id="rId4"/>
-    <p:sldLayoutId id="2147483653" r:id="rId5"/>
-    <p:sldLayoutId id="2147483654" r:id="rId6"/>
-    <p:sldLayoutId id="2147483655" r:id="rId7"/>
-    <p:sldLayoutId id="2147483656" r:id="rId8"/>
-    <p:sldLayoutId id="2147483657" r:id="rId9"/>
-    <p:sldLayoutId id="2147483658" r:id="rId10"/>
-    <p:sldLayoutId id="2147483659" r:id="rId11"/>
+    <p:sldLayoutId id="2147483703" r:id="rId1"/>
+    <p:sldLayoutId id="2147483704" r:id="rId2"/>
+    <p:sldLayoutId id="2147483705" r:id="rId3"/>
+    <p:sldLayoutId id="2147483706" r:id="rId4"/>
+    <p:sldLayoutId id="2147483707" r:id="rId5"/>
+    <p:sldLayoutId id="2147483708" r:id="rId6"/>
+    <p:sldLayoutId id="2147483709" r:id="rId7"/>
+    <p:sldLayoutId id="2147483710" r:id="rId8"/>
+    <p:sldLayoutId id="2147483711" r:id="rId9"/>
+    <p:sldLayoutId id="2147483712" r:id="rId10"/>
+    <p:sldLayoutId id="2147483713" r:id="rId11"/>
   </p:sldLayoutIdLst>
   <p:txStyles>
     <p:titleStyle>
@@ -3052,9 +3029,9 @@
           <a:spcPct val="0"/>
         </a:spcBef>
         <a:buNone/>
-        <a:defRPr sz="4400" kern="1200">
+        <a:defRPr sz="3600" kern="1200" spc="-60" baseline="0">
           <a:solidFill>
-            <a:schemeClr val="tx1"/>
+            <a:srgbClr val="FFFFFF"/>
           </a:solidFill>
           <a:latin typeface="+mj-lt"/>
           <a:ea typeface="+mj-ea"/>
@@ -3063,90 +3040,132 @@
       </a:lvl1pPr>
     </p:titleStyle>
     <p:bodyStyle>
-      <a:lvl1pPr marL="228600" indent="-228600" algn="l" defTabSz="914400" rtl="0" eaLnBrk="1" latinLnBrk="0" hangingPunct="1">
+      <a:lvl1pPr marL="182880" indent="-182880" algn="l" defTabSz="914400" rtl="0" eaLnBrk="1" latinLnBrk="0" hangingPunct="1">
         <a:lnSpc>
           <a:spcPct val="90000"/>
         </a:lnSpc>
         <a:spcBef>
-          <a:spcPts val="1000"/>
+          <a:spcPts val="1200"/>
         </a:spcBef>
-        <a:buFont typeface="Arial" panose="020B0604020202020204" pitchFamily="34" charset="0"/>
-        <a:buChar char="•"/>
-        <a:defRPr sz="2800" kern="1200">
+        <a:buClr>
+          <a:schemeClr val="accent1"/>
+        </a:buClr>
+        <a:buFont typeface="Wingdings 2" pitchFamily="18" charset="2"/>
+        <a:buChar char=""/>
+        <a:defRPr sz="2000" kern="1200">
           <a:solidFill>
-            <a:schemeClr val="tx1"/>
+            <a:schemeClr val="tx1">
+              <a:lumMod val="65000"/>
+              <a:lumOff val="35000"/>
+            </a:schemeClr>
           </a:solidFill>
           <a:latin typeface="+mn-lt"/>
           <a:ea typeface="+mn-ea"/>
           <a:cs typeface="+mn-cs"/>
         </a:defRPr>
       </a:lvl1pPr>
-      <a:lvl2pPr marL="685800" indent="-228600" algn="l" defTabSz="914400" rtl="0" eaLnBrk="1" latinLnBrk="0" hangingPunct="1">
+      <a:lvl2pPr marL="685800" indent="-182880" algn="l" defTabSz="914400" rtl="0" eaLnBrk="1" latinLnBrk="0" hangingPunct="1">
         <a:lnSpc>
           <a:spcPct val="90000"/>
         </a:lnSpc>
         <a:spcBef>
-          <a:spcPts val="500"/>
+          <a:spcPts val="250"/>
         </a:spcBef>
-        <a:buFont typeface="Arial" panose="020B0604020202020204" pitchFamily="34" charset="0"/>
-        <a:buChar char="•"/>
-        <a:defRPr sz="2400" kern="1200">
+        <a:spcAft>
+          <a:spcPts val="250"/>
+        </a:spcAft>
+        <a:buClr>
+          <a:schemeClr val="accent1"/>
+        </a:buClr>
+        <a:buFont typeface="Wingdings 2" pitchFamily="18" charset="2"/>
+        <a:buChar char=""/>
+        <a:defRPr sz="1800" kern="1200">
           <a:solidFill>
-            <a:schemeClr val="tx1"/>
+            <a:schemeClr val="tx1">
+              <a:lumMod val="65000"/>
+              <a:lumOff val="35000"/>
+            </a:schemeClr>
           </a:solidFill>
           <a:latin typeface="+mn-lt"/>
           <a:ea typeface="+mn-ea"/>
           <a:cs typeface="+mn-cs"/>
         </a:defRPr>
       </a:lvl2pPr>
-      <a:lvl3pPr marL="1143000" indent="-228600" algn="l" defTabSz="914400" rtl="0" eaLnBrk="1" latinLnBrk="0" hangingPunct="1">
+      <a:lvl3pPr marL="1143000" indent="-182880" algn="l" defTabSz="914400" rtl="0" eaLnBrk="1" latinLnBrk="0" hangingPunct="1">
         <a:lnSpc>
           <a:spcPct val="90000"/>
         </a:lnSpc>
         <a:spcBef>
-          <a:spcPts val="500"/>
+          <a:spcPts val="250"/>
         </a:spcBef>
-        <a:buFont typeface="Arial" panose="020B0604020202020204" pitchFamily="34" charset="0"/>
-        <a:buChar char="•"/>
-        <a:defRPr sz="2000" kern="1200">
+        <a:spcAft>
+          <a:spcPts val="250"/>
+        </a:spcAft>
+        <a:buClr>
+          <a:schemeClr val="accent1"/>
+        </a:buClr>
+        <a:buFont typeface="Wingdings 2" pitchFamily="18" charset="2"/>
+        <a:buChar char=""/>
+        <a:defRPr sz="1600" kern="1200">
           <a:solidFill>
-            <a:schemeClr val="tx1"/>
+            <a:schemeClr val="tx1">
+              <a:lumMod val="65000"/>
+              <a:lumOff val="35000"/>
+            </a:schemeClr>
           </a:solidFill>
           <a:latin typeface="+mn-lt"/>
           <a:ea typeface="+mn-ea"/>
           <a:cs typeface="+mn-cs"/>
         </a:defRPr>
       </a:lvl3pPr>
-      <a:lvl4pPr marL="1600200" indent="-228600" algn="l" defTabSz="914400" rtl="0" eaLnBrk="1" latinLnBrk="0" hangingPunct="1">
+      <a:lvl4pPr marL="1600200" indent="-182880" algn="l" defTabSz="914400" rtl="0" eaLnBrk="1" latinLnBrk="0" hangingPunct="1">
         <a:lnSpc>
           <a:spcPct val="90000"/>
         </a:lnSpc>
         <a:spcBef>
-          <a:spcPts val="500"/>
+          <a:spcPts val="250"/>
         </a:spcBef>
-        <a:buFont typeface="Arial" panose="020B0604020202020204" pitchFamily="34" charset="0"/>
-        <a:buChar char="•"/>
-        <a:defRPr sz="1800" kern="1200">
+        <a:spcAft>
+          <a:spcPts val="250"/>
+        </a:spcAft>
+        <a:buClr>
+          <a:schemeClr val="accent1"/>
+        </a:buClr>
+        <a:buFont typeface="Wingdings 2" pitchFamily="18" charset="2"/>
+        <a:buChar char=""/>
+        <a:defRPr sz="1400" kern="1200">
           <a:solidFill>
-            <a:schemeClr val="tx1"/>
+            <a:schemeClr val="tx1">
+              <a:lumMod val="65000"/>
+              <a:lumOff val="35000"/>
+            </a:schemeClr>
           </a:solidFill>
           <a:latin typeface="+mn-lt"/>
           <a:ea typeface="+mn-ea"/>
           <a:cs typeface="+mn-cs"/>
         </a:defRPr>
       </a:lvl4pPr>
-      <a:lvl5pPr marL="2057400" indent="-228600" algn="l" defTabSz="914400" rtl="0" eaLnBrk="1" latinLnBrk="0" hangingPunct="1">
+      <a:lvl5pPr marL="2057400" indent="-182880" algn="l" defTabSz="914400" rtl="0" eaLnBrk="1" latinLnBrk="0" hangingPunct="1">
         <a:lnSpc>
           <a:spcPct val="90000"/>
         </a:lnSpc>
         <a:spcBef>
-          <a:spcPts val="500"/>
+          <a:spcPts val="250"/>
         </a:spcBef>
-        <a:buFont typeface="Arial" panose="020B0604020202020204" pitchFamily="34" charset="0"/>
-        <a:buChar char="•"/>
-        <a:defRPr sz="1800" kern="1200">
+        <a:spcAft>
+          <a:spcPts val="250"/>
+        </a:spcAft>
+        <a:buClr>
+          <a:schemeClr val="accent1"/>
+        </a:buClr>
+        <a:buFont typeface="Wingdings 2" pitchFamily="18" charset="2"/>
+        <a:buChar char=""/>
+        <a:defRPr sz="1400" kern="1200">
           <a:solidFill>
-            <a:schemeClr val="tx1"/>
+            <a:schemeClr val="tx1">
+              <a:lumMod val="65000"/>
+              <a:lumOff val="35000"/>
+            </a:schemeClr>
           </a:solidFill>
           <a:latin typeface="+mn-lt"/>
           <a:ea typeface="+mn-ea"/>
@@ -3158,13 +3177,22 @@
           <a:spcPct val="90000"/>
         </a:lnSpc>
         <a:spcBef>
-          <a:spcPts val="500"/>
+          <a:spcPts val="250"/>
         </a:spcBef>
-        <a:buFont typeface="Arial" panose="020B0604020202020204" pitchFamily="34" charset="0"/>
-        <a:buChar char="•"/>
-        <a:defRPr sz="1800" kern="1200">
+        <a:spcAft>
+          <a:spcPts val="250"/>
+        </a:spcAft>
+        <a:buClr>
+          <a:schemeClr val="accent1"/>
+        </a:buClr>
+        <a:buFont typeface="Wingdings 2" pitchFamily="18" charset="2"/>
+        <a:buChar char=""/>
+        <a:defRPr sz="1400" kern="1200">
           <a:solidFill>
-            <a:schemeClr val="tx1"/>
+            <a:schemeClr val="tx1">
+              <a:lumMod val="65000"/>
+              <a:lumOff val="35000"/>
+            </a:schemeClr>
           </a:solidFill>
           <a:latin typeface="+mn-lt"/>
           <a:ea typeface="+mn-ea"/>
@@ -3176,13 +3204,22 @@
           <a:spcPct val="90000"/>
         </a:lnSpc>
         <a:spcBef>
-          <a:spcPts val="500"/>
+          <a:spcPts val="250"/>
         </a:spcBef>
-        <a:buFont typeface="Arial" panose="020B0604020202020204" pitchFamily="34" charset="0"/>
-        <a:buChar char="•"/>
-        <a:defRPr sz="1800" kern="1200">
+        <a:spcAft>
+          <a:spcPts val="250"/>
+        </a:spcAft>
+        <a:buClr>
+          <a:schemeClr val="accent1"/>
+        </a:buClr>
+        <a:buFont typeface="Wingdings 2" pitchFamily="18" charset="2"/>
+        <a:buChar char=""/>
+        <a:defRPr sz="1400" kern="1200">
           <a:solidFill>
-            <a:schemeClr val="tx1"/>
+            <a:schemeClr val="tx1">
+              <a:lumMod val="65000"/>
+              <a:lumOff val="35000"/>
+            </a:schemeClr>
           </a:solidFill>
           <a:latin typeface="+mn-lt"/>
           <a:ea typeface="+mn-ea"/>
@@ -3194,13 +3231,22 @@
           <a:spcPct val="90000"/>
         </a:lnSpc>
         <a:spcBef>
-          <a:spcPts val="500"/>
+          <a:spcPts val="250"/>
         </a:spcBef>
-        <a:buFont typeface="Arial" panose="020B0604020202020204" pitchFamily="34" charset="0"/>
-        <a:buChar char="•"/>
-        <a:defRPr sz="1800" kern="1200">
+        <a:spcAft>
+          <a:spcPts val="250"/>
+        </a:spcAft>
+        <a:buClr>
+          <a:schemeClr val="accent1"/>
+        </a:buClr>
+        <a:buFont typeface="Wingdings 2" pitchFamily="18" charset="2"/>
+        <a:buChar char=""/>
+        <a:defRPr sz="1400" kern="1200">
           <a:solidFill>
-            <a:schemeClr val="tx1"/>
+            <a:schemeClr val="tx1">
+              <a:lumMod val="65000"/>
+              <a:lumOff val="35000"/>
+            </a:schemeClr>
           </a:solidFill>
           <a:latin typeface="+mn-lt"/>
           <a:ea typeface="+mn-ea"/>
@@ -3212,13 +3258,22 @@
           <a:spcPct val="90000"/>
         </a:lnSpc>
         <a:spcBef>
-          <a:spcPts val="500"/>
+          <a:spcPts val="250"/>
         </a:spcBef>
-        <a:buFont typeface="Arial" panose="020B0604020202020204" pitchFamily="34" charset="0"/>
-        <a:buChar char="•"/>
-        <a:defRPr sz="1800" kern="1200">
+        <a:spcAft>
+          <a:spcPts val="250"/>
+        </a:spcAft>
+        <a:buClr>
+          <a:schemeClr val="accent1"/>
+        </a:buClr>
+        <a:buFont typeface="Wingdings 2" pitchFamily="18" charset="2"/>
+        <a:buChar char=""/>
+        <a:defRPr sz="1400" kern="1200">
           <a:solidFill>
-            <a:schemeClr val="tx1"/>
+            <a:schemeClr val="tx1">
+              <a:lumMod val="65000"/>
+              <a:lumOff val="35000"/>
+            </a:schemeClr>
           </a:solidFill>
           <a:latin typeface="+mn-lt"/>
           <a:ea typeface="+mn-ea"/>
@@ -3228,7 +3283,7 @@
     </p:bodyStyle>
     <p:otherStyle>
       <a:defPPr>
-        <a:defRPr lang="es-CO"/>
+        <a:defRPr lang="en-US"/>
       </a:defPPr>
       <a:lvl1pPr marL="0" algn="l" defTabSz="914400" rtl="0" eaLnBrk="1" latinLnBrk="0" hangingPunct="1">
         <a:defRPr sz="1800" kern="1200">
@@ -3347,7 +3402,7 @@
           <p:cNvPr id="2" name="Título 1">
             <a:extLst>
               <a:ext uri="{FF2B5EF4-FFF2-40B4-BE49-F238E27FC236}">
-                <a16:creationId xmlns:a16="http://schemas.microsoft.com/office/drawing/2014/main" id="{828BEFCF-86EA-43BB-BDD5-75F963CC166A}"/>
+                <a16:creationId xmlns:a16="http://schemas.microsoft.com/office/drawing/2014/main" id="{708203B6-99B5-4DF5-B3FB-0750E4594D23}"/>
               </a:ext>
             </a:extLst>
           </p:cNvPr>
@@ -3368,7 +3423,7 @@
               <a:t>Taller </a:t>
             </a:r>
             <a:r>
-              <a:rPr lang="es-CO" dirty="0" err="1"/>
+              <a:rPr lang="es-CO"/>
               <a:t>Gmap</a:t>
             </a:r>
             <a:endParaRPr lang="es-CO" dirty="0"/>
@@ -3380,7 +3435,7 @@
           <p:cNvPr id="3" name="Subtítulo 2">
             <a:extLst>
               <a:ext uri="{FF2B5EF4-FFF2-40B4-BE49-F238E27FC236}">
-                <a16:creationId xmlns:a16="http://schemas.microsoft.com/office/drawing/2014/main" id="{5E192322-555D-4F8F-B92D-E4A8975F87BC}"/>
+                <a16:creationId xmlns:a16="http://schemas.microsoft.com/office/drawing/2014/main" id="{C4907984-C215-484E-A8DD-14B1DE43CD29}"/>
               </a:ext>
             </a:extLst>
           </p:cNvPr>
@@ -3397,13 +3452,17 @@
           <a:lstStyle/>
           <a:p>
             <a:r>
+              <a:rPr lang="es-CO" dirty="0" err="1"/>
+              <a:t>Maria</a:t>
+            </a:r>
+            <a:r>
               <a:rPr lang="es-CO" dirty="0"/>
-              <a:t>María Camila Lenis Restrepo</a:t>
-            </a:r>
-          </a:p>
-          <a:p>
-            <a:r>
-              <a:rPr lang="es-CO"/>
+              <a:t> Camila Lenis Restrepo</a:t>
+            </a:r>
+          </a:p>
+          <a:p>
+            <a:r>
+              <a:rPr lang="es-CO" dirty="0"/>
               <a:t>Javier Andrés Torres Reyes</a:t>
             </a:r>
           </a:p>
@@ -3412,7 +3471,546 @@
     </p:spTree>
     <p:extLst>
       <p:ext uri="{BB962C8B-B14F-4D97-AF65-F5344CB8AC3E}">
-        <p14:creationId xmlns:p14="http://schemas.microsoft.com/office/powerpoint/2010/main" val="1094652540"/>
+        <p14:creationId xmlns:p14="http://schemas.microsoft.com/office/powerpoint/2010/main" val="3034295404"/>
+      </p:ext>
+    </p:extLst>
+  </p:cSld>
+  <p:clrMapOvr>
+    <a:masterClrMapping/>
+  </p:clrMapOvr>
+</p:sld>
+</file>
+
+<file path=ppt/slides/slide2.xml><?xml version="1.0" encoding="utf-8"?>
+<p:sld xmlns:a="http://schemas.openxmlformats.org/drawingml/2006/main" xmlns:r="http://schemas.openxmlformats.org/officeDocument/2006/relationships" xmlns:p="http://schemas.openxmlformats.org/presentationml/2006/main">
+  <p:cSld>
+    <p:spTree>
+      <p:nvGrpSpPr>
+        <p:cNvPr id="1" name=""/>
+        <p:cNvGrpSpPr/>
+        <p:nvPr/>
+      </p:nvGrpSpPr>
+      <p:grpSpPr>
+        <a:xfrm>
+          <a:off x="0" y="0"/>
+          <a:ext cx="0" cy="0"/>
+          <a:chOff x="0" y="0"/>
+          <a:chExt cx="0" cy="0"/>
+        </a:xfrm>
+      </p:grpSpPr>
+      <p:sp>
+        <p:nvSpPr>
+          <p:cNvPr id="2" name="Título 1">
+            <a:extLst>
+              <a:ext uri="{FF2B5EF4-FFF2-40B4-BE49-F238E27FC236}">
+                <a16:creationId xmlns:a16="http://schemas.microsoft.com/office/drawing/2014/main" id="{E05BF539-A772-4551-9D84-C390FC21077C}"/>
+              </a:ext>
+            </a:extLst>
+          </p:cNvPr>
+          <p:cNvSpPr>
+            <a:spLocks noGrp="1"/>
+          </p:cNvSpPr>
+          <p:nvPr>
+            <p:ph type="title"/>
+          </p:nvPr>
+        </p:nvSpPr>
+        <p:spPr/>
+        <p:txBody>
+          <a:bodyPr/>
+          <a:lstStyle/>
+          <a:p>
+            <a:r>
+              <a:rPr lang="es-CO" dirty="0"/>
+              <a:t>Identificación del problema</a:t>
+            </a:r>
+          </a:p>
+        </p:txBody>
+      </p:sp>
+      <p:sp>
+        <p:nvSpPr>
+          <p:cNvPr id="3" name="Marcador de contenido 2">
+            <a:extLst>
+              <a:ext uri="{FF2B5EF4-FFF2-40B4-BE49-F238E27FC236}">
+                <a16:creationId xmlns:a16="http://schemas.microsoft.com/office/drawing/2014/main" id="{3217D897-025E-47FB-A3E8-385CA0539CC9}"/>
+              </a:ext>
+            </a:extLst>
+          </p:cNvPr>
+          <p:cNvSpPr>
+            <a:spLocks noGrp="1"/>
+          </p:cNvSpPr>
+          <p:nvPr>
+            <p:ph idx="1"/>
+          </p:nvPr>
+        </p:nvSpPr>
+        <p:spPr/>
+        <p:txBody>
+          <a:bodyPr/>
+          <a:lstStyle/>
+          <a:p>
+            <a:pPr algn="just"/>
+            <a:r>
+              <a:rPr lang="es-CO" dirty="0"/>
+              <a:t>Debido a la curiosidad despertada por los eventos sísmicos que se han presentado en las últimas semanas, se desea poder conocer la información de los últimos terremotos ocurridos en todo el mundo.</a:t>
+            </a:r>
+          </a:p>
+          <a:p>
+            <a:pPr algn="just"/>
+            <a:endParaRPr lang="es-CO" dirty="0"/>
+          </a:p>
+        </p:txBody>
+      </p:sp>
+    </p:spTree>
+    <p:extLst>
+      <p:ext uri="{BB962C8B-B14F-4D97-AF65-F5344CB8AC3E}">
+        <p14:creationId xmlns:p14="http://schemas.microsoft.com/office/powerpoint/2010/main" val="3940499648"/>
+      </p:ext>
+    </p:extLst>
+  </p:cSld>
+  <p:clrMapOvr>
+    <a:masterClrMapping/>
+  </p:clrMapOvr>
+</p:sld>
+</file>
+
+<file path=ppt/slides/slide3.xml><?xml version="1.0" encoding="utf-8"?>
+<p:sld xmlns:a="http://schemas.openxmlformats.org/drawingml/2006/main" xmlns:r="http://schemas.openxmlformats.org/officeDocument/2006/relationships" xmlns:p="http://schemas.openxmlformats.org/presentationml/2006/main">
+  <p:cSld>
+    <p:spTree>
+      <p:nvGrpSpPr>
+        <p:cNvPr id="1" name=""/>
+        <p:cNvGrpSpPr/>
+        <p:nvPr/>
+      </p:nvGrpSpPr>
+      <p:grpSpPr>
+        <a:xfrm>
+          <a:off x="0" y="0"/>
+          <a:ext cx="0" cy="0"/>
+          <a:chOff x="0" y="0"/>
+          <a:chExt cx="0" cy="0"/>
+        </a:xfrm>
+      </p:grpSpPr>
+      <p:sp>
+        <p:nvSpPr>
+          <p:cNvPr id="3" name="Marcador de contenido 2">
+            <a:extLst>
+              <a:ext uri="{FF2B5EF4-FFF2-40B4-BE49-F238E27FC236}">
+                <a16:creationId xmlns:a16="http://schemas.microsoft.com/office/drawing/2014/main" id="{950B51FA-3539-4EF7-BCA3-385EFB6281B4}"/>
+              </a:ext>
+            </a:extLst>
+          </p:cNvPr>
+          <p:cNvSpPr>
+            <a:spLocks noGrp="1"/>
+          </p:cNvSpPr>
+          <p:nvPr>
+            <p:ph idx="1"/>
+          </p:nvPr>
+        </p:nvSpPr>
+        <p:spPr/>
+        <p:txBody>
+          <a:bodyPr/>
+          <a:lstStyle/>
+          <a:p>
+            <a:endParaRPr lang="es-CO" dirty="0"/>
+          </a:p>
+        </p:txBody>
+      </p:sp>
+      <p:sp>
+        <p:nvSpPr>
+          <p:cNvPr id="6" name="Título 5">
+            <a:extLst>
+              <a:ext uri="{FF2B5EF4-FFF2-40B4-BE49-F238E27FC236}">
+                <a16:creationId xmlns:a16="http://schemas.microsoft.com/office/drawing/2014/main" id="{F242E3B6-0EBE-4431-A145-12CD3E796CC2}"/>
+              </a:ext>
+            </a:extLst>
+          </p:cNvPr>
+          <p:cNvSpPr>
+            <a:spLocks noGrp="1"/>
+          </p:cNvSpPr>
+          <p:nvPr>
+            <p:ph type="title"/>
+          </p:nvPr>
+        </p:nvSpPr>
+        <p:spPr/>
+        <p:txBody>
+          <a:bodyPr/>
+          <a:lstStyle/>
+          <a:p>
+            <a:r>
+              <a:rPr lang="es-CO" dirty="0"/>
+              <a:t>Búsqueda de información</a:t>
+            </a:r>
+          </a:p>
+        </p:txBody>
+      </p:sp>
+      <p:pic>
+        <p:nvPicPr>
+          <p:cNvPr id="1028" name="Picture 4" descr="Resultado de imagen para usgs">
+            <a:extLst>
+              <a:ext uri="{FF2B5EF4-FFF2-40B4-BE49-F238E27FC236}">
+                <a16:creationId xmlns:a16="http://schemas.microsoft.com/office/drawing/2014/main" id="{2624F6B9-E1FA-4CF4-A3F9-15F45D2138DC}"/>
+              </a:ext>
+            </a:extLst>
+          </p:cNvPr>
+          <p:cNvPicPr>
+            <a:picLocks noChangeAspect="1" noChangeArrowheads="1"/>
+          </p:cNvPicPr>
+          <p:nvPr/>
+        </p:nvPicPr>
+        <p:blipFill>
+          <a:blip r:embed="rId2">
+            <a:extLst>
+              <a:ext uri="{28A0092B-C50C-407E-A947-70E740481C1C}">
+                <a14:useLocalDpi xmlns:a14="http://schemas.microsoft.com/office/drawing/2010/main" val="0"/>
+              </a:ext>
+            </a:extLst>
+          </a:blip>
+          <a:srcRect/>
+          <a:stretch>
+            <a:fillRect/>
+          </a:stretch>
+        </p:blipFill>
+        <p:spPr bwMode="auto">
+          <a:xfrm>
+            <a:off x="5707593" y="819149"/>
+            <a:ext cx="3638550" cy="1343025"/>
+          </a:xfrm>
+          <a:prstGeom prst="rect">
+            <a:avLst/>
+          </a:prstGeom>
+          <a:noFill/>
+          <a:extLst>
+            <a:ext uri="{909E8E84-426E-40DD-AFC4-6F175D3DCCD1}">
+              <a14:hiddenFill xmlns:a14="http://schemas.microsoft.com/office/drawing/2010/main">
+                <a:solidFill>
+                  <a:srgbClr val="FFFFFF"/>
+                </a:solidFill>
+              </a14:hiddenFill>
+            </a:ext>
+          </a:extLst>
+        </p:spPr>
+      </p:pic>
+      <p:pic>
+        <p:nvPicPr>
+          <p:cNvPr id="1030" name="Picture 6" descr="Resultado de imagen para json">
+            <a:extLst>
+              <a:ext uri="{FF2B5EF4-FFF2-40B4-BE49-F238E27FC236}">
+                <a16:creationId xmlns:a16="http://schemas.microsoft.com/office/drawing/2014/main" id="{E99FFB8C-9C8C-4C05-AD46-130AF1DB98FC}"/>
+              </a:ext>
+            </a:extLst>
+          </p:cNvPr>
+          <p:cNvPicPr>
+            <a:picLocks noChangeAspect="1" noChangeArrowheads="1"/>
+          </p:cNvPicPr>
+          <p:nvPr/>
+        </p:nvPicPr>
+        <p:blipFill>
+          <a:blip r:embed="rId3">
+            <a:extLst>
+              <a:ext uri="{28A0092B-C50C-407E-A947-70E740481C1C}">
+                <a14:useLocalDpi xmlns:a14="http://schemas.microsoft.com/office/drawing/2010/main" val="0"/>
+              </a:ext>
+            </a:extLst>
+          </a:blip>
+          <a:srcRect/>
+          <a:stretch>
+            <a:fillRect/>
+          </a:stretch>
+        </p:blipFill>
+        <p:spPr bwMode="auto">
+          <a:xfrm>
+            <a:off x="5001208" y="2282745"/>
+            <a:ext cx="5314950" cy="3581432"/>
+          </a:xfrm>
+          <a:prstGeom prst="rect">
+            <a:avLst/>
+          </a:prstGeom>
+          <a:noFill/>
+          <a:extLst>
+            <a:ext uri="{909E8E84-426E-40DD-AFC4-6F175D3DCCD1}">
+              <a14:hiddenFill xmlns:a14="http://schemas.microsoft.com/office/drawing/2010/main">
+                <a:solidFill>
+                  <a:srgbClr val="FFFFFF"/>
+                </a:solidFill>
+              </a14:hiddenFill>
+            </a:ext>
+          </a:extLst>
+        </p:spPr>
+      </p:pic>
+    </p:spTree>
+    <p:extLst>
+      <p:ext uri="{BB962C8B-B14F-4D97-AF65-F5344CB8AC3E}">
+        <p14:creationId xmlns:p14="http://schemas.microsoft.com/office/powerpoint/2010/main" val="3611111644"/>
+      </p:ext>
+    </p:extLst>
+  </p:cSld>
+  <p:clrMapOvr>
+    <a:masterClrMapping/>
+  </p:clrMapOvr>
+</p:sld>
+</file>
+
+<file path=ppt/slides/slide4.xml><?xml version="1.0" encoding="utf-8"?>
+<p:sld xmlns:a="http://schemas.openxmlformats.org/drawingml/2006/main" xmlns:r="http://schemas.openxmlformats.org/officeDocument/2006/relationships" xmlns:p="http://schemas.openxmlformats.org/presentationml/2006/main">
+  <p:cSld>
+    <p:spTree>
+      <p:nvGrpSpPr>
+        <p:cNvPr id="1" name=""/>
+        <p:cNvGrpSpPr/>
+        <p:nvPr/>
+      </p:nvGrpSpPr>
+      <p:grpSpPr>
+        <a:xfrm>
+          <a:off x="0" y="0"/>
+          <a:ext cx="0" cy="0"/>
+          <a:chOff x="0" y="0"/>
+          <a:chExt cx="0" cy="0"/>
+        </a:xfrm>
+      </p:grpSpPr>
+      <p:sp>
+        <p:nvSpPr>
+          <p:cNvPr id="2" name="Título 1">
+            <a:extLst>
+              <a:ext uri="{FF2B5EF4-FFF2-40B4-BE49-F238E27FC236}">
+                <a16:creationId xmlns:a16="http://schemas.microsoft.com/office/drawing/2014/main" id="{72816F7A-E5D9-4BED-BDF8-9B2912660D33}"/>
+              </a:ext>
+            </a:extLst>
+          </p:cNvPr>
+          <p:cNvSpPr>
+            <a:spLocks noGrp="1"/>
+          </p:cNvSpPr>
+          <p:nvPr>
+            <p:ph type="title"/>
+          </p:nvPr>
+        </p:nvSpPr>
+        <p:spPr/>
+        <p:txBody>
+          <a:bodyPr/>
+          <a:lstStyle/>
+          <a:p>
+            <a:r>
+              <a:rPr lang="es-CO" dirty="0"/>
+              <a:t>Búsqueda de información</a:t>
+            </a:r>
+          </a:p>
+        </p:txBody>
+      </p:sp>
+      <p:pic>
+        <p:nvPicPr>
+          <p:cNvPr id="4" name="Marcador de contenido 3">
+            <a:extLst>
+              <a:ext uri="{FF2B5EF4-FFF2-40B4-BE49-F238E27FC236}">
+                <a16:creationId xmlns:a16="http://schemas.microsoft.com/office/drawing/2014/main" id="{5DAA0CFE-88E3-421D-879E-967D44C3F753}"/>
+              </a:ext>
+            </a:extLst>
+          </p:cNvPr>
+          <p:cNvPicPr>
+            <a:picLocks noGrp="1" noChangeAspect="1"/>
+          </p:cNvPicPr>
+          <p:nvPr>
+            <p:ph idx="1"/>
+          </p:nvPr>
+        </p:nvPicPr>
+        <p:blipFill>
+          <a:blip r:embed="rId2"/>
+          <a:stretch>
+            <a:fillRect/>
+          </a:stretch>
+        </p:blipFill>
+        <p:spPr>
+          <a:xfrm>
+            <a:off x="4195283" y="863600"/>
+            <a:ext cx="6662110" cy="5121275"/>
+          </a:xfrm>
+          <a:prstGeom prst="rect">
+            <a:avLst/>
+          </a:prstGeom>
+        </p:spPr>
+      </p:pic>
+    </p:spTree>
+    <p:extLst>
+      <p:ext uri="{BB962C8B-B14F-4D97-AF65-F5344CB8AC3E}">
+        <p14:creationId xmlns:p14="http://schemas.microsoft.com/office/powerpoint/2010/main" val="4087294455"/>
+      </p:ext>
+    </p:extLst>
+  </p:cSld>
+  <p:clrMapOvr>
+    <a:masterClrMapping/>
+  </p:clrMapOvr>
+</p:sld>
+</file>
+
+<file path=ppt/slides/slide5.xml><?xml version="1.0" encoding="utf-8"?>
+<p:sld xmlns:a="http://schemas.openxmlformats.org/drawingml/2006/main" xmlns:r="http://schemas.openxmlformats.org/officeDocument/2006/relationships" xmlns:p="http://schemas.openxmlformats.org/presentationml/2006/main">
+  <p:cSld>
+    <p:spTree>
+      <p:nvGrpSpPr>
+        <p:cNvPr id="1" name=""/>
+        <p:cNvGrpSpPr/>
+        <p:nvPr/>
+      </p:nvGrpSpPr>
+      <p:grpSpPr>
+        <a:xfrm>
+          <a:off x="0" y="0"/>
+          <a:ext cx="0" cy="0"/>
+          <a:chOff x="0" y="0"/>
+          <a:chExt cx="0" cy="0"/>
+        </a:xfrm>
+      </p:grpSpPr>
+      <p:sp>
+        <p:nvSpPr>
+          <p:cNvPr id="2" name="Título 1">
+            <a:extLst>
+              <a:ext uri="{FF2B5EF4-FFF2-40B4-BE49-F238E27FC236}">
+                <a16:creationId xmlns:a16="http://schemas.microsoft.com/office/drawing/2014/main" id="{6DCA8760-AC4B-4D13-83EE-46BE84486DD2}"/>
+              </a:ext>
+            </a:extLst>
+          </p:cNvPr>
+          <p:cNvSpPr>
+            <a:spLocks noGrp="1"/>
+          </p:cNvSpPr>
+          <p:nvPr>
+            <p:ph type="title"/>
+          </p:nvPr>
+        </p:nvSpPr>
+        <p:spPr>
+          <a:xfrm>
+            <a:off x="159612" y="1128408"/>
+            <a:ext cx="3190077" cy="4601183"/>
+          </a:xfrm>
+        </p:spPr>
+        <p:txBody>
+          <a:bodyPr/>
+          <a:lstStyle/>
+          <a:p>
+            <a:r>
+              <a:rPr lang="es-CO" dirty="0"/>
+              <a:t>Implementación</a:t>
+            </a:r>
+          </a:p>
+        </p:txBody>
+      </p:sp>
+      <p:pic>
+        <p:nvPicPr>
+          <p:cNvPr id="4" name="Marcador de contenido 3">
+            <a:extLst>
+              <a:ext uri="{FF2B5EF4-FFF2-40B4-BE49-F238E27FC236}">
+                <a16:creationId xmlns:a16="http://schemas.microsoft.com/office/drawing/2014/main" id="{E7B0EF87-6B77-42B9-8881-B78358050A4D}"/>
+              </a:ext>
+            </a:extLst>
+          </p:cNvPr>
+          <p:cNvPicPr>
+            <a:picLocks noGrp="1" noChangeAspect="1"/>
+          </p:cNvPicPr>
+          <p:nvPr>
+            <p:ph idx="1"/>
+          </p:nvPr>
+        </p:nvPicPr>
+        <p:blipFill>
+          <a:blip r:embed="rId2"/>
+          <a:stretch>
+            <a:fillRect/>
+          </a:stretch>
+        </p:blipFill>
+        <p:spPr>
+          <a:xfrm>
+            <a:off x="3868738" y="2084788"/>
+            <a:ext cx="7315200" cy="2678899"/>
+          </a:xfrm>
+          <a:prstGeom prst="rect">
+            <a:avLst/>
+          </a:prstGeom>
+        </p:spPr>
+      </p:pic>
+    </p:spTree>
+    <p:extLst>
+      <p:ext uri="{BB962C8B-B14F-4D97-AF65-F5344CB8AC3E}">
+        <p14:creationId xmlns:p14="http://schemas.microsoft.com/office/powerpoint/2010/main" val="3900918993"/>
+      </p:ext>
+    </p:extLst>
+  </p:cSld>
+  <p:clrMapOvr>
+    <a:masterClrMapping/>
+  </p:clrMapOvr>
+</p:sld>
+</file>
+
+<file path=ppt/slides/slide6.xml><?xml version="1.0" encoding="utf-8"?>
+<p:sld xmlns:a="http://schemas.openxmlformats.org/drawingml/2006/main" xmlns:r="http://schemas.openxmlformats.org/officeDocument/2006/relationships" xmlns:p="http://schemas.openxmlformats.org/presentationml/2006/main">
+  <p:cSld>
+    <p:spTree>
+      <p:nvGrpSpPr>
+        <p:cNvPr id="1" name=""/>
+        <p:cNvGrpSpPr/>
+        <p:nvPr/>
+      </p:nvGrpSpPr>
+      <p:grpSpPr>
+        <a:xfrm>
+          <a:off x="0" y="0"/>
+          <a:ext cx="0" cy="0"/>
+          <a:chOff x="0" y="0"/>
+          <a:chExt cx="0" cy="0"/>
+        </a:xfrm>
+      </p:grpSpPr>
+      <p:sp>
+        <p:nvSpPr>
+          <p:cNvPr id="2" name="Título 1">
+            <a:extLst>
+              <a:ext uri="{FF2B5EF4-FFF2-40B4-BE49-F238E27FC236}">
+                <a16:creationId xmlns:a16="http://schemas.microsoft.com/office/drawing/2014/main" id="{673CCEAF-7CC4-474B-B356-E5B10E6851D1}"/>
+              </a:ext>
+            </a:extLst>
+          </p:cNvPr>
+          <p:cNvSpPr>
+            <a:spLocks noGrp="1"/>
+          </p:cNvSpPr>
+          <p:nvPr>
+            <p:ph type="title"/>
+          </p:nvPr>
+        </p:nvSpPr>
+        <p:spPr/>
+        <p:txBody>
+          <a:bodyPr/>
+          <a:lstStyle/>
+          <a:p>
+            <a:r>
+              <a:rPr lang="es-CO" dirty="0"/>
+              <a:t>Conclusiones</a:t>
+            </a:r>
+          </a:p>
+        </p:txBody>
+      </p:sp>
+      <p:sp>
+        <p:nvSpPr>
+          <p:cNvPr id="3" name="Marcador de contenido 2">
+            <a:extLst>
+              <a:ext uri="{FF2B5EF4-FFF2-40B4-BE49-F238E27FC236}">
+                <a16:creationId xmlns:a16="http://schemas.microsoft.com/office/drawing/2014/main" id="{86063C79-AB0B-491F-B5FF-8937A0D91D91}"/>
+              </a:ext>
+            </a:extLst>
+          </p:cNvPr>
+          <p:cNvSpPr>
+            <a:spLocks noGrp="1"/>
+          </p:cNvSpPr>
+          <p:nvPr>
+            <p:ph idx="1"/>
+          </p:nvPr>
+        </p:nvSpPr>
+        <p:spPr/>
+        <p:txBody>
+          <a:bodyPr/>
+          <a:lstStyle/>
+          <a:p>
+            <a:r>
+              <a:rPr lang="es-CO" dirty="0"/>
+              <a:t>Se aprendió a usar nuevas tecnologías, como peticiones HTTP, JSON y Gmaps.NET</a:t>
+            </a:r>
+          </a:p>
+        </p:txBody>
+      </p:sp>
+    </p:spTree>
+    <p:extLst>
+      <p:ext uri="{BB962C8B-B14F-4D97-AF65-F5344CB8AC3E}">
+        <p14:creationId xmlns:p14="http://schemas.microsoft.com/office/powerpoint/2010/main" val="355515892"/>
       </p:ext>
     </p:extLst>
   </p:cSld>
@@ -3423,9 +4021,9 @@
 </file>
 
 <file path=ppt/theme/theme1.xml><?xml version="1.0" encoding="utf-8"?>
-<a:theme xmlns:a="http://schemas.openxmlformats.org/drawingml/2006/main" name="Tema de Office">
+<a:theme xmlns:a="http://schemas.openxmlformats.org/drawingml/2006/main" name="Marco">
   <a:themeElements>
-    <a:clrScheme name="Office">
+    <a:clrScheme name="Marco">
       <a:dk1>
         <a:sysClr val="windowText" lastClr="000000"/>
       </a:dk1>
@@ -3433,100 +4031,48 @@
         <a:sysClr val="window" lastClr="FFFFFF"/>
       </a:lt1>
       <a:dk2>
-        <a:srgbClr val="44546A"/>
+        <a:srgbClr val="4E3B30"/>
       </a:dk2>
       <a:lt2>
-        <a:srgbClr val="E7E6E6"/>
+        <a:srgbClr val="FBEEC9"/>
       </a:lt2>
       <a:accent1>
-        <a:srgbClr val="4472C4"/>
+        <a:srgbClr val="F0A22E"/>
       </a:accent1>
       <a:accent2>
-        <a:srgbClr val="ED7D31"/>
+        <a:srgbClr val="A5644E"/>
       </a:accent2>
       <a:accent3>
-        <a:srgbClr val="A5A5A5"/>
+        <a:srgbClr val="B58B80"/>
       </a:accent3>
       <a:accent4>
-        <a:srgbClr val="FFC000"/>
+        <a:srgbClr val="C3986D"/>
       </a:accent4>
       <a:accent5>
-        <a:srgbClr val="5B9BD5"/>
+        <a:srgbClr val="A19574"/>
       </a:accent5>
       <a:accent6>
-        <a:srgbClr val="70AD47"/>
+        <a:srgbClr val="C17529"/>
       </a:accent6>
       <a:hlink>
-        <a:srgbClr val="0563C1"/>
+        <a:srgbClr val="AD1F1F"/>
       </a:hlink>
       <a:folHlink>
-        <a:srgbClr val="954F72"/>
+        <a:srgbClr val="FFC42F"/>
       </a:folHlink>
     </a:clrScheme>
-    <a:fontScheme name="Office">
+    <a:fontScheme name="Marco">
       <a:majorFont>
-        <a:latin typeface="Calibri Light" panose="020F0302020204030204"/>
+        <a:latin typeface="Corbel" panose="020B0503020204020204"/>
         <a:ea typeface=""/>
         <a:cs typeface=""/>
-        <a:font script="Jpan" typeface="游ゴシック Light"/>
-        <a:font script="Hang" typeface="맑은 고딕"/>
-        <a:font script="Hans" typeface="等线 Light"/>
-        <a:font script="Hant" typeface="新細明體"/>
-        <a:font script="Arab" typeface="Times New Roman"/>
-        <a:font script="Hebr" typeface="Times New Roman"/>
-        <a:font script="Thai" typeface="Angsana New"/>
-        <a:font script="Ethi" typeface="Nyala"/>
-        <a:font script="Beng" typeface="Vrinda"/>
-        <a:font script="Gujr" typeface="Shruti"/>
-        <a:font script="Khmr" typeface="MoolBoran"/>
-        <a:font script="Knda" typeface="Tunga"/>
-        <a:font script="Guru" typeface="Raavi"/>
-        <a:font script="Cans" typeface="Euphemia"/>
-        <a:font script="Cher" typeface="Plantagenet Cherokee"/>
-        <a:font script="Yiii" typeface="Microsoft Yi Baiti"/>
-        <a:font script="Tibt" typeface="Microsoft Himalaya"/>
-        <a:font script="Thaa" typeface="MV Boli"/>
-        <a:font script="Deva" typeface="Mangal"/>
-        <a:font script="Telu" typeface="Gautami"/>
-        <a:font script="Taml" typeface="Latha"/>
-        <a:font script="Syrc" typeface="Estrangelo Edessa"/>
-        <a:font script="Orya" typeface="Kalinga"/>
-        <a:font script="Mlym" typeface="Kartika"/>
-        <a:font script="Laoo" typeface="DokChampa"/>
-        <a:font script="Sinh" typeface="Iskoola Pota"/>
-        <a:font script="Mong" typeface="Mongolian Baiti"/>
-        <a:font script="Viet" typeface="Times New Roman"/>
-        <a:font script="Uigh" typeface="Microsoft Uighur"/>
-        <a:font script="Geor" typeface="Sylfaen"/>
-        <a:font script="Armn" typeface="Arial"/>
-        <a:font script="Bugi" typeface="Leelawadee UI"/>
-        <a:font script="Bopo" typeface="Microsoft JhengHei"/>
-        <a:font script="Java" typeface="Javanese Text"/>
-        <a:font script="Lisu" typeface="Segoe UI"/>
-        <a:font script="Mymr" typeface="Myanmar Text"/>
-        <a:font script="Nkoo" typeface="Ebrima"/>
-        <a:font script="Olck" typeface="Nirmala UI"/>
-        <a:font script="Osma" typeface="Ebrima"/>
-        <a:font script="Phag" typeface="Phagspa"/>
-        <a:font script="Syrn" typeface="Estrangelo Edessa"/>
-        <a:font script="Syrj" typeface="Estrangelo Edessa"/>
-        <a:font script="Syre" typeface="Estrangelo Edessa"/>
-        <a:font script="Sora" typeface="Nirmala UI"/>
-        <a:font script="Tale" typeface="Microsoft Tai Le"/>
-        <a:font script="Talu" typeface="Microsoft New Tai Lue"/>
-        <a:font script="Tfng" typeface="Ebrima"/>
-      </a:majorFont>
-      <a:minorFont>
-        <a:latin typeface="Calibri" panose="020F0502020204030204"/>
-        <a:ea typeface=""/>
-        <a:cs typeface=""/>
-        <a:font script="Jpan" typeface="游ゴシック"/>
-        <a:font script="Hang" typeface="맑은 고딕"/>
-        <a:font script="Hans" typeface="等线"/>
-        <a:font script="Hant" typeface="新細明體"/>
-        <a:font script="Arab" typeface="Arial"/>
-        <a:font script="Hebr" typeface="Arial"/>
-        <a:font script="Thai" typeface="Cordia New"/>
+        <a:font script="Jpan" typeface="ＭＳ ゴシック"/>
+        <a:font script="Hang" typeface="HY중고딕"/>
+        <a:font script="Hans" typeface="幼圆"/>
+        <a:font script="Hant" typeface="微軟正黑體"/>
+        <a:font script="Arab" typeface="Tahoma"/>
+        <a:font script="Hebr" typeface="Gisha"/>
+        <a:font script="Thai" typeface="DilleniaUPC"/>
         <a:font script="Ethi" typeface="Nyala"/>
         <a:font script="Beng" typeface="Vrinda"/>
         <a:font script="Gujr" typeface="Shruti"/>
@@ -3547,107 +4093,85 @@
         <a:font script="Laoo" typeface="DokChampa"/>
         <a:font script="Sinh" typeface="Iskoola Pota"/>
         <a:font script="Mong" typeface="Mongolian Baiti"/>
-        <a:font script="Viet" typeface="Arial"/>
+        <a:font script="Viet" typeface="Tahoma"/>
         <a:font script="Uigh" typeface="Microsoft Uighur"/>
         <a:font script="Geor" typeface="Sylfaen"/>
-        <a:font script="Armn" typeface="Arial"/>
-        <a:font script="Bugi" typeface="Leelawadee UI"/>
-        <a:font script="Bopo" typeface="Microsoft JhengHei"/>
-        <a:font script="Java" typeface="Javanese Text"/>
-        <a:font script="Lisu" typeface="Segoe UI"/>
-        <a:font script="Mymr" typeface="Myanmar Text"/>
-        <a:font script="Nkoo" typeface="Ebrima"/>
-        <a:font script="Olck" typeface="Nirmala UI"/>
-        <a:font script="Osma" typeface="Ebrima"/>
-        <a:font script="Phag" typeface="Phagspa"/>
-        <a:font script="Syrn" typeface="Estrangelo Edessa"/>
-        <a:font script="Syrj" typeface="Estrangelo Edessa"/>
-        <a:font script="Syre" typeface="Estrangelo Edessa"/>
-        <a:font script="Sora" typeface="Nirmala UI"/>
-        <a:font script="Tale" typeface="Microsoft Tai Le"/>
-        <a:font script="Talu" typeface="Microsoft New Tai Lue"/>
-        <a:font script="Tfng" typeface="Ebrima"/>
+      </a:majorFont>
+      <a:minorFont>
+        <a:latin typeface="Corbel" panose="020B0503020204020204"/>
+        <a:ea typeface=""/>
+        <a:cs typeface=""/>
+        <a:font script="Jpan" typeface="ＭＳ ゴシック"/>
+        <a:font script="Hang" typeface="HY중고딕"/>
+        <a:font script="Hans" typeface="幼圆"/>
+        <a:font script="Hant" typeface="微軟正黑體"/>
+        <a:font script="Arab" typeface="Tahoma"/>
+        <a:font script="Hebr" typeface="Gisha"/>
+        <a:font script="Thai" typeface="DilleniaUPC"/>
+        <a:font script="Ethi" typeface="Nyala"/>
+        <a:font script="Beng" typeface="Vrinda"/>
+        <a:font script="Gujr" typeface="Shruti"/>
+        <a:font script="Khmr" typeface="DaunPenh"/>
+        <a:font script="Knda" typeface="Tunga"/>
+        <a:font script="Guru" typeface="Raavi"/>
+        <a:font script="Cans" typeface="Euphemia"/>
+        <a:font script="Cher" typeface="Plantagenet Cherokee"/>
+        <a:font script="Yiii" typeface="Microsoft Yi Baiti"/>
+        <a:font script="Tibt" typeface="Microsoft Himalaya"/>
+        <a:font script="Thaa" typeface="MV Boli"/>
+        <a:font script="Deva" typeface="Mangal"/>
+        <a:font script="Telu" typeface="Gautami"/>
+        <a:font script="Taml" typeface="Latha"/>
+        <a:font script="Syrc" typeface="Estrangelo Edessa"/>
+        <a:font script="Orya" typeface="Kalinga"/>
+        <a:font script="Mlym" typeface="Kartika"/>
+        <a:font script="Laoo" typeface="DokChampa"/>
+        <a:font script="Sinh" typeface="Iskoola Pota"/>
+        <a:font script="Mong" typeface="Mongolian Baiti"/>
+        <a:font script="Viet" typeface="Verdana"/>
+        <a:font script="Uigh" typeface="Microsoft Uighur"/>
+        <a:font script="Geor" typeface="Sylfaen"/>
       </a:minorFont>
     </a:fontScheme>
-    <a:fmtScheme name="Office">
+    <a:fmtScheme name="Marco">
       <a:fillStyleLst>
         <a:solidFill>
           <a:schemeClr val="phClr"/>
         </a:solidFill>
-        <a:gradFill rotWithShape="1">
-          <a:gsLst>
-            <a:gs pos="0">
-              <a:schemeClr val="phClr">
-                <a:lumMod val="110000"/>
-                <a:satMod val="105000"/>
-                <a:tint val="67000"/>
-              </a:schemeClr>
-            </a:gs>
-            <a:gs pos="50000">
-              <a:schemeClr val="phClr">
-                <a:lumMod val="105000"/>
-                <a:satMod val="103000"/>
-                <a:tint val="73000"/>
-              </a:schemeClr>
-            </a:gs>
-            <a:gs pos="100000">
-              <a:schemeClr val="phClr">
-                <a:lumMod val="105000"/>
-                <a:satMod val="109000"/>
-                <a:tint val="81000"/>
-              </a:schemeClr>
-            </a:gs>
-          </a:gsLst>
-          <a:lin ang="5400000" scaled="0"/>
-        </a:gradFill>
-        <a:gradFill rotWithShape="1">
-          <a:gsLst>
-            <a:gs pos="0">
-              <a:schemeClr val="phClr">
-                <a:satMod val="103000"/>
-                <a:lumMod val="102000"/>
-                <a:tint val="94000"/>
-              </a:schemeClr>
-            </a:gs>
-            <a:gs pos="50000">
-              <a:schemeClr val="phClr">
-                <a:satMod val="110000"/>
-                <a:lumMod val="100000"/>
-                <a:shade val="100000"/>
-              </a:schemeClr>
-            </a:gs>
-            <a:gs pos="100000">
-              <a:schemeClr val="phClr">
-                <a:lumMod val="99000"/>
-                <a:satMod val="120000"/>
-                <a:shade val="78000"/>
-              </a:schemeClr>
-            </a:gs>
-          </a:gsLst>
-          <a:lin ang="5400000" scaled="0"/>
-        </a:gradFill>
+        <a:solidFill>
+          <a:schemeClr val="phClr">
+            <a:tint val="65000"/>
+          </a:schemeClr>
+        </a:solidFill>
+        <a:solidFill>
+          <a:schemeClr val="phClr">
+            <a:shade val="80000"/>
+            <a:satMod val="150000"/>
+          </a:schemeClr>
+        </a:solidFill>
       </a:fillStyleLst>
       <a:lnStyleLst>
-        <a:ln w="6350" cap="flat" cmpd="sng" algn="ctr">
+        <a:ln w="9525" cap="flat" cmpd="sng" algn="ctr">
           <a:solidFill>
             <a:schemeClr val="phClr"/>
           </a:solidFill>
           <a:prstDash val="solid"/>
-          <a:miter lim="800000"/>
         </a:ln>
-        <a:ln w="12700" cap="flat" cmpd="sng" algn="ctr">
+        <a:ln w="10795" cap="flat" cmpd="sng" algn="ctr">
           <a:solidFill>
             <a:schemeClr val="phClr"/>
           </a:solidFill>
           <a:prstDash val="solid"/>
-          <a:miter lim="800000"/>
         </a:ln>
-        <a:ln w="19050" cap="flat" cmpd="sng" algn="ctr">
+        <a:ln w="17145" cap="flat" cmpd="sng" algn="ctr">
           <a:solidFill>
-            <a:schemeClr val="phClr"/>
+            <a:schemeClr val="phClr">
+              <a:shade val="95000"/>
+              <a:alpha val="50000"/>
+              <a:satMod val="150000"/>
+            </a:schemeClr>
           </a:solidFill>
           <a:prstDash val="solid"/>
-          <a:miter lim="800000"/>
         </a:ln>
       </a:lnStyleLst>
       <a:effectStyleLst>
@@ -3659,12 +4183,21 @@
         </a:effectStyle>
         <a:effectStyle>
           <a:effectLst>
-            <a:outerShdw blurRad="57150" dist="19050" dir="5400000" algn="ctr" rotWithShape="0">
+            <a:outerShdw blurRad="44450" dist="13970" dir="5400000" algn="ctr" rotWithShape="0">
               <a:srgbClr val="000000">
-                <a:alpha val="63000"/>
+                <a:alpha val="45000"/>
               </a:srgbClr>
             </a:outerShdw>
           </a:effectLst>
+          <a:scene3d>
+            <a:camera prst="orthographicFront">
+              <a:rot lat="0" lon="0" rev="0"/>
+            </a:camera>
+            <a:lightRig rig="twoPt" dir="tl"/>
+          </a:scene3d>
+          <a:sp3d prstMaterial="flat">
+            <a:bevelT w="12700" h="25400" prst="coolSlant"/>
+          </a:sp3d>
         </a:effectStyle>
       </a:effectStyleLst>
       <a:bgFillStyleLst>
@@ -3682,23 +4215,24 @@
             <a:gs pos="0">
               <a:schemeClr val="phClr">
                 <a:tint val="93000"/>
-                <a:satMod val="150000"/>
                 <a:shade val="98000"/>
+                <a:satMod val="120000"/>
                 <a:lumMod val="102000"/>
               </a:schemeClr>
             </a:gs>
-            <a:gs pos="50000">
+            <a:gs pos="48000">
               <a:schemeClr val="phClr">
                 <a:tint val="98000"/>
-                <a:satMod val="130000"/>
                 <a:shade val="90000"/>
+                <a:satMod val="110000"/>
                 <a:lumMod val="103000"/>
               </a:schemeClr>
             </a:gs>
             <a:gs pos="100000">
               <a:schemeClr val="phClr">
-                <a:shade val="63000"/>
-                <a:satMod val="120000"/>
+                <a:tint val="98000"/>
+                <a:shade val="80000"/>
+                <a:satMod val="100000"/>
               </a:schemeClr>
             </a:gs>
           </a:gsLst>
@@ -3711,7 +4245,7 @@
   <a:extraClrSchemeLst/>
   <a:extLst>
     <a:ext uri="{05A4C25C-085E-4340-85A3-A5531E510DB2}">
-      <thm15:themeFamily xmlns:thm15="http://schemas.microsoft.com/office/thememl/2012/main" name="Office Theme" id="{62F939B6-93AF-4DB8-9C6B-D6C7DFDC589F}" vid="{4A3C46E8-61CC-4603-A589-7422A47A8E4A}"/>
+      <thm15:themeFamily xmlns:thm15="http://schemas.microsoft.com/office/thememl/2012/main" name="Frame" id="{F226E7A2-7162-461C-9490-D27D9DC04E43}" vid="{39D77354-939E-4A26-AE51-B3F9618B14B7}"/>
     </a:ext>
   </a:extLst>
 </a:theme>

--- a/Presentación Taller GMap.pptx
+++ b/Presentación Taller GMap.pptx
@@ -9,8 +9,9 @@
     <p:sldId id="257" r:id="rId3"/>
     <p:sldId id="258" r:id="rId4"/>
     <p:sldId id="259" r:id="rId5"/>
-    <p:sldId id="261" r:id="rId6"/>
-    <p:sldId id="260" r:id="rId7"/>
+    <p:sldId id="262" r:id="rId6"/>
+    <p:sldId id="261" r:id="rId7"/>
+    <p:sldId id="260" r:id="rId8"/>
   </p:sldIdLst>
   <p:sldSz cx="12192000" cy="6858000"/>
   <p:notesSz cx="6858000" cy="9144000"/>
@@ -109,6 +110,11 @@
       </a:defRPr>
     </a:lvl9pPr>
   </p:defaultTextStyle>
+  <p:extLst>
+    <p:ext uri="{EFAFB233-063F-42B5-8137-9DF3F51BA10A}">
+      <p15:sldGuideLst xmlns:p15="http://schemas.microsoft.com/office/powerpoint/2012/main"/>
+    </p:ext>
+  </p:extLst>
 </p:presentation>
 </file>
 
@@ -3452,12 +3458,8 @@
           <a:lstStyle/>
           <a:p>
             <a:r>
-              <a:rPr lang="es-CO" dirty="0" err="1"/>
-              <a:t>Maria</a:t>
-            </a:r>
-            <a:r>
               <a:rPr lang="es-CO" dirty="0"/>
-              <a:t> Camila Lenis Restrepo</a:t>
+              <a:t>Maria Camila Lenis Restrepo</a:t>
             </a:r>
           </a:p>
           <a:p>
@@ -3671,7 +3673,7 @@
         </p:blipFill>
         <p:spPr bwMode="auto">
           <a:xfrm>
-            <a:off x="5707593" y="819149"/>
+            <a:off x="5707593" y="452324"/>
             <a:ext cx="3638550" cy="1343025"/>
           </a:xfrm>
           <a:prstGeom prst="rect">
@@ -3718,8 +3720,8 @@
         </p:blipFill>
         <p:spPr bwMode="auto">
           <a:xfrm>
-            <a:off x="5001208" y="2282745"/>
-            <a:ext cx="5314950" cy="3581432"/>
+            <a:off x="4449717" y="2207133"/>
+            <a:ext cx="6104980" cy="4113787"/>
           </a:xfrm>
           <a:prstGeom prst="rect">
             <a:avLst/>
@@ -3818,8 +3820,8 @@
         </p:blipFill>
         <p:spPr>
           <a:xfrm>
-            <a:off x="4195283" y="863600"/>
-            <a:ext cx="6662110" cy="5121275"/>
+            <a:off x="3694858" y="528828"/>
+            <a:ext cx="7533595" cy="5791200"/>
           </a:xfrm>
           <a:prstGeom prst="rect">
             <a:avLst/>
@@ -3842,6 +3844,17 @@
 <file path=ppt/slides/slide5.xml><?xml version="1.0" encoding="utf-8"?>
 <p:sld xmlns:a="http://schemas.openxmlformats.org/drawingml/2006/main" xmlns:r="http://schemas.openxmlformats.org/officeDocument/2006/relationships" xmlns:p="http://schemas.openxmlformats.org/presentationml/2006/main">
   <p:cSld>
+    <p:bg>
+      <p:bgPr>
+        <a:solidFill>
+          <a:schemeClr val="bg1">
+            <a:tint val="95000"/>
+            <a:satMod val="170000"/>
+          </a:schemeClr>
+        </a:solidFill>
+        <a:effectLst/>
+      </p:bgPr>
+    </p:bg>
     <p:spTree>
       <p:nvGrpSpPr>
         <p:cNvPr id="1" name=""/>
@@ -3858,10 +3871,237 @@
       </p:grpSpPr>
       <p:sp>
         <p:nvSpPr>
+          <p:cNvPr id="18" name="Rectangle 17">
+            <a:extLst>
+              <a:ext uri="{FF2B5EF4-FFF2-40B4-BE49-F238E27FC236}">
+                <a16:creationId xmlns:a16="http://schemas.microsoft.com/office/drawing/2014/main" id="{68DE3555-2858-4E7A-8CEB-160A1D63336F}"/>
+              </a:ext>
+              <a:ext uri="{C183D7F6-B498-43B3-948B-1728B52AA6E4}">
+                <adec:decorative xmlns:adec="http://schemas.microsoft.com/office/drawing/2017/decorative" val="1"/>
+              </a:ext>
+            </a:extLst>
+          </p:cNvPr>
+          <p:cNvSpPr>
+            <a:spLocks noGrp="1" noRot="1" noChangeAspect="1" noMove="1" noResize="1" noEditPoints="1" noAdjustHandles="1" noChangeArrowheads="1" noChangeShapeType="1" noTextEdit="1"/>
+          </p:cNvSpPr>
+          <p:nvPr>
+            <p:extLst>
+              <p:ext uri="{386F3935-93C4-4BCD-93E2-E3B085C9AB24}">
+                <p16:designElem xmlns:p16="http://schemas.microsoft.com/office/powerpoint/2015/main" val="1"/>
+              </p:ext>
+            </p:extLst>
+          </p:nvPr>
+        </p:nvSpPr>
+        <p:spPr>
+          <a:xfrm>
+            <a:off x="0" y="761999"/>
+            <a:ext cx="9141619" cy="5334001"/>
+          </a:xfrm>
+          <a:prstGeom prst="rect">
+            <a:avLst/>
+          </a:prstGeom>
+          <a:solidFill>
+            <a:schemeClr val="accent1"/>
+          </a:solidFill>
+          <a:ln>
+            <a:noFill/>
+          </a:ln>
+        </p:spPr>
+        <p:style>
+          <a:lnRef idx="2">
+            <a:schemeClr val="accent1">
+              <a:shade val="50000"/>
+            </a:schemeClr>
+          </a:lnRef>
+          <a:fillRef idx="1">
+            <a:schemeClr val="accent1"/>
+          </a:fillRef>
+          <a:effectRef idx="0">
+            <a:schemeClr val="accent1"/>
+          </a:effectRef>
+          <a:fontRef idx="minor">
+            <a:schemeClr val="lt1"/>
+          </a:fontRef>
+        </p:style>
+      </p:sp>
+      <p:sp>
+        <p:nvSpPr>
+          <p:cNvPr id="20" name="Rectangle 19">
+            <a:extLst>
+              <a:ext uri="{FF2B5EF4-FFF2-40B4-BE49-F238E27FC236}">
+                <a16:creationId xmlns:a16="http://schemas.microsoft.com/office/drawing/2014/main" id="{80254437-48FC-43CB-8500-B1331C826DF2}"/>
+              </a:ext>
+              <a:ext uri="{C183D7F6-B498-43B3-948B-1728B52AA6E4}">
+                <adec:decorative xmlns:adec="http://schemas.microsoft.com/office/drawing/2017/decorative" val="1"/>
+              </a:ext>
+            </a:extLst>
+          </p:cNvPr>
+          <p:cNvSpPr>
+            <a:spLocks noGrp="1" noRot="1" noChangeAspect="1" noMove="1" noResize="1" noEditPoints="1" noAdjustHandles="1" noChangeArrowheads="1" noChangeShapeType="1" noTextEdit="1"/>
+          </p:cNvSpPr>
+          <p:nvPr>
+            <p:extLst>
+              <p:ext uri="{386F3935-93C4-4BCD-93E2-E3B085C9AB24}">
+                <p16:designElem xmlns:p16="http://schemas.microsoft.com/office/powerpoint/2015/main" val="1"/>
+              </p:ext>
+            </p:extLst>
+          </p:nvPr>
+        </p:nvSpPr>
+        <p:spPr>
+          <a:xfrm>
+            <a:off x="9270263" y="761999"/>
+            <a:ext cx="2925318" cy="5334001"/>
+          </a:xfrm>
+          <a:prstGeom prst="rect">
+            <a:avLst/>
+          </a:prstGeom>
+          <a:solidFill>
+            <a:srgbClr val="C8C8C8">
+              <a:alpha val="50000"/>
+            </a:srgbClr>
+          </a:solidFill>
+          <a:ln>
+            <a:noFill/>
+          </a:ln>
+        </p:spPr>
+        <p:style>
+          <a:lnRef idx="2">
+            <a:schemeClr val="accent1">
+              <a:shade val="50000"/>
+            </a:schemeClr>
+          </a:lnRef>
+          <a:fillRef idx="1">
+            <a:schemeClr val="accent1"/>
+          </a:fillRef>
+          <a:effectRef idx="0">
+            <a:schemeClr val="accent1"/>
+          </a:effectRef>
+          <a:fontRef idx="minor">
+            <a:schemeClr val="lt1"/>
+          </a:fontRef>
+        </p:style>
+      </p:sp>
+      <p:sp useBgFill="1">
+        <p:nvSpPr>
+          <p:cNvPr id="22" name="Rectangle 21">
+            <a:extLst>
+              <a:ext uri="{FF2B5EF4-FFF2-40B4-BE49-F238E27FC236}">
+                <a16:creationId xmlns:a16="http://schemas.microsoft.com/office/drawing/2014/main" id="{4B392D36-B685-45E0-B197-6EE5D748093B}"/>
+              </a:ext>
+              <a:ext uri="{C183D7F6-B498-43B3-948B-1728B52AA6E4}">
+                <adec:decorative xmlns:adec="http://schemas.microsoft.com/office/drawing/2017/decorative" val="1"/>
+              </a:ext>
+            </a:extLst>
+          </p:cNvPr>
+          <p:cNvSpPr>
+            <a:spLocks noGrp="1" noRot="1" noChangeAspect="1" noMove="1" noResize="1" noEditPoints="1" noAdjustHandles="1" noChangeArrowheads="1" noChangeShapeType="1" noTextEdit="1"/>
+          </p:cNvSpPr>
+          <p:nvPr>
+            <p:extLst>
+              <p:ext uri="{386F3935-93C4-4BCD-93E2-E3B085C9AB24}">
+                <p16:designElem xmlns:p16="http://schemas.microsoft.com/office/powerpoint/2015/main" val="1"/>
+              </p:ext>
+            </p:extLst>
+          </p:nvPr>
+        </p:nvSpPr>
+        <p:spPr>
+          <a:xfrm>
+            <a:off x="0" y="0"/>
+            <a:ext cx="12191999" cy="6858000"/>
+          </a:xfrm>
+          <a:prstGeom prst="rect">
+            <a:avLst/>
+          </a:prstGeom>
+          <a:ln>
+            <a:noFill/>
+          </a:ln>
+        </p:spPr>
+        <p:style>
+          <a:lnRef idx="2">
+            <a:schemeClr val="accent1">
+              <a:shade val="50000"/>
+            </a:schemeClr>
+          </a:lnRef>
+          <a:fillRef idx="1">
+            <a:schemeClr val="accent1"/>
+          </a:fillRef>
+          <a:effectRef idx="0">
+            <a:schemeClr val="accent1"/>
+          </a:effectRef>
+          <a:fontRef idx="minor">
+            <a:schemeClr val="lt1"/>
+          </a:fontRef>
+        </p:style>
+        <p:txBody>
+          <a:bodyPr rtlCol="0" anchor="ctr"/>
+          <a:lstStyle/>
+          <a:p>
+            <a:pPr algn="ctr"/>
+            <a:endParaRPr lang="en-US"/>
+          </a:p>
+        </p:txBody>
+      </p:sp>
+      <p:sp>
+        <p:nvSpPr>
+          <p:cNvPr id="24" name="Rectangle 23">
+            <a:extLst>
+              <a:ext uri="{FF2B5EF4-FFF2-40B4-BE49-F238E27FC236}">
+                <a16:creationId xmlns:a16="http://schemas.microsoft.com/office/drawing/2014/main" id="{9DCA8533-CC5E-4754-9A04-047EDE49E0F9}"/>
+              </a:ext>
+              <a:ext uri="{C183D7F6-B498-43B3-948B-1728B52AA6E4}">
+                <adec:decorative xmlns:adec="http://schemas.microsoft.com/office/drawing/2017/decorative" val="1"/>
+              </a:ext>
+            </a:extLst>
+          </p:cNvPr>
+          <p:cNvSpPr>
+            <a:spLocks noGrp="1" noRot="1" noChangeAspect="1" noMove="1" noResize="1" noEditPoints="1" noAdjustHandles="1" noChangeArrowheads="1" noChangeShapeType="1" noTextEdit="1"/>
+          </p:cNvSpPr>
+          <p:nvPr>
+            <p:extLst>
+              <p:ext uri="{386F3935-93C4-4BCD-93E2-E3B085C9AB24}">
+                <p16:designElem xmlns:p16="http://schemas.microsoft.com/office/powerpoint/2015/main" val="1"/>
+              </p:ext>
+            </p:extLst>
+          </p:nvPr>
+        </p:nvSpPr>
+        <p:spPr>
+          <a:xfrm>
+            <a:off x="0" y="4367639"/>
+            <a:ext cx="11707367" cy="1852186"/>
+          </a:xfrm>
+          <a:prstGeom prst="rect">
+            <a:avLst/>
+          </a:prstGeom>
+          <a:solidFill>
+            <a:srgbClr val="44675C"/>
+          </a:solidFill>
+          <a:ln>
+            <a:noFill/>
+          </a:ln>
+        </p:spPr>
+        <p:style>
+          <a:lnRef idx="2">
+            <a:schemeClr val="accent1">
+              <a:shade val="50000"/>
+            </a:schemeClr>
+          </a:lnRef>
+          <a:fillRef idx="1">
+            <a:schemeClr val="accent1"/>
+          </a:fillRef>
+          <a:effectRef idx="0">
+            <a:schemeClr val="accent1"/>
+          </a:effectRef>
+          <a:fontRef idx="minor">
+            <a:schemeClr val="lt1"/>
+          </a:fontRef>
+        </p:style>
+      </p:sp>
+      <p:sp>
+        <p:nvSpPr>
           <p:cNvPr id="2" name="Título 1">
             <a:extLst>
               <a:ext uri="{FF2B5EF4-FFF2-40B4-BE49-F238E27FC236}">
-                <a16:creationId xmlns:a16="http://schemas.microsoft.com/office/drawing/2014/main" id="{6DCA8760-AC4B-4D13-83EE-46BE84486DD2}"/>
+                <a16:creationId xmlns:a16="http://schemas.microsoft.com/office/drawing/2014/main" id="{FD1C1F9F-5B66-4838-86C3-68B00F198C71}"/>
               </a:ext>
             </a:extLst>
           </p:cNvPr>
@@ -3874,62 +4114,346 @@
         </p:nvSpPr>
         <p:spPr>
           <a:xfrm>
-            <a:off x="159612" y="1128408"/>
-            <a:ext cx="3190077" cy="4601183"/>
+            <a:off x="1069848" y="4590661"/>
+            <a:ext cx="10210862" cy="1065690"/>
           </a:xfrm>
         </p:spPr>
         <p:txBody>
-          <a:bodyPr/>
-          <a:lstStyle/>
-          <a:p>
-            <a:r>
-              <a:rPr lang="es-CO" dirty="0"/>
-              <a:t>Implementación</a:t>
+          <a:bodyPr vert="horz" lIns="91440" tIns="45720" rIns="91440" bIns="45720" rtlCol="0" anchor="b">
+            <a:normAutofit/>
+          </a:bodyPr>
+          <a:lstStyle/>
+          <a:p>
+            <a:r>
+              <a:rPr lang="en-US" sz="3700" spc="-100" dirty="0" err="1"/>
+              <a:t>Búsqueda</a:t>
+            </a:r>
+            <a:r>
+              <a:rPr lang="en-US" sz="3700" spc="-100" dirty="0"/>
+              <a:t>, </a:t>
+            </a:r>
+            <a:r>
+              <a:rPr lang="en-US" sz="3700" spc="-100" dirty="0" err="1"/>
+              <a:t>diseño</a:t>
+            </a:r>
+            <a:r>
+              <a:rPr lang="en-US" sz="3700" spc="-100" dirty="0"/>
+              <a:t> y </a:t>
+            </a:r>
+            <a:r>
+              <a:rPr lang="en-US" sz="3700" spc="-100" dirty="0" err="1"/>
+              <a:t>evaluación</a:t>
+            </a:r>
+            <a:r>
+              <a:rPr lang="en-US" sz="3700" spc="-100" dirty="0"/>
+              <a:t> de la </a:t>
+            </a:r>
+            <a:r>
+              <a:rPr lang="en-US" sz="3700" spc="-100" dirty="0" err="1"/>
+              <a:t>mejor</a:t>
+            </a:r>
+            <a:r>
+              <a:rPr lang="en-US" sz="3700" spc="-100" dirty="0"/>
+              <a:t> </a:t>
+            </a:r>
+            <a:r>
+              <a:rPr lang="en-US" sz="3700" spc="-100" dirty="0" err="1"/>
+              <a:t>solución</a:t>
+            </a:r>
+            <a:endParaRPr lang="en-US" sz="3700" spc="-100" dirty="0"/>
+          </a:p>
+        </p:txBody>
+      </p:sp>
+      <p:sp>
+        <p:nvSpPr>
+          <p:cNvPr id="5" name="Marcador de contenido 4">
+            <a:extLst>
+              <a:ext uri="{FF2B5EF4-FFF2-40B4-BE49-F238E27FC236}">
+                <a16:creationId xmlns:a16="http://schemas.microsoft.com/office/drawing/2014/main" id="{0E573B32-D35E-4A23-A997-FA2C94EC9F47}"/>
+              </a:ext>
+            </a:extLst>
+          </p:cNvPr>
+          <p:cNvSpPr>
+            <a:spLocks noGrp="1"/>
+          </p:cNvSpPr>
+          <p:nvPr>
+            <p:ph idx="1"/>
+          </p:nvPr>
+        </p:nvSpPr>
+        <p:spPr>
+          <a:xfrm>
+            <a:off x="1100014" y="5666792"/>
+            <a:ext cx="10180696" cy="542592"/>
+          </a:xfrm>
+        </p:spPr>
+        <p:txBody>
+          <a:bodyPr vert="horz" lIns="91440" tIns="45720" rIns="91440" bIns="45720" rtlCol="0" anchor="t">
+            <a:normAutofit/>
+          </a:bodyPr>
+          <a:lstStyle/>
+          <a:p>
+            <a:pPr marL="0" indent="0">
+              <a:buNone/>
+            </a:pPr>
+            <a:r>
+              <a:rPr lang="en-US" sz="1600" dirty="0">
+                <a:solidFill>
+                  <a:srgbClr val="FFFFFF"/>
+                </a:solidFill>
+              </a:rPr>
+              <a:t>Icons made by </a:t>
+            </a:r>
+            <a:r>
+              <a:rPr lang="en-US" sz="1600" dirty="0" err="1">
+                <a:solidFill>
+                  <a:srgbClr val="FFFFFF"/>
+                </a:solidFill>
+              </a:rPr>
+              <a:t>Freepick</a:t>
+            </a:r>
+            <a:r>
+              <a:rPr lang="en-US" sz="1600" dirty="0">
+                <a:solidFill>
+                  <a:srgbClr val="FFFFFF"/>
+                </a:solidFill>
+              </a:rPr>
+              <a:t> from www.flaticon.com</a:t>
             </a:r>
           </a:p>
         </p:txBody>
       </p:sp>
       <p:pic>
         <p:nvPicPr>
-          <p:cNvPr id="4" name="Marcador de contenido 3">
+          <p:cNvPr id="7" name="Imagen 6">
             <a:extLst>
               <a:ext uri="{FF2B5EF4-FFF2-40B4-BE49-F238E27FC236}">
-                <a16:creationId xmlns:a16="http://schemas.microsoft.com/office/drawing/2014/main" id="{E7B0EF87-6B77-42B9-8881-B78358050A4D}"/>
+                <a16:creationId xmlns:a16="http://schemas.microsoft.com/office/drawing/2014/main" id="{439F6940-BFD0-479A-BAB4-A45EF30D3C19}"/>
               </a:ext>
             </a:extLst>
           </p:cNvPr>
           <p:cNvPicPr>
-            <a:picLocks noGrp="1" noChangeAspect="1"/>
+            <a:picLocks noChangeAspect="1"/>
           </p:cNvPicPr>
-          <p:nvPr>
-            <p:ph idx="1"/>
-          </p:nvPr>
+          <p:nvPr/>
         </p:nvPicPr>
         <p:blipFill>
-          <a:blip r:embed="rId2"/>
+          <a:blip r:embed="rId2">
+            <a:extLst>
+              <a:ext uri="{28A0092B-C50C-407E-A947-70E740481C1C}">
+                <a14:useLocalDpi xmlns:a14="http://schemas.microsoft.com/office/drawing/2010/main" val="0"/>
+              </a:ext>
+            </a:extLst>
+          </a:blip>
           <a:stretch>
             <a:fillRect/>
           </a:stretch>
         </p:blipFill>
         <p:spPr>
           <a:xfrm>
-            <a:off x="3868738" y="2084788"/>
-            <a:ext cx="7315200" cy="2678899"/>
+            <a:off x="1063691" y="993437"/>
+            <a:ext cx="2539145" cy="2539145"/>
           </a:xfrm>
           <a:prstGeom prst="rect">
             <a:avLst/>
           </a:prstGeom>
         </p:spPr>
       </p:pic>
+      <p:pic>
+        <p:nvPicPr>
+          <p:cNvPr id="13" name="Imagen 12" descr="Imagen que contiene gráficos vectoriales, transporte&#10;&#10;Descripción generada con confianza alta">
+            <a:extLst>
+              <a:ext uri="{FF2B5EF4-FFF2-40B4-BE49-F238E27FC236}">
+                <a16:creationId xmlns:a16="http://schemas.microsoft.com/office/drawing/2014/main" id="{8B131461-2CBE-4DDE-AA9D-F621CF144B80}"/>
+              </a:ext>
+            </a:extLst>
+          </p:cNvPr>
+          <p:cNvPicPr>
+            <a:picLocks noChangeAspect="1"/>
+          </p:cNvPicPr>
+          <p:nvPr/>
+        </p:nvPicPr>
+        <p:blipFill>
+          <a:blip r:embed="rId3">
+            <a:extLst>
+              <a:ext uri="{28A0092B-C50C-407E-A947-70E740481C1C}">
+                <a14:useLocalDpi xmlns:a14="http://schemas.microsoft.com/office/drawing/2010/main" val="0"/>
+              </a:ext>
+            </a:extLst>
+          </a:blip>
+          <a:stretch>
+            <a:fillRect/>
+          </a:stretch>
+        </p:blipFill>
+        <p:spPr>
+          <a:xfrm>
+            <a:off x="6375897" y="903272"/>
+            <a:ext cx="2539145" cy="2539145"/>
+          </a:xfrm>
+          <a:prstGeom prst="rect">
+            <a:avLst/>
+          </a:prstGeom>
+        </p:spPr>
+      </p:pic>
+      <p:pic>
+        <p:nvPicPr>
+          <p:cNvPr id="9" name="Imagen 8">
+            <a:extLst>
+              <a:ext uri="{FF2B5EF4-FFF2-40B4-BE49-F238E27FC236}">
+                <a16:creationId xmlns:a16="http://schemas.microsoft.com/office/drawing/2014/main" id="{13FBE474-5F5A-4235-B060-60B413A04F10}"/>
+              </a:ext>
+            </a:extLst>
+          </p:cNvPr>
+          <p:cNvPicPr>
+            <a:picLocks noChangeAspect="1"/>
+          </p:cNvPicPr>
+          <p:nvPr/>
+        </p:nvPicPr>
+        <p:blipFill>
+          <a:blip r:embed="rId4">
+            <a:extLst>
+              <a:ext uri="{28A0092B-C50C-407E-A947-70E740481C1C}">
+                <a14:useLocalDpi xmlns:a14="http://schemas.microsoft.com/office/drawing/2010/main" val="0"/>
+              </a:ext>
+            </a:extLst>
+          </a:blip>
+          <a:stretch>
+            <a:fillRect/>
+          </a:stretch>
+        </p:blipFill>
+        <p:spPr>
+          <a:xfrm>
+            <a:off x="3709374" y="946544"/>
+            <a:ext cx="2539147" cy="2539147"/>
+          </a:xfrm>
+          <a:prstGeom prst="rect">
+            <a:avLst/>
+          </a:prstGeom>
+        </p:spPr>
+      </p:pic>
+      <p:pic>
+        <p:nvPicPr>
+          <p:cNvPr id="11" name="Imagen 10" descr="Imagen que contiene gráficos vectoriales&#10;&#10;Descripción generada con confianza alta">
+            <a:extLst>
+              <a:ext uri="{FF2B5EF4-FFF2-40B4-BE49-F238E27FC236}">
+                <a16:creationId xmlns:a16="http://schemas.microsoft.com/office/drawing/2014/main" id="{BA0D0C54-0BE8-426A-9A6E-809DAB05DE49}"/>
+              </a:ext>
+            </a:extLst>
+          </p:cNvPr>
+          <p:cNvPicPr>
+            <a:picLocks noChangeAspect="1"/>
+          </p:cNvPicPr>
+          <p:nvPr/>
+        </p:nvPicPr>
+        <p:blipFill>
+          <a:blip r:embed="rId5">
+            <a:extLst>
+              <a:ext uri="{28A0092B-C50C-407E-A947-70E740481C1C}">
+                <a14:useLocalDpi xmlns:a14="http://schemas.microsoft.com/office/drawing/2010/main" val="0"/>
+              </a:ext>
+            </a:extLst>
+          </a:blip>
+          <a:stretch>
+            <a:fillRect/>
+          </a:stretch>
+        </p:blipFill>
+        <p:spPr>
+          <a:xfrm>
+            <a:off x="9163725" y="993436"/>
+            <a:ext cx="2539147" cy="2539147"/>
+          </a:xfrm>
+          <a:prstGeom prst="rect">
+            <a:avLst/>
+          </a:prstGeom>
+        </p:spPr>
+      </p:pic>
+      <p:sp>
+        <p:nvSpPr>
+          <p:cNvPr id="32" name="Título 1">
+            <a:extLst>
+              <a:ext uri="{FF2B5EF4-FFF2-40B4-BE49-F238E27FC236}">
+                <a16:creationId xmlns:a16="http://schemas.microsoft.com/office/drawing/2014/main" id="{6F6E0087-B5E5-4434-B5F1-3E7E9E72E732}"/>
+              </a:ext>
+            </a:extLst>
+          </p:cNvPr>
+          <p:cNvSpPr txBox="1">
+            <a:spLocks/>
+          </p:cNvSpPr>
+          <p:nvPr/>
+        </p:nvSpPr>
+        <p:spPr>
+          <a:xfrm>
+            <a:off x="639152" y="3442417"/>
+            <a:ext cx="11063720" cy="878329"/>
+          </a:xfrm>
+          <a:prstGeom prst="rect">
+            <a:avLst/>
+          </a:prstGeom>
+        </p:spPr>
+        <p:txBody>
+          <a:bodyPr vert="horz" lIns="91440" tIns="45720" rIns="91440" bIns="45720" rtlCol="0" anchor="b">
+            <a:normAutofit/>
+          </a:bodyPr>
+          <a:lstStyle>
+            <a:lvl1pPr algn="l" defTabSz="914400" rtl="0" eaLnBrk="1" latinLnBrk="0" hangingPunct="1">
+              <a:lnSpc>
+                <a:spcPct val="90000"/>
+              </a:lnSpc>
+              <a:spcBef>
+                <a:spcPct val="0"/>
+              </a:spcBef>
+              <a:buNone/>
+              <a:defRPr sz="3600" kern="1200" spc="-60" baseline="0">
+                <a:solidFill>
+                  <a:srgbClr val="FFFFFF"/>
+                </a:solidFill>
+                <a:latin typeface="+mj-lt"/>
+                <a:ea typeface="+mj-ea"/>
+                <a:cs typeface="+mj-cs"/>
+              </a:defRPr>
+            </a:lvl1pPr>
+          </a:lstStyle>
+          <a:p>
+            <a:r>
+              <a:rPr lang="en-US" sz="2800" spc="-100" dirty="0" err="1"/>
+              <a:t>Obtención</a:t>
+            </a:r>
+            <a:r>
+              <a:rPr lang="en-US" sz="2800" spc="-100" dirty="0"/>
+              <a:t> de la </a:t>
+            </a:r>
+            <a:r>
+              <a:rPr lang="en-US" sz="2800" spc="-100" dirty="0" err="1"/>
+              <a:t>información</a:t>
+            </a:r>
+            <a:r>
+              <a:rPr lang="en-US" sz="2800" spc="-100" dirty="0"/>
+              <a:t>                                    </a:t>
+            </a:r>
+            <a:r>
+              <a:rPr lang="en-US" sz="2800" spc="-100" dirty="0" err="1"/>
+              <a:t>Visualización</a:t>
+            </a:r>
+            <a:r>
+              <a:rPr lang="en-US" sz="2800" spc="-100" dirty="0"/>
+              <a:t> de la </a:t>
+            </a:r>
+            <a:r>
+              <a:rPr lang="en-US" sz="2800" spc="-100" dirty="0" err="1"/>
+              <a:t>información</a:t>
+            </a:r>
+            <a:endParaRPr lang="en-US" sz="2800" spc="-100" dirty="0"/>
+          </a:p>
+        </p:txBody>
+      </p:sp>
     </p:spTree>
     <p:extLst>
       <p:ext uri="{BB962C8B-B14F-4D97-AF65-F5344CB8AC3E}">
-        <p14:creationId xmlns:p14="http://schemas.microsoft.com/office/powerpoint/2010/main" val="3900918993"/>
+        <p14:creationId xmlns:p14="http://schemas.microsoft.com/office/powerpoint/2010/main" val="2175881925"/>
       </p:ext>
     </p:extLst>
   </p:cSld>
   <p:clrMapOvr>
-    <a:masterClrMapping/>
+    <a:overrideClrMapping bg1="dk1" tx1="lt1" bg2="dk2" tx2="lt2" accent1="accent1" accent2="accent2" accent3="accent3" accent4="accent4" accent5="accent5" accent6="accent6" hlink="hlink" folHlink="folHlink"/>
   </p:clrMapOvr>
 </p:sld>
 </file>
@@ -3956,6 +4480,106 @@
           <p:cNvPr id="2" name="Título 1">
             <a:extLst>
               <a:ext uri="{FF2B5EF4-FFF2-40B4-BE49-F238E27FC236}">
+                <a16:creationId xmlns:a16="http://schemas.microsoft.com/office/drawing/2014/main" id="{6DCA8760-AC4B-4D13-83EE-46BE84486DD2}"/>
+              </a:ext>
+            </a:extLst>
+          </p:cNvPr>
+          <p:cNvSpPr>
+            <a:spLocks noGrp="1"/>
+          </p:cNvSpPr>
+          <p:nvPr>
+            <p:ph type="title"/>
+          </p:nvPr>
+        </p:nvSpPr>
+        <p:spPr>
+          <a:xfrm>
+            <a:off x="0" y="836862"/>
+            <a:ext cx="3205898" cy="1442514"/>
+          </a:xfrm>
+        </p:spPr>
+        <p:txBody>
+          <a:bodyPr/>
+          <a:lstStyle/>
+          <a:p>
+            <a:r>
+              <a:rPr lang="es-CO" dirty="0"/>
+              <a:t>Implementación</a:t>
+            </a:r>
+          </a:p>
+        </p:txBody>
+      </p:sp>
+      <p:pic>
+        <p:nvPicPr>
+          <p:cNvPr id="4" name="Marcador de contenido 3">
+            <a:extLst>
+              <a:ext uri="{FF2B5EF4-FFF2-40B4-BE49-F238E27FC236}">
+                <a16:creationId xmlns:a16="http://schemas.microsoft.com/office/drawing/2014/main" id="{E7B0EF87-6B77-42B9-8881-B78358050A4D}"/>
+              </a:ext>
+            </a:extLst>
+          </p:cNvPr>
+          <p:cNvPicPr>
+            <a:picLocks noGrp="1" noChangeAspect="1"/>
+          </p:cNvPicPr>
+          <p:nvPr>
+            <p:ph idx="1"/>
+          </p:nvPr>
+        </p:nvPicPr>
+        <p:blipFill>
+          <a:blip r:embed="rId2"/>
+          <a:stretch>
+            <a:fillRect/>
+          </a:stretch>
+        </p:blipFill>
+        <p:spPr>
+          <a:xfrm>
+            <a:off x="609255" y="2279376"/>
+            <a:ext cx="10973490" cy="4018602"/>
+          </a:xfrm>
+          <a:prstGeom prst="rect">
+            <a:avLst/>
+          </a:prstGeom>
+          <a:ln>
+            <a:solidFill>
+              <a:schemeClr val="tx1"/>
+            </a:solidFill>
+          </a:ln>
+        </p:spPr>
+      </p:pic>
+    </p:spTree>
+    <p:extLst>
+      <p:ext uri="{BB962C8B-B14F-4D97-AF65-F5344CB8AC3E}">
+        <p14:creationId xmlns:p14="http://schemas.microsoft.com/office/powerpoint/2010/main" val="3900918993"/>
+      </p:ext>
+    </p:extLst>
+  </p:cSld>
+  <p:clrMapOvr>
+    <a:masterClrMapping/>
+  </p:clrMapOvr>
+</p:sld>
+</file>
+
+<file path=ppt/slides/slide7.xml><?xml version="1.0" encoding="utf-8"?>
+<p:sld xmlns:a="http://schemas.openxmlformats.org/drawingml/2006/main" xmlns:r="http://schemas.openxmlformats.org/officeDocument/2006/relationships" xmlns:p="http://schemas.openxmlformats.org/presentationml/2006/main">
+  <p:cSld>
+    <p:spTree>
+      <p:nvGrpSpPr>
+        <p:cNvPr id="1" name=""/>
+        <p:cNvGrpSpPr/>
+        <p:nvPr/>
+      </p:nvGrpSpPr>
+      <p:grpSpPr>
+        <a:xfrm>
+          <a:off x="0" y="0"/>
+          <a:ext cx="0" cy="0"/>
+          <a:chOff x="0" y="0"/>
+          <a:chExt cx="0" cy="0"/>
+        </a:xfrm>
+      </p:grpSpPr>
+      <p:sp>
+        <p:nvSpPr>
+          <p:cNvPr id="2" name="Título 1">
+            <a:extLst>
+              <a:ext uri="{FF2B5EF4-FFF2-40B4-BE49-F238E27FC236}">
                 <a16:creationId xmlns:a16="http://schemas.microsoft.com/office/drawing/2014/main" id="{673CCEAF-7CC4-474B-B356-E5B10E6851D1}"/>
               </a:ext>
             </a:extLst>
@@ -3999,6 +4623,26 @@
         <p:txBody>
           <a:bodyPr/>
           <a:lstStyle/>
+          <a:p>
+            <a:r>
+              <a:rPr lang="es-CO" dirty="0"/>
+              <a:t>El método de la ingeniería nos permite pulir una solución aún cuando el objetivo es utilizar una herramienta específica. </a:t>
+            </a:r>
+          </a:p>
+          <a:p>
+            <a:r>
+              <a:rPr lang="es-CO" dirty="0"/>
+              <a:t> </a:t>
+            </a:r>
+            <a:r>
+              <a:rPr lang="es-CO" dirty="0" err="1"/>
+              <a:t>Gmaps</a:t>
+            </a:r>
+            <a:r>
+              <a:rPr lang="es-CO" dirty="0"/>
+              <a:t> es una librería que permite darle solución a problemas como el planteado anteriormente.</a:t>
+            </a:r>
+          </a:p>
           <a:p>
             <a:r>
               <a:rPr lang="es-CO" dirty="0"/>

--- a/Presentación Taller GMap.pptx
+++ b/Presentación Taller GMap.pptx
@@ -7,11 +7,12 @@
   <p:sldIdLst>
     <p:sldId id="256" r:id="rId2"/>
     <p:sldId id="257" r:id="rId3"/>
-    <p:sldId id="258" r:id="rId4"/>
-    <p:sldId id="259" r:id="rId5"/>
+    <p:sldId id="265" r:id="rId4"/>
+    <p:sldId id="258" r:id="rId5"/>
     <p:sldId id="262" r:id="rId6"/>
     <p:sldId id="261" r:id="rId7"/>
-    <p:sldId id="260" r:id="rId8"/>
+    <p:sldId id="264" r:id="rId8"/>
+    <p:sldId id="260" r:id="rId9"/>
   </p:sldIdLst>
   <p:sldSz cx="12192000" cy="6858000"/>
   <p:notesSz cx="6858000" cy="9144000"/>
@@ -3593,6 +3594,115 @@
       </p:grpSpPr>
       <p:sp>
         <p:nvSpPr>
+          <p:cNvPr id="2" name="Título 1">
+            <a:extLst>
+              <a:ext uri="{FF2B5EF4-FFF2-40B4-BE49-F238E27FC236}">
+                <a16:creationId xmlns:a16="http://schemas.microsoft.com/office/drawing/2014/main" id="{801EC8A1-3907-4CE4-9426-2CD0DFA7D344}"/>
+              </a:ext>
+            </a:extLst>
+          </p:cNvPr>
+          <p:cNvSpPr>
+            <a:spLocks noGrp="1"/>
+          </p:cNvSpPr>
+          <p:nvPr>
+            <p:ph type="title"/>
+          </p:nvPr>
+        </p:nvSpPr>
+        <p:spPr>
+          <a:xfrm>
+            <a:off x="252919" y="1123837"/>
+            <a:ext cx="3077510" cy="4601183"/>
+          </a:xfrm>
+        </p:spPr>
+        <p:txBody>
+          <a:bodyPr/>
+          <a:lstStyle/>
+          <a:p>
+            <a:r>
+              <a:rPr lang="es-CO" dirty="0"/>
+              <a:t>Requerimientos funcionales</a:t>
+            </a:r>
+          </a:p>
+        </p:txBody>
+      </p:sp>
+      <p:sp>
+        <p:nvSpPr>
+          <p:cNvPr id="3" name="Marcador de contenido 2">
+            <a:extLst>
+              <a:ext uri="{FF2B5EF4-FFF2-40B4-BE49-F238E27FC236}">
+                <a16:creationId xmlns:a16="http://schemas.microsoft.com/office/drawing/2014/main" id="{F61E0D8E-9537-4332-A911-B0ED21B72266}"/>
+              </a:ext>
+            </a:extLst>
+          </p:cNvPr>
+          <p:cNvSpPr>
+            <a:spLocks noGrp="1"/>
+          </p:cNvSpPr>
+          <p:nvPr>
+            <p:ph idx="1"/>
+          </p:nvPr>
+        </p:nvSpPr>
+        <p:spPr/>
+        <p:txBody>
+          <a:bodyPr/>
+          <a:lstStyle/>
+          <a:p>
+            <a:pPr lvl="0"/>
+            <a:r>
+              <a:rPr lang="es-CO" dirty="0"/>
+              <a:t>Se debe mostrar información del terremoto tal como: lugar, longitud, latitud, magnitud, fecha y hora.</a:t>
+            </a:r>
+          </a:p>
+          <a:p>
+            <a:pPr lvl="0"/>
+            <a:r>
+              <a:rPr lang="es-CO" dirty="0"/>
+              <a:t>Se debe visualizar de manera gráfica un mapamundi con marcadores en los lugares donde han ocurrido terremotos.</a:t>
+            </a:r>
+          </a:p>
+          <a:p>
+            <a:pPr lvl="0"/>
+            <a:r>
+              <a:rPr lang="es-CO" dirty="0"/>
+              <a:t>Se debe actualizar la información sobre los terremotos cada que se inicia la aplicación.</a:t>
+            </a:r>
+          </a:p>
+          <a:p>
+            <a:endParaRPr lang="es-CO" dirty="0"/>
+          </a:p>
+        </p:txBody>
+      </p:sp>
+    </p:spTree>
+    <p:extLst>
+      <p:ext uri="{BB962C8B-B14F-4D97-AF65-F5344CB8AC3E}">
+        <p14:creationId xmlns:p14="http://schemas.microsoft.com/office/powerpoint/2010/main" val="4088512077"/>
+      </p:ext>
+    </p:extLst>
+  </p:cSld>
+  <p:clrMapOvr>
+    <a:masterClrMapping/>
+  </p:clrMapOvr>
+</p:sld>
+</file>
+
+<file path=ppt/slides/slide4.xml><?xml version="1.0" encoding="utf-8"?>
+<p:sld xmlns:a="http://schemas.openxmlformats.org/drawingml/2006/main" xmlns:r="http://schemas.openxmlformats.org/officeDocument/2006/relationships" xmlns:p="http://schemas.openxmlformats.org/presentationml/2006/main">
+  <p:cSld>
+    <p:spTree>
+      <p:nvGrpSpPr>
+        <p:cNvPr id="1" name=""/>
+        <p:cNvGrpSpPr/>
+        <p:nvPr/>
+      </p:nvGrpSpPr>
+      <p:grpSpPr>
+        <a:xfrm>
+          <a:off x="0" y="0"/>
+          <a:ext cx="0" cy="0"/>
+          <a:chOff x="0" y="0"/>
+          <a:chExt cx="0" cy="0"/>
+        </a:xfrm>
+      </p:grpSpPr>
+      <p:sp>
+        <p:nvSpPr>
           <p:cNvPr id="3" name="Marcador de contenido 2">
             <a:extLst>
               <a:ext uri="{FF2B5EF4-FFF2-40B4-BE49-F238E27FC236}">
@@ -3742,96 +3852,6 @@
     <p:extLst>
       <p:ext uri="{BB962C8B-B14F-4D97-AF65-F5344CB8AC3E}">
         <p14:creationId xmlns:p14="http://schemas.microsoft.com/office/powerpoint/2010/main" val="3611111644"/>
-      </p:ext>
-    </p:extLst>
-  </p:cSld>
-  <p:clrMapOvr>
-    <a:masterClrMapping/>
-  </p:clrMapOvr>
-</p:sld>
-</file>
-
-<file path=ppt/slides/slide4.xml><?xml version="1.0" encoding="utf-8"?>
-<p:sld xmlns:a="http://schemas.openxmlformats.org/drawingml/2006/main" xmlns:r="http://schemas.openxmlformats.org/officeDocument/2006/relationships" xmlns:p="http://schemas.openxmlformats.org/presentationml/2006/main">
-  <p:cSld>
-    <p:spTree>
-      <p:nvGrpSpPr>
-        <p:cNvPr id="1" name=""/>
-        <p:cNvGrpSpPr/>
-        <p:nvPr/>
-      </p:nvGrpSpPr>
-      <p:grpSpPr>
-        <a:xfrm>
-          <a:off x="0" y="0"/>
-          <a:ext cx="0" cy="0"/>
-          <a:chOff x="0" y="0"/>
-          <a:chExt cx="0" cy="0"/>
-        </a:xfrm>
-      </p:grpSpPr>
-      <p:sp>
-        <p:nvSpPr>
-          <p:cNvPr id="2" name="Título 1">
-            <a:extLst>
-              <a:ext uri="{FF2B5EF4-FFF2-40B4-BE49-F238E27FC236}">
-                <a16:creationId xmlns:a16="http://schemas.microsoft.com/office/drawing/2014/main" id="{72816F7A-E5D9-4BED-BDF8-9B2912660D33}"/>
-              </a:ext>
-            </a:extLst>
-          </p:cNvPr>
-          <p:cNvSpPr>
-            <a:spLocks noGrp="1"/>
-          </p:cNvSpPr>
-          <p:nvPr>
-            <p:ph type="title"/>
-          </p:nvPr>
-        </p:nvSpPr>
-        <p:spPr/>
-        <p:txBody>
-          <a:bodyPr/>
-          <a:lstStyle/>
-          <a:p>
-            <a:r>
-              <a:rPr lang="es-CO" dirty="0"/>
-              <a:t>Búsqueda de información</a:t>
-            </a:r>
-          </a:p>
-        </p:txBody>
-      </p:sp>
-      <p:pic>
-        <p:nvPicPr>
-          <p:cNvPr id="4" name="Marcador de contenido 3">
-            <a:extLst>
-              <a:ext uri="{FF2B5EF4-FFF2-40B4-BE49-F238E27FC236}">
-                <a16:creationId xmlns:a16="http://schemas.microsoft.com/office/drawing/2014/main" id="{5DAA0CFE-88E3-421D-879E-967D44C3F753}"/>
-              </a:ext>
-            </a:extLst>
-          </p:cNvPr>
-          <p:cNvPicPr>
-            <a:picLocks noGrp="1" noChangeAspect="1"/>
-          </p:cNvPicPr>
-          <p:nvPr>
-            <p:ph idx="1"/>
-          </p:nvPr>
-        </p:nvPicPr>
-        <p:blipFill>
-          <a:blip r:embed="rId2"/>
-          <a:stretch>
-            <a:fillRect/>
-          </a:stretch>
-        </p:blipFill>
-        <p:spPr>
-          <a:xfrm>
-            <a:off x="3694858" y="528828"/>
-            <a:ext cx="7533595" cy="5791200"/>
-          </a:xfrm>
-          <a:prstGeom prst="rect">
-            <a:avLst/>
-          </a:prstGeom>
-        </p:spPr>
-      </p:pic>
-    </p:spTree>
-    <p:extLst>
-      <p:ext uri="{BB962C8B-B14F-4D97-AF65-F5344CB8AC3E}">
-        <p14:creationId xmlns:p14="http://schemas.microsoft.com/office/powerpoint/2010/main" val="4087294455"/>
       </p:ext>
     </p:extLst>
   </p:cSld>
@@ -4510,10 +4530,11 @@
       </p:sp>
       <p:pic>
         <p:nvPicPr>
-          <p:cNvPr id="4" name="Marcador de contenido 3">
+          <p:cNvPr id="6" name="Video programa">
+            <a:hlinkClick r:id="" action="ppaction://media"/>
             <a:extLst>
               <a:ext uri="{FF2B5EF4-FFF2-40B4-BE49-F238E27FC236}">
-                <a16:creationId xmlns:a16="http://schemas.microsoft.com/office/drawing/2014/main" id="{E7B0EF87-6B77-42B9-8881-B78358050A4D}"/>
+                <a16:creationId xmlns:a16="http://schemas.microsoft.com/office/drawing/2014/main" id="{DC8D0928-5424-4ED8-BE7B-AC184C9D7138}"/>
               </a:ext>
             </a:extLst>
           </p:cNvPr>
@@ -4522,27 +4543,25 @@
           </p:cNvPicPr>
           <p:nvPr>
             <p:ph idx="1"/>
+            <a:videoFile r:link="rId2"/>
+            <p:extLst>
+              <p:ext uri="{DAA4B4D4-6D71-4841-9C94-3DE7FCFB9230}">
+                <p14:media xmlns:p14="http://schemas.microsoft.com/office/powerpoint/2010/main" r:embed="rId1"/>
+              </p:ext>
+            </p:extLst>
           </p:nvPr>
         </p:nvPicPr>
         <p:blipFill>
-          <a:blip r:embed="rId2"/>
+          <a:blip r:embed="rId4"/>
           <a:stretch>
             <a:fillRect/>
           </a:stretch>
         </p:blipFill>
         <p:spPr>
           <a:xfrm>
-            <a:off x="609255" y="2279376"/>
-            <a:ext cx="10973490" cy="4018602"/>
+            <a:off x="0" y="0"/>
+            <a:ext cx="12192000" cy="6858000"/>
           </a:xfrm>
-          <a:prstGeom prst="rect">
-            <a:avLst/>
-          </a:prstGeom>
-          <a:ln>
-            <a:solidFill>
-              <a:schemeClr val="tx1"/>
-            </a:solidFill>
-          </a:ln>
         </p:spPr>
       </p:pic>
     </p:spTree>
@@ -4555,10 +4574,315 @@
   <p:clrMapOvr>
     <a:masterClrMapping/>
   </p:clrMapOvr>
+  <p:timing>
+    <p:tnLst>
+      <p:par>
+        <p:cTn id="1" dur="indefinite" restart="never" nodeType="tmRoot">
+          <p:childTnLst>
+            <p:seq concurrent="1" nextAc="seek">
+              <p:cTn id="2" dur="indefinite" nodeType="mainSeq">
+                <p:childTnLst>
+                  <p:par>
+                    <p:cTn id="3" fill="hold">
+                      <p:stCondLst>
+                        <p:cond delay="indefinite"/>
+                      </p:stCondLst>
+                      <p:childTnLst>
+                        <p:par>
+                          <p:cTn id="4" fill="hold">
+                            <p:stCondLst>
+                              <p:cond delay="0"/>
+                            </p:stCondLst>
+                            <p:childTnLst>
+                              <p:par>
+                                <p:cTn id="5" presetID="1" presetClass="mediacall" presetSubtype="0" fill="hold" nodeType="clickEffect">
+                                  <p:stCondLst>
+                                    <p:cond delay="0"/>
+                                  </p:stCondLst>
+                                  <p:childTnLst>
+                                    <p:cmd type="call" cmd="playFrom(0.0)">
+                                      <p:cBhvr>
+                                        <p:cTn id="6" dur="13375" fill="hold"/>
+                                        <p:tgtEl>
+                                          <p:spTgt spid="6"/>
+                                        </p:tgtEl>
+                                      </p:cBhvr>
+                                    </p:cmd>
+                                  </p:childTnLst>
+                                </p:cTn>
+                              </p:par>
+                            </p:childTnLst>
+                          </p:cTn>
+                        </p:par>
+                      </p:childTnLst>
+                    </p:cTn>
+                  </p:par>
+                </p:childTnLst>
+              </p:cTn>
+              <p:prevCondLst>
+                <p:cond evt="onPrev" delay="0">
+                  <p:tgtEl>
+                    <p:sldTgt/>
+                  </p:tgtEl>
+                </p:cond>
+              </p:prevCondLst>
+              <p:nextCondLst>
+                <p:cond evt="onNext" delay="0">
+                  <p:tgtEl>
+                    <p:sldTgt/>
+                  </p:tgtEl>
+                </p:cond>
+              </p:nextCondLst>
+            </p:seq>
+            <p:video>
+              <p:cMediaNode vol="80000">
+                <p:cTn id="7" fill="hold" display="0">
+                  <p:stCondLst>
+                    <p:cond delay="indefinite"/>
+                  </p:stCondLst>
+                </p:cTn>
+                <p:tgtEl>
+                  <p:spTgt spid="6"/>
+                </p:tgtEl>
+              </p:cMediaNode>
+            </p:video>
+            <p:seq concurrent="1" nextAc="seek">
+              <p:cTn id="8" restart="whenNotActive" fill="hold" evtFilter="cancelBubble" nodeType="interactiveSeq">
+                <p:stCondLst>
+                  <p:cond evt="onClick" delay="0">
+                    <p:tgtEl>
+                      <p:spTgt spid="6"/>
+                    </p:tgtEl>
+                  </p:cond>
+                </p:stCondLst>
+                <p:endSync evt="end" delay="0">
+                  <p:rtn val="all"/>
+                </p:endSync>
+                <p:childTnLst>
+                  <p:par>
+                    <p:cTn id="9" fill="hold">
+                      <p:stCondLst>
+                        <p:cond delay="0"/>
+                      </p:stCondLst>
+                      <p:childTnLst>
+                        <p:par>
+                          <p:cTn id="10" fill="hold">
+                            <p:stCondLst>
+                              <p:cond delay="0"/>
+                            </p:stCondLst>
+                            <p:childTnLst>
+                              <p:par>
+                                <p:cTn id="11" presetID="2" presetClass="mediacall" presetSubtype="0" fill="hold" nodeType="clickEffect">
+                                  <p:stCondLst>
+                                    <p:cond delay="0"/>
+                                  </p:stCondLst>
+                                  <p:childTnLst>
+                                    <p:cmd type="call" cmd="togglePause">
+                                      <p:cBhvr>
+                                        <p:cTn id="12" dur="1" fill="hold"/>
+                                        <p:tgtEl>
+                                          <p:spTgt spid="6"/>
+                                        </p:tgtEl>
+                                      </p:cBhvr>
+                                    </p:cmd>
+                                  </p:childTnLst>
+                                </p:cTn>
+                              </p:par>
+                            </p:childTnLst>
+                          </p:cTn>
+                        </p:par>
+                      </p:childTnLst>
+                    </p:cTn>
+                  </p:par>
+                </p:childTnLst>
+              </p:cTn>
+              <p:nextCondLst>
+                <p:cond evt="onClick" delay="0">
+                  <p:tgtEl>
+                    <p:spTgt spid="6"/>
+                  </p:tgtEl>
+                </p:cond>
+              </p:nextCondLst>
+            </p:seq>
+          </p:childTnLst>
+        </p:cTn>
+      </p:par>
+    </p:tnLst>
+  </p:timing>
 </p:sld>
 </file>
 
 <file path=ppt/slides/slide7.xml><?xml version="1.0" encoding="utf-8"?>
+<p:sld xmlns:a="http://schemas.openxmlformats.org/drawingml/2006/main" xmlns:r="http://schemas.openxmlformats.org/officeDocument/2006/relationships" xmlns:p="http://schemas.openxmlformats.org/presentationml/2006/main">
+  <p:cSld>
+    <p:bg>
+      <p:bgPr>
+        <a:solidFill>
+          <a:schemeClr val="bg1"/>
+        </a:solidFill>
+        <a:effectLst/>
+      </p:bgPr>
+    </p:bg>
+    <p:spTree>
+      <p:nvGrpSpPr>
+        <p:cNvPr id="1" name=""/>
+        <p:cNvGrpSpPr/>
+        <p:nvPr/>
+      </p:nvGrpSpPr>
+      <p:grpSpPr>
+        <a:xfrm>
+          <a:off x="0" y="0"/>
+          <a:ext cx="0" cy="0"/>
+          <a:chOff x="0" y="0"/>
+          <a:chExt cx="0" cy="0"/>
+        </a:xfrm>
+      </p:grpSpPr>
+      <p:sp useBgFill="1">
+        <p:nvSpPr>
+          <p:cNvPr id="20" name="Rectangle 9">
+            <a:extLst>
+              <a:ext uri="{FF2B5EF4-FFF2-40B4-BE49-F238E27FC236}">
+                <a16:creationId xmlns:a16="http://schemas.microsoft.com/office/drawing/2014/main" id="{B0632639-B30C-4E12-8187-12F8D1A74097}"/>
+              </a:ext>
+              <a:ext uri="{C183D7F6-B498-43B3-948B-1728B52AA6E4}">
+                <adec:decorative xmlns:adec="http://schemas.microsoft.com/office/drawing/2017/decorative" val="1"/>
+              </a:ext>
+            </a:extLst>
+          </p:cNvPr>
+          <p:cNvSpPr>
+            <a:spLocks noGrp="1" noRot="1" noChangeAspect="1" noMove="1" noResize="1" noEditPoints="1" noAdjustHandles="1" noChangeArrowheads="1" noChangeShapeType="1" noTextEdit="1"/>
+          </p:cNvSpPr>
+          <p:nvPr>
+            <p:extLst>
+              <p:ext uri="{386F3935-93C4-4BCD-93E2-E3B085C9AB24}">
+                <p16:designElem xmlns:p16="http://schemas.microsoft.com/office/powerpoint/2015/main" val="1"/>
+              </p:ext>
+            </p:extLst>
+          </p:nvPr>
+        </p:nvSpPr>
+        <p:spPr>
+          <a:xfrm>
+            <a:off x="0" y="0"/>
+            <a:ext cx="12192000" cy="6858000"/>
+          </a:xfrm>
+          <a:prstGeom prst="rect">
+            <a:avLst/>
+          </a:prstGeom>
+          <a:ln>
+            <a:noFill/>
+          </a:ln>
+        </p:spPr>
+        <p:style>
+          <a:lnRef idx="2">
+            <a:schemeClr val="accent1">
+              <a:shade val="50000"/>
+            </a:schemeClr>
+          </a:lnRef>
+          <a:fillRef idx="1">
+            <a:schemeClr val="accent1"/>
+          </a:fillRef>
+          <a:effectRef idx="0">
+            <a:schemeClr val="accent1"/>
+          </a:effectRef>
+          <a:fontRef idx="minor">
+            <a:schemeClr val="lt1"/>
+          </a:fontRef>
+        </p:style>
+        <p:txBody>
+          <a:bodyPr rtlCol="0" anchor="ctr"/>
+          <a:lstStyle/>
+          <a:p>
+            <a:pPr algn="ctr"/>
+            <a:endParaRPr lang="en-US"/>
+          </a:p>
+        </p:txBody>
+      </p:sp>
+      <p:pic>
+        <p:nvPicPr>
+          <p:cNvPr id="3" name="Imagen 2">
+            <a:extLst>
+              <a:ext uri="{FF2B5EF4-FFF2-40B4-BE49-F238E27FC236}">
+                <a16:creationId xmlns:a16="http://schemas.microsoft.com/office/drawing/2014/main" id="{C1A5DF09-64AC-4D66-9AA5-36DEB46B35DF}"/>
+              </a:ext>
+            </a:extLst>
+          </p:cNvPr>
+          <p:cNvPicPr>
+            <a:picLocks noChangeAspect="1"/>
+          </p:cNvPicPr>
+          <p:nvPr/>
+        </p:nvPicPr>
+        <p:blipFill>
+          <a:blip r:embed="rId2">
+            <a:extLst>
+              <a:ext uri="{28A0092B-C50C-407E-A947-70E740481C1C}">
+                <a14:useLocalDpi xmlns:a14="http://schemas.microsoft.com/office/drawing/2010/main" val="0"/>
+              </a:ext>
+            </a:extLst>
+          </a:blip>
+          <a:stretch>
+            <a:fillRect/>
+          </a:stretch>
+        </p:blipFill>
+        <p:spPr>
+          <a:xfrm>
+            <a:off x="474567" y="276899"/>
+            <a:ext cx="6335882" cy="6304201"/>
+          </a:xfrm>
+          <a:prstGeom prst="rect">
+            <a:avLst/>
+          </a:prstGeom>
+        </p:spPr>
+      </p:pic>
+      <p:pic>
+        <p:nvPicPr>
+          <p:cNvPr id="5" name="Imagen 4">
+            <a:extLst>
+              <a:ext uri="{FF2B5EF4-FFF2-40B4-BE49-F238E27FC236}">
+                <a16:creationId xmlns:a16="http://schemas.microsoft.com/office/drawing/2014/main" id="{B2F5E6E0-6C41-4BC4-B280-7ECF2DF9C6F0}"/>
+              </a:ext>
+            </a:extLst>
+          </p:cNvPr>
+          <p:cNvPicPr>
+            <a:picLocks noChangeAspect="1"/>
+          </p:cNvPicPr>
+          <p:nvPr/>
+        </p:nvPicPr>
+        <p:blipFill>
+          <a:blip r:embed="rId3">
+            <a:extLst>
+              <a:ext uri="{28A0092B-C50C-407E-A947-70E740481C1C}">
+                <a14:useLocalDpi xmlns:a14="http://schemas.microsoft.com/office/drawing/2010/main" val="0"/>
+              </a:ext>
+            </a:extLst>
+          </a:blip>
+          <a:stretch>
+            <a:fillRect/>
+          </a:stretch>
+        </p:blipFill>
+        <p:spPr>
+          <a:xfrm>
+            <a:off x="7585786" y="1404382"/>
+            <a:ext cx="4335969" cy="3566334"/>
+          </a:xfrm>
+          <a:prstGeom prst="rect">
+            <a:avLst/>
+          </a:prstGeom>
+        </p:spPr>
+      </p:pic>
+    </p:spTree>
+    <p:extLst>
+      <p:ext uri="{BB962C8B-B14F-4D97-AF65-F5344CB8AC3E}">
+        <p14:creationId xmlns:p14="http://schemas.microsoft.com/office/powerpoint/2010/main" val="2388142787"/>
+      </p:ext>
+    </p:extLst>
+  </p:cSld>
+  <p:clrMapOvr>
+    <a:masterClrMapping/>
+  </p:clrMapOvr>
+</p:sld>
+</file>
+
+<file path=ppt/slides/slide8.xml><?xml version="1.0" encoding="utf-8"?>
 <p:sld xmlns:a="http://schemas.openxmlformats.org/drawingml/2006/main" xmlns:r="http://schemas.openxmlformats.org/officeDocument/2006/relationships" xmlns:p="http://schemas.openxmlformats.org/presentationml/2006/main">
   <p:cSld>
     <p:spTree>
